--- a/testing-presentation.pptx
+++ b/testing-presentation.pptx
@@ -5,28 +5,36 @@
     <p:sldMasterId id="2147483648" r:id="rId1"/>
   </p:sldMasterIdLst>
   <p:notesMasterIdLst>
-    <p:notesMasterId r:id="rId21"/>
+    <p:notesMasterId r:id="rId29"/>
   </p:notesMasterIdLst>
   <p:sldIdLst>
     <p:sldId id="256" r:id="rId2"/>
-    <p:sldId id="267" r:id="rId3"/>
-    <p:sldId id="261" r:id="rId4"/>
-    <p:sldId id="262" r:id="rId5"/>
-    <p:sldId id="259" r:id="rId6"/>
-    <p:sldId id="263" r:id="rId7"/>
-    <p:sldId id="268" r:id="rId8"/>
-    <p:sldId id="258" r:id="rId9"/>
-    <p:sldId id="264" r:id="rId10"/>
-    <p:sldId id="257" r:id="rId11"/>
-    <p:sldId id="265" r:id="rId12"/>
-    <p:sldId id="269" r:id="rId13"/>
-    <p:sldId id="270" r:id="rId14"/>
-    <p:sldId id="271" r:id="rId15"/>
-    <p:sldId id="275" r:id="rId16"/>
-    <p:sldId id="276" r:id="rId17"/>
-    <p:sldId id="272" r:id="rId18"/>
-    <p:sldId id="260" r:id="rId19"/>
-    <p:sldId id="273" r:id="rId20"/>
+    <p:sldId id="284" r:id="rId3"/>
+    <p:sldId id="267" r:id="rId4"/>
+    <p:sldId id="261" r:id="rId5"/>
+    <p:sldId id="262" r:id="rId6"/>
+    <p:sldId id="259" r:id="rId7"/>
+    <p:sldId id="282" r:id="rId8"/>
+    <p:sldId id="263" r:id="rId9"/>
+    <p:sldId id="268" r:id="rId10"/>
+    <p:sldId id="258" r:id="rId11"/>
+    <p:sldId id="264" r:id="rId12"/>
+    <p:sldId id="257" r:id="rId13"/>
+    <p:sldId id="265" r:id="rId14"/>
+    <p:sldId id="269" r:id="rId15"/>
+    <p:sldId id="270" r:id="rId16"/>
+    <p:sldId id="271" r:id="rId17"/>
+    <p:sldId id="275" r:id="rId18"/>
+    <p:sldId id="272" r:id="rId19"/>
+    <p:sldId id="276" r:id="rId20"/>
+    <p:sldId id="283" r:id="rId21"/>
+    <p:sldId id="281" r:id="rId22"/>
+    <p:sldId id="260" r:id="rId23"/>
+    <p:sldId id="273" r:id="rId24"/>
+    <p:sldId id="280" r:id="rId25"/>
+    <p:sldId id="278" r:id="rId26"/>
+    <p:sldId id="279" r:id="rId27"/>
+    <p:sldId id="277" r:id="rId28"/>
   </p:sldIdLst>
   <p:sldSz cx="12192000" cy="6858000"/>
   <p:notesSz cx="6858000" cy="9144000"/>
@@ -131,10 +139,6 @@
     </p:ext>
   </p:extLst>
 </p:presentation>
-</file>
-
-<file path=ppt/revisionInfo.xml><?xml version="1.0" encoding="utf-8"?>
-<p1510:revInfo xmlns:a="http://schemas.openxmlformats.org/drawingml/2006/main" xmlns:r="http://schemas.openxmlformats.org/officeDocument/2006/relationships" xmlns:p1510="http://schemas.microsoft.com/office/powerpoint/2015/10/main"/>
 </file>
 
 <file path=ppt/notesMasters/notesMaster1.xml><?xml version="1.0" encoding="utf-8"?>
@@ -532,13 +536,19 @@
           <a:p>
             <a:r>
               <a:rPr lang="en-US" dirty="0"/>
-              <a:t>Don’t use a system clock—use a mock for it</a:t>
-            </a:r>
-          </a:p>
-          <a:p>
-            <a:r>
-              <a:rPr lang="en-US" dirty="0"/>
-              <a:t>Don’t test against a real Db, mock out the data</a:t>
+              <a:t>Helps contextualize the problem</a:t>
+            </a:r>
+          </a:p>
+          <a:p>
+            <a:r>
+              <a:rPr lang="en-US" dirty="0"/>
+              <a:t>Makes testing easier… if there are automated tests. </a:t>
+            </a:r>
+          </a:p>
+          <a:p>
+            <a:r>
+              <a:rPr lang="en-US" dirty="0"/>
+              <a:t>Encourages refactoring </a:t>
             </a:r>
           </a:p>
         </p:txBody>
@@ -560,7 +570,7 @@
           <a:p>
             <a:fld id="{8F6B0B11-0579-4849-A75B-66F1A88823CB}" type="slidenum">
               <a:rPr lang="en-US" smtClean="0"/>
-              <a:t>10</a:t>
+              <a:t>6</a:t>
             </a:fld>
             <a:endParaRPr lang="en-US"/>
           </a:p>
@@ -569,7 +579,7 @@
     </p:spTree>
     <p:extLst>
       <p:ext uri="{BB962C8B-B14F-4D97-AF65-F5344CB8AC3E}">
-        <p14:creationId xmlns:p14="http://schemas.microsoft.com/office/powerpoint/2010/main" val="4164206567"/>
+        <p14:creationId xmlns:p14="http://schemas.microsoft.com/office/powerpoint/2010/main" val="2899191893"/>
       </p:ext>
     </p:extLst>
   </p:cSld>
@@ -625,19 +635,7 @@
           <a:p>
             <a:r>
               <a:rPr lang="en-US" dirty="0"/>
-              <a:t>-What if Reset() were broken?</a:t>
-            </a:r>
-          </a:p>
-          <a:p>
-            <a:r>
-              <a:rPr lang="en-US" dirty="0"/>
-              <a:t>-Using Assemble / Act / Assert will improve clarity, as will renaming test names</a:t>
-            </a:r>
-          </a:p>
-          <a:p>
-            <a:r>
-              <a:rPr lang="en-US" dirty="0"/>
-              <a:t>-All of which will serve as better documentation</a:t>
+              <a:t>Even if it takes you weeks to write the perfect unit test… It’s taken care of for all future testing.</a:t>
             </a:r>
           </a:p>
         </p:txBody>
@@ -659,7 +657,7 @@
           <a:p>
             <a:fld id="{8F6B0B11-0579-4849-A75B-66F1A88823CB}" type="slidenum">
               <a:rPr lang="en-US" smtClean="0"/>
-              <a:t>13</a:t>
+              <a:t>7</a:t>
             </a:fld>
             <a:endParaRPr lang="en-US"/>
           </a:p>
@@ -668,7 +666,7 @@
     </p:spTree>
     <p:extLst>
       <p:ext uri="{BB962C8B-B14F-4D97-AF65-F5344CB8AC3E}">
-        <p14:creationId xmlns:p14="http://schemas.microsoft.com/office/powerpoint/2010/main" val="1508196501"/>
+        <p14:creationId xmlns:p14="http://schemas.microsoft.com/office/powerpoint/2010/main" val="2598168971"/>
       </p:ext>
     </p:extLst>
   </p:cSld>
@@ -724,6 +722,209 @@
           <a:p>
             <a:r>
               <a:rPr lang="en-US" dirty="0"/>
+              <a:t>Don’t use a system clock—use a mock for it</a:t>
+            </a:r>
+          </a:p>
+          <a:p>
+            <a:r>
+              <a:rPr lang="en-US" dirty="0"/>
+              <a:t>Don’t test against a real Db, mock out the data</a:t>
+            </a:r>
+          </a:p>
+          <a:p>
+            <a:r>
+              <a:rPr lang="en-US" dirty="0"/>
+              <a:t>Logging is a great example of a simple method that could fail </a:t>
+            </a:r>
+            <a:r>
+              <a:rPr lang="en-US"/>
+              <a:t>for unexpected reasons</a:t>
+            </a:r>
+            <a:endParaRPr lang="en-US" dirty="0"/>
+          </a:p>
+        </p:txBody>
+      </p:sp>
+      <p:sp>
+        <p:nvSpPr>
+          <p:cNvPr id="4" name="Slide Number Placeholder 3"/>
+          <p:cNvSpPr>
+            <a:spLocks noGrp="1"/>
+          </p:cNvSpPr>
+          <p:nvPr>
+            <p:ph type="sldNum" sz="quarter" idx="10"/>
+          </p:nvPr>
+        </p:nvSpPr>
+        <p:spPr/>
+        <p:txBody>
+          <a:bodyPr/>
+          <a:lstStyle/>
+          <a:p>
+            <a:fld id="{8F6B0B11-0579-4849-A75B-66F1A88823CB}" type="slidenum">
+              <a:rPr lang="en-US" smtClean="0"/>
+              <a:t>12</a:t>
+            </a:fld>
+            <a:endParaRPr lang="en-US"/>
+          </a:p>
+        </p:txBody>
+      </p:sp>
+    </p:spTree>
+    <p:extLst>
+      <p:ext uri="{BB962C8B-B14F-4D97-AF65-F5344CB8AC3E}">
+        <p14:creationId xmlns:p14="http://schemas.microsoft.com/office/powerpoint/2010/main" val="4164206567"/>
+      </p:ext>
+    </p:extLst>
+  </p:cSld>
+  <p:clrMapOvr>
+    <a:masterClrMapping/>
+  </p:clrMapOvr>
+</p:notes>
+</file>
+
+<file path=ppt/notesSlides/notesSlide4.xml><?xml version="1.0" encoding="utf-8"?>
+<p:notes xmlns:a="http://schemas.openxmlformats.org/drawingml/2006/main" xmlns:r="http://schemas.openxmlformats.org/officeDocument/2006/relationships" xmlns:p="http://schemas.openxmlformats.org/presentationml/2006/main">
+  <p:cSld>
+    <p:spTree>
+      <p:nvGrpSpPr>
+        <p:cNvPr id="1" name=""/>
+        <p:cNvGrpSpPr/>
+        <p:nvPr/>
+      </p:nvGrpSpPr>
+      <p:grpSpPr>
+        <a:xfrm>
+          <a:off x="0" y="0"/>
+          <a:ext cx="0" cy="0"/>
+          <a:chOff x="0" y="0"/>
+          <a:chExt cx="0" cy="0"/>
+        </a:xfrm>
+      </p:grpSpPr>
+      <p:sp>
+        <p:nvSpPr>
+          <p:cNvPr id="2" name="Slide Image Placeholder 1"/>
+          <p:cNvSpPr>
+            <a:spLocks noGrp="1" noRot="1" noChangeAspect="1"/>
+          </p:cNvSpPr>
+          <p:nvPr>
+            <p:ph type="sldImg"/>
+          </p:nvPr>
+        </p:nvSpPr>
+        <p:spPr/>
+      </p:sp>
+      <p:sp>
+        <p:nvSpPr>
+          <p:cNvPr id="3" name="Notes Placeholder 2"/>
+          <p:cNvSpPr>
+            <a:spLocks noGrp="1"/>
+          </p:cNvSpPr>
+          <p:nvPr>
+            <p:ph type="body" idx="1"/>
+          </p:nvPr>
+        </p:nvSpPr>
+        <p:spPr/>
+        <p:txBody>
+          <a:bodyPr/>
+          <a:lstStyle/>
+          <a:p>
+            <a:r>
+              <a:rPr lang="en-US" dirty="0"/>
+              <a:t>-What if Reset() were broken?</a:t>
+            </a:r>
+          </a:p>
+          <a:p>
+            <a:r>
+              <a:rPr lang="en-US" dirty="0"/>
+              <a:t>-Using Assemble / Act / Assert will improve clarity, as will renaming test names</a:t>
+            </a:r>
+          </a:p>
+          <a:p>
+            <a:r>
+              <a:rPr lang="en-US" dirty="0"/>
+              <a:t>-All of which will serve as better documentation</a:t>
+            </a:r>
+          </a:p>
+        </p:txBody>
+      </p:sp>
+      <p:sp>
+        <p:nvSpPr>
+          <p:cNvPr id="4" name="Slide Number Placeholder 3"/>
+          <p:cNvSpPr>
+            <a:spLocks noGrp="1"/>
+          </p:cNvSpPr>
+          <p:nvPr>
+            <p:ph type="sldNum" sz="quarter" idx="10"/>
+          </p:nvPr>
+        </p:nvSpPr>
+        <p:spPr/>
+        <p:txBody>
+          <a:bodyPr/>
+          <a:lstStyle/>
+          <a:p>
+            <a:fld id="{8F6B0B11-0579-4849-A75B-66F1A88823CB}" type="slidenum">
+              <a:rPr lang="en-US" smtClean="0"/>
+              <a:t>15</a:t>
+            </a:fld>
+            <a:endParaRPr lang="en-US"/>
+          </a:p>
+        </p:txBody>
+      </p:sp>
+    </p:spTree>
+    <p:extLst>
+      <p:ext uri="{BB962C8B-B14F-4D97-AF65-F5344CB8AC3E}">
+        <p14:creationId xmlns:p14="http://schemas.microsoft.com/office/powerpoint/2010/main" val="1508196501"/>
+      </p:ext>
+    </p:extLst>
+  </p:cSld>
+  <p:clrMapOvr>
+    <a:masterClrMapping/>
+  </p:clrMapOvr>
+</p:notes>
+</file>
+
+<file path=ppt/notesSlides/notesSlide5.xml><?xml version="1.0" encoding="utf-8"?>
+<p:notes xmlns:a="http://schemas.openxmlformats.org/drawingml/2006/main" xmlns:r="http://schemas.openxmlformats.org/officeDocument/2006/relationships" xmlns:p="http://schemas.openxmlformats.org/presentationml/2006/main">
+  <p:cSld>
+    <p:spTree>
+      <p:nvGrpSpPr>
+        <p:cNvPr id="1" name=""/>
+        <p:cNvGrpSpPr/>
+        <p:nvPr/>
+      </p:nvGrpSpPr>
+      <p:grpSpPr>
+        <a:xfrm>
+          <a:off x="0" y="0"/>
+          <a:ext cx="0" cy="0"/>
+          <a:chOff x="0" y="0"/>
+          <a:chExt cx="0" cy="0"/>
+        </a:xfrm>
+      </p:grpSpPr>
+      <p:sp>
+        <p:nvSpPr>
+          <p:cNvPr id="2" name="Slide Image Placeholder 1"/>
+          <p:cNvSpPr>
+            <a:spLocks noGrp="1" noRot="1" noChangeAspect="1"/>
+          </p:cNvSpPr>
+          <p:nvPr>
+            <p:ph type="sldImg"/>
+          </p:nvPr>
+        </p:nvSpPr>
+        <p:spPr/>
+      </p:sp>
+      <p:sp>
+        <p:nvSpPr>
+          <p:cNvPr id="3" name="Notes Placeholder 2"/>
+          <p:cNvSpPr>
+            <a:spLocks noGrp="1"/>
+          </p:cNvSpPr>
+          <p:nvPr>
+            <p:ph type="body" idx="1"/>
+          </p:nvPr>
+        </p:nvSpPr>
+        <p:spPr/>
+        <p:txBody>
+          <a:bodyPr/>
+          <a:lstStyle/>
+          <a:p>
+            <a:r>
+              <a:rPr lang="en-US" dirty="0"/>
               <a:t>Filter using drop-down or search-syntax (class, project, error message, output, outcome, </a:t>
             </a:r>
             <a:r>
@@ -754,7 +955,7 @@
           <a:p>
             <a:fld id="{8F6B0B11-0579-4849-A75B-66F1A88823CB}" type="slidenum">
               <a:rPr lang="en-US" smtClean="0"/>
-              <a:t>16</a:t>
+              <a:t>19</a:t>
             </a:fld>
             <a:endParaRPr lang="en-US"/>
           </a:p>
@@ -764,6 +965,101 @@
     <p:extLst>
       <p:ext uri="{BB962C8B-B14F-4D97-AF65-F5344CB8AC3E}">
         <p14:creationId xmlns:p14="http://schemas.microsoft.com/office/powerpoint/2010/main" val="999524259"/>
+      </p:ext>
+    </p:extLst>
+  </p:cSld>
+  <p:clrMapOvr>
+    <a:masterClrMapping/>
+  </p:clrMapOvr>
+</p:notes>
+</file>
+
+<file path=ppt/notesSlides/notesSlide6.xml><?xml version="1.0" encoding="utf-8"?>
+<p:notes xmlns:a="http://schemas.openxmlformats.org/drawingml/2006/main" xmlns:r="http://schemas.openxmlformats.org/officeDocument/2006/relationships" xmlns:p="http://schemas.openxmlformats.org/presentationml/2006/main">
+  <p:cSld>
+    <p:spTree>
+      <p:nvGrpSpPr>
+        <p:cNvPr id="1" name=""/>
+        <p:cNvGrpSpPr/>
+        <p:nvPr/>
+      </p:nvGrpSpPr>
+      <p:grpSpPr>
+        <a:xfrm>
+          <a:off x="0" y="0"/>
+          <a:ext cx="0" cy="0"/>
+          <a:chOff x="0" y="0"/>
+          <a:chExt cx="0" cy="0"/>
+        </a:xfrm>
+      </p:grpSpPr>
+      <p:sp>
+        <p:nvSpPr>
+          <p:cNvPr id="2" name="Slide Image Placeholder 1"/>
+          <p:cNvSpPr>
+            <a:spLocks noGrp="1" noRot="1" noChangeAspect="1"/>
+          </p:cNvSpPr>
+          <p:nvPr>
+            <p:ph type="sldImg"/>
+          </p:nvPr>
+        </p:nvSpPr>
+        <p:spPr/>
+      </p:sp>
+      <p:sp>
+        <p:nvSpPr>
+          <p:cNvPr id="3" name="Notes Placeholder 2"/>
+          <p:cNvSpPr>
+            <a:spLocks noGrp="1"/>
+          </p:cNvSpPr>
+          <p:nvPr>
+            <p:ph type="body" idx="1"/>
+          </p:nvPr>
+        </p:nvSpPr>
+        <p:spPr/>
+        <p:txBody>
+          <a:bodyPr/>
+          <a:lstStyle/>
+          <a:p>
+            <a:r>
+              <a:rPr lang="en-US" dirty="0"/>
+              <a:t>Filter using drop-down or search-syntax (class, project, error message, output, outcome, </a:t>
+            </a:r>
+            <a:r>
+              <a:rPr lang="en-US" dirty="0" err="1"/>
+              <a:t>filepath</a:t>
+            </a:r>
+            <a:r>
+              <a:rPr lang="en-US" dirty="0"/>
+              <a:t>)</a:t>
+            </a:r>
+          </a:p>
+        </p:txBody>
+      </p:sp>
+      <p:sp>
+        <p:nvSpPr>
+          <p:cNvPr id="4" name="Slide Number Placeholder 3"/>
+          <p:cNvSpPr>
+            <a:spLocks noGrp="1"/>
+          </p:cNvSpPr>
+          <p:nvPr>
+            <p:ph type="sldNum" sz="quarter" idx="10"/>
+          </p:nvPr>
+        </p:nvSpPr>
+        <p:spPr/>
+        <p:txBody>
+          <a:bodyPr/>
+          <a:lstStyle/>
+          <a:p>
+            <a:fld id="{8F6B0B11-0579-4849-A75B-66F1A88823CB}" type="slidenum">
+              <a:rPr lang="en-US" smtClean="0"/>
+              <a:t>20</a:t>
+            </a:fld>
+            <a:endParaRPr lang="en-US"/>
+          </a:p>
+        </p:txBody>
+      </p:sp>
+    </p:spTree>
+    <p:extLst>
+      <p:ext uri="{BB962C8B-B14F-4D97-AF65-F5344CB8AC3E}">
+        <p14:creationId xmlns:p14="http://schemas.microsoft.com/office/powerpoint/2010/main" val="665251980"/>
       </p:ext>
     </p:extLst>
   </p:cSld>
@@ -4081,7 +4377,7 @@
           <p:cNvPr id="2" name="Title 1">
             <a:extLst>
               <a:ext uri="{FF2B5EF4-FFF2-40B4-BE49-F238E27FC236}">
-                <a16:creationId xmlns:a16="http://schemas.microsoft.com/office/drawing/2014/main" id="{27DFAA6C-06B9-48D4-BBB6-916AAF841183}"/>
+                <a16:creationId xmlns:a16="http://schemas.microsoft.com/office/drawing/2014/main" id="{1E64685C-9EDD-42BC-88D3-DDFA51DB7E30}"/>
               </a:ext>
             </a:extLst>
           </p:cNvPr>
@@ -4099,22 +4395,14 @@
           <a:p>
             <a:r>
               <a:rPr lang="en-US" sz="2000" i="1" dirty="0"/>
-              <a:t>What to Test</a:t>
+              <a:t>When to Test</a:t>
             </a:r>
             <a:br>
               <a:rPr lang="en-US" dirty="0"/>
             </a:br>
             <a:r>
-              <a:rPr lang="en-US" dirty="0" err="1"/>
-              <a:t>TEST</a:t>
-            </a:r>
-            <a:r>
-              <a:rPr lang="en-US" dirty="0"/>
-              <a:t> ALL THE THINGS… </a:t>
-            </a:r>
-            <a:r>
-              <a:rPr lang="en-US" sz="2800" dirty="0"/>
-              <a:t>not really, but sort of</a:t>
+              <a:rPr lang="en-US" dirty="0"/>
+              <a:t>Always… Be… Testing</a:t>
             </a:r>
           </a:p>
         </p:txBody>
@@ -4124,7 +4412,7 @@
           <p:cNvPr id="3" name="Content Placeholder 2">
             <a:extLst>
               <a:ext uri="{FF2B5EF4-FFF2-40B4-BE49-F238E27FC236}">
-                <a16:creationId xmlns:a16="http://schemas.microsoft.com/office/drawing/2014/main" id="{C9A358CC-A8F1-4DE4-9393-C5226E86610B}"/>
+                <a16:creationId xmlns:a16="http://schemas.microsoft.com/office/drawing/2014/main" id="{B7278E87-0731-49D5-B20D-C734B8709381}"/>
               </a:ext>
             </a:extLst>
           </p:cNvPr>
@@ -4137,109 +4425,54 @@
         </p:nvSpPr>
         <p:spPr/>
         <p:txBody>
-          <a:bodyPr>
-            <a:normAutofit fontScale="70000" lnSpcReduction="20000"/>
-          </a:bodyPr>
-          <a:lstStyle/>
-          <a:p>
-            <a:r>
-              <a:rPr lang="en-US" i="1" dirty="0"/>
-              <a:t>Don’t test…</a:t>
-            </a:r>
-          </a:p>
-          <a:p>
-            <a:pPr lvl="1"/>
-            <a:r>
-              <a:rPr lang="en-US" dirty="0"/>
-              <a:t>Multiple things at once (make separate tests)</a:t>
-            </a:r>
-          </a:p>
-          <a:p>
-            <a:pPr lvl="1"/>
-            <a:r>
-              <a:rPr lang="en-US" dirty="0"/>
-              <a:t>Private methods</a:t>
-            </a:r>
-          </a:p>
-          <a:p>
-            <a:pPr lvl="1"/>
-            <a:r>
-              <a:rPr lang="en-US" i="1" dirty="0"/>
-              <a:t>Other</a:t>
-            </a:r>
-            <a:r>
-              <a:rPr lang="en-US" dirty="0"/>
-              <a:t> methods while testing a method</a:t>
-            </a:r>
-          </a:p>
-          <a:p>
-            <a:pPr lvl="1"/>
-            <a:r>
-              <a:rPr lang="en-US" dirty="0"/>
-              <a:t>Avoid writing tests that use external / uncontrollable resources</a:t>
-            </a:r>
-          </a:p>
-          <a:p>
-            <a:pPr lvl="1"/>
-            <a:r>
-              <a:rPr lang="en-US" dirty="0"/>
-              <a:t>… And test everything else</a:t>
-            </a:r>
-          </a:p>
-          <a:p>
-            <a:pPr marL="0" indent="0">
-              <a:buNone/>
-            </a:pPr>
-            <a:endParaRPr lang="en-US" dirty="0"/>
-          </a:p>
-          <a:p>
-            <a:r>
-              <a:rPr lang="en-US" dirty="0"/>
-              <a:t>Test a specific, desired output for a specific, intended input </a:t>
-            </a:r>
-          </a:p>
-          <a:p>
-            <a:pPr lvl="1"/>
-            <a:r>
-              <a:rPr lang="en-US" dirty="0"/>
-              <a:t>Like the methods they test, tests should be single purpose</a:t>
-            </a:r>
-          </a:p>
-          <a:p>
-            <a:pPr lvl="1"/>
-            <a:r>
-              <a:rPr lang="en-US" dirty="0"/>
-              <a:t>Unit Testing</a:t>
-            </a:r>
-          </a:p>
-          <a:p>
-            <a:endParaRPr lang="en-US" dirty="0"/>
-          </a:p>
-          <a:p>
-            <a:r>
-              <a:rPr lang="en-US" dirty="0"/>
-              <a:t>Test every public method*</a:t>
-            </a:r>
-          </a:p>
-          <a:p>
-            <a:pPr lvl="1"/>
-            <a:r>
-              <a:rPr lang="en-US" dirty="0"/>
-              <a:t>*But every public method should be performing one, specific task</a:t>
-            </a:r>
-          </a:p>
-          <a:p>
-            <a:pPr lvl="1"/>
-            <a:r>
-              <a:rPr lang="en-US" dirty="0"/>
-              <a:t>Even if it seems unnecessary now, it might be a godsend later</a:t>
-            </a:r>
-          </a:p>
-          <a:p>
-            <a:pPr lvl="1"/>
-            <a:r>
-              <a:rPr lang="en-US" dirty="0"/>
-              <a:t>If it seems complicated/difficult to test… consider refactoring the code</a:t>
+          <a:bodyPr/>
+          <a:lstStyle/>
+          <a:p>
+            <a:r>
+              <a:rPr lang="en-US" dirty="0"/>
+              <a:t>Ideally, write tests before writing code</a:t>
+            </a:r>
+          </a:p>
+          <a:p>
+            <a:r>
+              <a:rPr lang="en-US" dirty="0"/>
+              <a:t>Use the </a:t>
+            </a:r>
+            <a:r>
+              <a:rPr lang="en-US" dirty="0">
+                <a:solidFill>
+                  <a:srgbClr val="FF0000"/>
+                </a:solidFill>
+              </a:rPr>
+              <a:t>Red</a:t>
+            </a:r>
+            <a:r>
+              <a:rPr lang="en-US" dirty="0"/>
+              <a:t> to </a:t>
+            </a:r>
+            <a:r>
+              <a:rPr lang="en-US" dirty="0">
+                <a:solidFill>
+                  <a:schemeClr val="accent6"/>
+                </a:solidFill>
+              </a:rPr>
+              <a:t>Green</a:t>
+            </a:r>
+            <a:r>
+              <a:rPr lang="en-US" dirty="0"/>
+              <a:t> rule</a:t>
+            </a:r>
+          </a:p>
+          <a:p>
+            <a:r>
+              <a:rPr lang="en-US" dirty="0"/>
+              <a:t>Use the tests to help you define the problem as manageable chunks</a:t>
+            </a:r>
+          </a:p>
+          <a:p>
+            <a:r>
+              <a:rPr lang="en-US" dirty="0"/>
+              <a:t>Found a bug? Write a test.</a:t>
             </a:r>
           </a:p>
         </p:txBody>
@@ -4247,7 +4480,7 @@
     </p:spTree>
     <p:extLst>
       <p:ext uri="{BB962C8B-B14F-4D97-AF65-F5344CB8AC3E}">
-        <p14:creationId xmlns:p14="http://schemas.microsoft.com/office/powerpoint/2010/main" val="2266553311"/>
+        <p14:creationId xmlns:p14="http://schemas.microsoft.com/office/powerpoint/2010/main" val="14062967"/>
       </p:ext>
     </p:extLst>
   </p:cSld>
@@ -4279,7 +4512,7 @@
           <p:cNvPr id="2" name="Title 1">
             <a:extLst>
               <a:ext uri="{FF2B5EF4-FFF2-40B4-BE49-F238E27FC236}">
-                <a16:creationId xmlns:a16="http://schemas.microsoft.com/office/drawing/2014/main" id="{3C444815-0710-4277-A05C-CA947A511FEA}"/>
+                <a16:creationId xmlns:a16="http://schemas.microsoft.com/office/drawing/2014/main" id="{778B46B5-A1D9-44E0-927F-0D3AAA58A3FE}"/>
               </a:ext>
             </a:extLst>
           </p:cNvPr>
@@ -4297,7 +4530,7 @@
           <a:p>
             <a:r>
               <a:rPr lang="en-US" dirty="0"/>
-              <a:t>How to Test</a:t>
+              <a:t>What to Test</a:t>
             </a:r>
           </a:p>
         </p:txBody>
@@ -4307,7 +4540,7 @@
           <p:cNvPr id="3" name="Subtitle 2">
             <a:extLst>
               <a:ext uri="{FF2B5EF4-FFF2-40B4-BE49-F238E27FC236}">
-                <a16:creationId xmlns:a16="http://schemas.microsoft.com/office/drawing/2014/main" id="{F2C2E986-4277-4190-92E3-6B4D5E36281C}"/>
+                <a16:creationId xmlns:a16="http://schemas.microsoft.com/office/drawing/2014/main" id="{70979B82-B18C-4840-A995-2650AE634ABE}"/>
               </a:ext>
             </a:extLst>
           </p:cNvPr>
@@ -4323,17 +4556,14 @@
           <a:bodyPr/>
           <a:lstStyle/>
           <a:p>
-            <a:r>
-              <a:rPr lang="en-US" dirty="0"/>
-              <a:t>Let’s make a calculator…</a:t>
-            </a:r>
+            <a:endParaRPr lang="en-US"/>
           </a:p>
         </p:txBody>
       </p:sp>
     </p:spTree>
     <p:extLst>
       <p:ext uri="{BB962C8B-B14F-4D97-AF65-F5344CB8AC3E}">
-        <p14:creationId xmlns:p14="http://schemas.microsoft.com/office/powerpoint/2010/main" val="963385562"/>
+        <p14:creationId xmlns:p14="http://schemas.microsoft.com/office/powerpoint/2010/main" val="3645344743"/>
       </p:ext>
     </p:extLst>
   </p:cSld>
@@ -4365,7 +4595,7 @@
           <p:cNvPr id="2" name="Title 1">
             <a:extLst>
               <a:ext uri="{FF2B5EF4-FFF2-40B4-BE49-F238E27FC236}">
-                <a16:creationId xmlns:a16="http://schemas.microsoft.com/office/drawing/2014/main" id="{05801EA9-CE59-4FD3-97DB-FC0E9EEAE877}"/>
+                <a16:creationId xmlns:a16="http://schemas.microsoft.com/office/drawing/2014/main" id="{27DFAA6C-06B9-48D4-BBB6-916AAF841183}"/>
               </a:ext>
             </a:extLst>
           </p:cNvPr>
@@ -4382,8 +4612,23 @@
           <a:lstStyle/>
           <a:p>
             <a:r>
-              <a:rPr lang="en-US" dirty="0"/>
-              <a:t>Testing Calculator (attempt 1)</a:t>
+              <a:rPr lang="en-US" sz="2000" i="1" dirty="0"/>
+              <a:t>What to Test</a:t>
+            </a:r>
+            <a:br>
+              <a:rPr lang="en-US" dirty="0"/>
+            </a:br>
+            <a:r>
+              <a:rPr lang="en-US" dirty="0" err="1"/>
+              <a:t>TEST</a:t>
+            </a:r>
+            <a:r>
+              <a:rPr lang="en-US" dirty="0"/>
+              <a:t> ALL THE THINGS… </a:t>
+            </a:r>
+            <a:r>
+              <a:rPr lang="en-US" sz="2800" dirty="0"/>
+              <a:t>not really, but sort of</a:t>
             </a:r>
           </a:p>
         </p:txBody>
@@ -4393,7 +4638,7 @@
           <p:cNvPr id="3" name="Content Placeholder 2">
             <a:extLst>
               <a:ext uri="{FF2B5EF4-FFF2-40B4-BE49-F238E27FC236}">
-                <a16:creationId xmlns:a16="http://schemas.microsoft.com/office/drawing/2014/main" id="{A29B6230-EE34-471C-AAB3-8E0D074A31AE}"/>
+                <a16:creationId xmlns:a16="http://schemas.microsoft.com/office/drawing/2014/main" id="{C9A358CC-A8F1-4DE4-9393-C5226E86610B}"/>
               </a:ext>
             </a:extLst>
           </p:cNvPr>
@@ -4407,72 +4652,120 @@
         <p:spPr/>
         <p:txBody>
           <a:bodyPr>
-            <a:normAutofit fontScale="92500" lnSpcReduction="10000"/>
+            <a:normAutofit fontScale="70000" lnSpcReduction="20000"/>
           </a:bodyPr>
           <a:lstStyle/>
           <a:p>
+            <a:r>
+              <a:rPr lang="en-US" i="1" dirty="0"/>
+              <a:t>Don’t…</a:t>
+            </a:r>
+          </a:p>
+          <a:p>
+            <a:pPr lvl="1"/>
+            <a:r>
+              <a:rPr lang="en-US" dirty="0"/>
+              <a:t>Test multiple things at once (make separate tests)</a:t>
+            </a:r>
+          </a:p>
+          <a:p>
+            <a:pPr lvl="1"/>
+            <a:r>
+              <a:rPr lang="en-US" dirty="0"/>
+              <a:t>Test private methods</a:t>
+            </a:r>
+          </a:p>
+          <a:p>
+            <a:pPr lvl="1"/>
+            <a:r>
+              <a:rPr lang="en-US" dirty="0"/>
+              <a:t>Use</a:t>
+            </a:r>
+            <a:r>
+              <a:rPr lang="en-US" i="1" dirty="0"/>
+              <a:t> other</a:t>
+            </a:r>
+            <a:r>
+              <a:rPr lang="en-US" dirty="0"/>
+              <a:t> methods while testing a method (if you can help it)</a:t>
+            </a:r>
+          </a:p>
+          <a:p>
+            <a:pPr lvl="1"/>
+            <a:r>
+              <a:rPr lang="en-US" dirty="0"/>
+              <a:t>Write tests that use external / uncontrollable resources (avoid if possible)</a:t>
+            </a:r>
+          </a:p>
+          <a:p>
+            <a:pPr lvl="1"/>
+            <a:r>
+              <a:rPr lang="en-US" dirty="0"/>
+              <a:t>… And test everything else</a:t>
+            </a:r>
+          </a:p>
+          <a:p>
             <a:pPr marL="0" indent="0">
               <a:buNone/>
             </a:pPr>
-            <a:r>
-              <a:rPr lang="en-US" sz="3900" dirty="0"/>
-              <a:t>What went wrong?</a:t>
-            </a:r>
-          </a:p>
-          <a:p>
-            <a:r>
-              <a:rPr lang="en-US" dirty="0"/>
-              <a:t>Testing multiple assertions</a:t>
+            <a:endParaRPr lang="en-US" dirty="0"/>
+          </a:p>
+          <a:p>
+            <a:r>
+              <a:rPr lang="en-US" dirty="0"/>
+              <a:t>Test a specific, desired output for a specific, intended input </a:t>
             </a:r>
           </a:p>
           <a:p>
             <a:pPr lvl="1"/>
             <a:r>
               <a:rPr lang="en-US" dirty="0"/>
-              <a:t>Not a unit test</a:t>
-            </a:r>
-          </a:p>
-          <a:p>
-            <a:r>
-              <a:rPr lang="en-US" dirty="0"/>
-              <a:t>Uses multiple methods in test</a:t>
-            </a:r>
-          </a:p>
-          <a:p>
-            <a:r>
-              <a:rPr lang="en-US" dirty="0"/>
-              <a:t>Test names aren’t clear</a:t>
-            </a:r>
-          </a:p>
-          <a:p>
-            <a:r>
-              <a:rPr lang="en-US" dirty="0"/>
-              <a:t>Variables for test cases could be better</a:t>
-            </a:r>
-          </a:p>
-          <a:p>
-            <a:r>
-              <a:rPr lang="en-US" dirty="0"/>
-              <a:t>Switches expected and actual results</a:t>
-            </a:r>
-          </a:p>
-          <a:p>
-            <a:r>
-              <a:rPr lang="en-US" dirty="0"/>
-              <a:t>No structure / not clear enough </a:t>
-            </a:r>
-          </a:p>
-          <a:p>
-            <a:r>
-              <a:rPr lang="en-US" dirty="0"/>
-              <a:t>We don't have a test case for every method (Reset)</a:t>
+              <a:t>Like the methods they test, tests should be single purpose</a:t>
             </a:r>
           </a:p>
           <a:p>
             <a:pPr lvl="1"/>
             <a:r>
               <a:rPr lang="en-US" dirty="0"/>
-              <a:t>Not serving as good documentation</a:t>
+              <a:t>This is, after all, </a:t>
+            </a:r>
+            <a:r>
+              <a:rPr lang="en-US" b="1" dirty="0"/>
+              <a:t>Unit</a:t>
+            </a:r>
+            <a:r>
+              <a:rPr lang="en-US" dirty="0"/>
+              <a:t> Testing</a:t>
+            </a:r>
+          </a:p>
+          <a:p>
+            <a:endParaRPr lang="en-US" dirty="0"/>
+          </a:p>
+          <a:p>
+            <a:r>
+              <a:rPr lang="en-US" dirty="0"/>
+              <a:t>Test every public method*</a:t>
+            </a:r>
+          </a:p>
+          <a:p>
+            <a:pPr lvl="1"/>
+            <a:r>
+              <a:rPr lang="en-US" dirty="0"/>
+              <a:t>*But every public method should be performing one, specific task</a:t>
+            </a:r>
+          </a:p>
+          <a:p>
+            <a:pPr lvl="1"/>
+            <a:r>
+              <a:rPr lang="en-US" dirty="0"/>
+              <a:t>Even if it seems unnecessary now, it might be a godsend later</a:t>
+            </a:r>
+          </a:p>
+          <a:p>
+            <a:pPr lvl="1"/>
+            <a:r>
+              <a:rPr lang="en-US" dirty="0"/>
+              <a:t>If it seems complicated/difficult to test… consider refactoring the code</a:t>
             </a:r>
           </a:p>
         </p:txBody>
@@ -4480,7 +4773,7 @@
     </p:spTree>
     <p:extLst>
       <p:ext uri="{BB962C8B-B14F-4D97-AF65-F5344CB8AC3E}">
-        <p14:creationId xmlns:p14="http://schemas.microsoft.com/office/powerpoint/2010/main" val="2884858086"/>
+        <p14:creationId xmlns:p14="http://schemas.microsoft.com/office/powerpoint/2010/main" val="2266553311"/>
       </p:ext>
     </p:extLst>
   </p:cSld>
@@ -4512,188 +4805,53 @@
           <p:cNvPr id="2" name="Title 1">
             <a:extLst>
               <a:ext uri="{FF2B5EF4-FFF2-40B4-BE49-F238E27FC236}">
-                <a16:creationId xmlns:a16="http://schemas.microsoft.com/office/drawing/2014/main" id="{05801EA9-CE59-4FD3-97DB-FC0E9EEAE877}"/>
-              </a:ext>
-            </a:extLst>
-          </p:cNvPr>
-          <p:cNvSpPr>
-            <a:spLocks noGrp="1"/>
-          </p:cNvSpPr>
-          <p:nvPr>
-            <p:ph type="title"/>
-          </p:nvPr>
-        </p:nvSpPr>
-        <p:spPr/>
-        <p:txBody>
-          <a:bodyPr/>
-          <a:lstStyle/>
-          <a:p>
-            <a:r>
-              <a:rPr lang="en-US" dirty="0"/>
-              <a:t>Testing Calculator (attempt 2)</a:t>
-            </a:r>
-          </a:p>
-        </p:txBody>
-      </p:sp>
-      <p:sp>
-        <p:nvSpPr>
-          <p:cNvPr id="3" name="Content Placeholder 2">
-            <a:extLst>
-              <a:ext uri="{FF2B5EF4-FFF2-40B4-BE49-F238E27FC236}">
-                <a16:creationId xmlns:a16="http://schemas.microsoft.com/office/drawing/2014/main" id="{A29B6230-EE34-471C-AAB3-8E0D074A31AE}"/>
-              </a:ext>
-            </a:extLst>
-          </p:cNvPr>
-          <p:cNvSpPr>
-            <a:spLocks noGrp="1"/>
-          </p:cNvSpPr>
-          <p:nvPr>
-            <p:ph idx="1"/>
-          </p:nvPr>
-        </p:nvSpPr>
-        <p:spPr/>
-        <p:txBody>
-          <a:bodyPr>
-            <a:normAutofit fontScale="92500" lnSpcReduction="20000"/>
-          </a:bodyPr>
-          <a:lstStyle/>
-          <a:p>
-            <a:pPr marL="0" indent="0">
-              <a:buNone/>
-            </a:pPr>
-            <a:r>
-              <a:rPr lang="en-US" sz="3900" dirty="0"/>
-              <a:t>What’s still wrong?</a:t>
-            </a:r>
-          </a:p>
-          <a:p>
-            <a:r>
-              <a:rPr lang="en-US" i="1" strike="sngStrike" dirty="0">
-                <a:solidFill>
-                  <a:schemeClr val="bg1">
-                    <a:lumMod val="85000"/>
-                  </a:schemeClr>
-                </a:solidFill>
-              </a:rPr>
-              <a:t>Testing multiple assertions</a:t>
-            </a:r>
-          </a:p>
-          <a:p>
-            <a:pPr lvl="1"/>
-            <a:r>
-              <a:rPr lang="en-US" i="1" strike="sngStrike" dirty="0">
-                <a:solidFill>
-                  <a:schemeClr val="bg1">
-                    <a:lumMod val="85000"/>
-                  </a:schemeClr>
-                </a:solidFill>
-              </a:rPr>
-              <a:t>Not a unit test</a:t>
-            </a:r>
-          </a:p>
-          <a:p>
-            <a:r>
-              <a:rPr lang="en-US" dirty="0"/>
-              <a:t>Uses multiple methods in test</a:t>
-            </a:r>
-          </a:p>
-          <a:p>
-            <a:pPr lvl="1"/>
-            <a:r>
-              <a:rPr lang="en-US" b="1" dirty="0"/>
-              <a:t>Test results are dependent on other tests</a:t>
-            </a:r>
-          </a:p>
-          <a:p>
-            <a:r>
-              <a:rPr lang="en-US" dirty="0"/>
-              <a:t>Test names aren’t clear</a:t>
-            </a:r>
-          </a:p>
-          <a:p>
-            <a:r>
-              <a:rPr lang="en-US" i="1" strike="sngStrike" dirty="0">
-                <a:solidFill>
-                  <a:schemeClr val="bg1">
-                    <a:lumMod val="85000"/>
-                  </a:schemeClr>
-                </a:solidFill>
-              </a:rPr>
-              <a:t>Variables for test cases could be better</a:t>
-            </a:r>
-          </a:p>
-          <a:p>
-            <a:r>
-              <a:rPr lang="en-US" i="1" strike="sngStrike" dirty="0">
-                <a:solidFill>
-                  <a:schemeClr val="bg1">
-                    <a:lumMod val="85000"/>
-                  </a:schemeClr>
-                </a:solidFill>
-              </a:rPr>
-              <a:t>Switches expected and actual </a:t>
-            </a:r>
-            <a:r>
-              <a:rPr lang="en-US" i="1" strike="sngStrike" dirty="0" err="1">
-                <a:solidFill>
-                  <a:schemeClr val="bg1">
-                    <a:lumMod val="85000"/>
-                  </a:schemeClr>
-                </a:solidFill>
-              </a:rPr>
-              <a:t>resultsjui</a:t>
-            </a:r>
-            <a:endParaRPr lang="en-US" i="1" strike="sngStrike" dirty="0">
-              <a:solidFill>
-                <a:schemeClr val="bg1">
-                  <a:lumMod val="85000"/>
-                </a:schemeClr>
-              </a:solidFill>
-            </a:endParaRPr>
-          </a:p>
-          <a:p>
-            <a:r>
-              <a:rPr lang="en-US" i="1" strike="sngStrike" dirty="0">
-                <a:solidFill>
-                  <a:schemeClr val="bg1">
-                    <a:lumMod val="85000"/>
-                  </a:schemeClr>
-                </a:solidFill>
-              </a:rPr>
-              <a:t>No structure /</a:t>
-            </a:r>
-            <a:r>
-              <a:rPr lang="en-US" i="1" dirty="0">
-                <a:solidFill>
-                  <a:schemeClr val="bg1">
-                    <a:lumMod val="85000"/>
-                  </a:schemeClr>
-                </a:solidFill>
-              </a:rPr>
-              <a:t> </a:t>
-            </a:r>
-            <a:r>
-              <a:rPr lang="en-US" b="1" dirty="0"/>
-              <a:t>not clear enough </a:t>
-            </a:r>
-          </a:p>
-          <a:p>
-            <a:r>
-              <a:rPr lang="en-US" i="1" strike="sngStrike" dirty="0">
-                <a:solidFill>
-                  <a:schemeClr val="bg1">
-                    <a:lumMod val="85000"/>
-                  </a:schemeClr>
-                </a:solidFill>
-              </a:rPr>
-              <a:t>We don't have a test case for every method (Reset)</a:t>
-            </a:r>
-          </a:p>
-          <a:p>
-            <a:pPr lvl="1"/>
-            <a:r>
-              <a:rPr lang="en-US" dirty="0"/>
-              <a:t>Not serving as good documentation</a:t>
+                <a16:creationId xmlns:a16="http://schemas.microsoft.com/office/drawing/2014/main" id="{3C444815-0710-4277-A05C-CA947A511FEA}"/>
+              </a:ext>
+            </a:extLst>
+          </p:cNvPr>
+          <p:cNvSpPr>
+            <a:spLocks noGrp="1"/>
+          </p:cNvSpPr>
+          <p:nvPr>
+            <p:ph type="ctrTitle"/>
+          </p:nvPr>
+        </p:nvSpPr>
+        <p:spPr/>
+        <p:txBody>
+          <a:bodyPr/>
+          <a:lstStyle/>
+          <a:p>
+            <a:r>
+              <a:rPr lang="en-US" dirty="0"/>
+              <a:t>How to Test</a:t>
+            </a:r>
+          </a:p>
+        </p:txBody>
+      </p:sp>
+      <p:sp>
+        <p:nvSpPr>
+          <p:cNvPr id="3" name="Subtitle 2">
+            <a:extLst>
+              <a:ext uri="{FF2B5EF4-FFF2-40B4-BE49-F238E27FC236}">
+                <a16:creationId xmlns:a16="http://schemas.microsoft.com/office/drawing/2014/main" id="{F2C2E986-4277-4190-92E3-6B4D5E36281C}"/>
+              </a:ext>
+            </a:extLst>
+          </p:cNvPr>
+          <p:cNvSpPr>
+            <a:spLocks noGrp="1"/>
+          </p:cNvSpPr>
+          <p:nvPr>
+            <p:ph type="subTitle" idx="1"/>
+          </p:nvPr>
+        </p:nvSpPr>
+        <p:spPr/>
+        <p:txBody>
+          <a:bodyPr/>
+          <a:lstStyle/>
+          <a:p>
+            <a:r>
+              <a:rPr lang="en-US" dirty="0"/>
+              <a:t>Let’s make a calculator…</a:t>
             </a:r>
           </a:p>
         </p:txBody>
@@ -4701,7 +4859,7 @@
     </p:spTree>
     <p:extLst>
       <p:ext uri="{BB962C8B-B14F-4D97-AF65-F5344CB8AC3E}">
-        <p14:creationId xmlns:p14="http://schemas.microsoft.com/office/powerpoint/2010/main" val="406739557"/>
+        <p14:creationId xmlns:p14="http://schemas.microsoft.com/office/powerpoint/2010/main" val="963385562"/>
       </p:ext>
     </p:extLst>
   </p:cSld>
@@ -4751,7 +4909,7 @@
           <a:p>
             <a:r>
               <a:rPr lang="en-US" dirty="0"/>
-              <a:t>Testing Calculator (attempt 3)</a:t>
+              <a:t>Testing Calculator (attempt 1)</a:t>
             </a:r>
           </a:p>
         </p:txBody>
@@ -4775,52 +4933,72 @@
         <p:spPr/>
         <p:txBody>
           <a:bodyPr>
-            <a:normAutofit lnSpcReduction="10000"/>
+            <a:normAutofit fontScale="92500" lnSpcReduction="10000"/>
           </a:bodyPr>
           <a:lstStyle/>
           <a:p>
-            <a:r>
-              <a:rPr lang="en-US" dirty="0"/>
-              <a:t>Pretty good, but what happens if we…</a:t>
-            </a:r>
-          </a:p>
-          <a:p>
             <a:pPr marL="0" indent="0">
               <a:buNone/>
             </a:pPr>
-            <a:endParaRPr lang="en-US" dirty="0"/>
-          </a:p>
-          <a:p>
-            <a:r>
-              <a:rPr lang="en-US" dirty="0"/>
-              <a:t>Use / mix negative numbers?</a:t>
-            </a:r>
-          </a:p>
-          <a:p>
-            <a:r>
-              <a:rPr lang="en-US" dirty="0"/>
-              <a:t>Divide by 0?</a:t>
-            </a:r>
-          </a:p>
-          <a:p>
-            <a:r>
-              <a:rPr lang="en-US" dirty="0"/>
-              <a:t>Use really, really, large numbers?</a:t>
-            </a:r>
-          </a:p>
-          <a:p>
-            <a:r>
-              <a:rPr lang="en-US" dirty="0"/>
-              <a:t>Use really, really small numbers or lots of decimals?</a:t>
-            </a:r>
-          </a:p>
-          <a:p>
-            <a:endParaRPr lang="en-US" dirty="0"/>
-          </a:p>
-          <a:p>
-            <a:r>
-              <a:rPr lang="en-US" dirty="0"/>
-              <a:t>In other words, don’t just test what you know works. Find the edge cases</a:t>
+            <a:r>
+              <a:rPr lang="en-US" sz="3900" dirty="0"/>
+              <a:t>What went wrong?</a:t>
+            </a:r>
+          </a:p>
+          <a:p>
+            <a:r>
+              <a:rPr lang="en-US" dirty="0"/>
+              <a:t>Testing multiple assertions</a:t>
+            </a:r>
+          </a:p>
+          <a:p>
+            <a:pPr lvl="1"/>
+            <a:r>
+              <a:rPr lang="en-US" dirty="0"/>
+              <a:t>Not a unit test</a:t>
+            </a:r>
+          </a:p>
+          <a:p>
+            <a:r>
+              <a:rPr lang="en-US" dirty="0"/>
+              <a:t>Uses multiple methods in test</a:t>
+            </a:r>
+          </a:p>
+          <a:p>
+            <a:r>
+              <a:rPr lang="en-US" dirty="0"/>
+              <a:t>Test names aren’t clear</a:t>
+            </a:r>
+          </a:p>
+          <a:p>
+            <a:r>
+              <a:rPr lang="en-US" dirty="0"/>
+              <a:t>Variables for test cases could be better</a:t>
+            </a:r>
+          </a:p>
+          <a:p>
+            <a:r>
+              <a:rPr lang="en-US" dirty="0"/>
+              <a:t>Switches expected and actual results</a:t>
+            </a:r>
+          </a:p>
+          <a:p>
+            <a:r>
+              <a:rPr lang="en-US" dirty="0"/>
+              <a:t>No structure / not clear enough </a:t>
+            </a:r>
+          </a:p>
+          <a:p>
+            <a:r>
+              <a:rPr lang="en-US" dirty="0"/>
+              <a:t>We don't have a test case for every method (Reset)</a:t>
+            </a:r>
+          </a:p>
+          <a:p>
+            <a:pPr lvl="1"/>
+            <a:r>
+              <a:rPr lang="en-US" dirty="0"/>
+              <a:t>Not serving as good documentation</a:t>
             </a:r>
           </a:p>
         </p:txBody>
@@ -4828,7 +5006,7 @@
     </p:spTree>
     <p:extLst>
       <p:ext uri="{BB962C8B-B14F-4D97-AF65-F5344CB8AC3E}">
-        <p14:creationId xmlns:p14="http://schemas.microsoft.com/office/powerpoint/2010/main" val="2481513888"/>
+        <p14:creationId xmlns:p14="http://schemas.microsoft.com/office/powerpoint/2010/main" val="2884858086"/>
       </p:ext>
     </p:extLst>
   </p:cSld>
@@ -4857,61 +5035,199 @@
       </p:grpSpPr>
       <p:sp>
         <p:nvSpPr>
-          <p:cNvPr id="4" name="Title 3">
-            <a:extLst>
-              <a:ext uri="{FF2B5EF4-FFF2-40B4-BE49-F238E27FC236}">
-                <a16:creationId xmlns:a16="http://schemas.microsoft.com/office/drawing/2014/main" id="{CB7D0C79-FB59-4437-90F7-2D822EC5A28E}"/>
-              </a:ext>
-            </a:extLst>
-          </p:cNvPr>
-          <p:cNvSpPr>
-            <a:spLocks noGrp="1"/>
-          </p:cNvSpPr>
-          <p:nvPr>
-            <p:ph type="ctrTitle"/>
-          </p:nvPr>
-        </p:nvSpPr>
-        <p:spPr/>
-        <p:txBody>
-          <a:bodyPr/>
-          <a:lstStyle/>
-          <a:p>
-            <a:r>
-              <a:rPr lang="en-US" dirty="0"/>
-              <a:t>Tools for Testing</a:t>
-            </a:r>
-          </a:p>
-        </p:txBody>
-      </p:sp>
-      <p:sp>
-        <p:nvSpPr>
-          <p:cNvPr id="5" name="Subtitle 4">
-            <a:extLst>
-              <a:ext uri="{FF2B5EF4-FFF2-40B4-BE49-F238E27FC236}">
-                <a16:creationId xmlns:a16="http://schemas.microsoft.com/office/drawing/2014/main" id="{C7202D8A-8F89-4C50-876A-4F37B3C96672}"/>
-              </a:ext>
-            </a:extLst>
-          </p:cNvPr>
-          <p:cNvSpPr>
-            <a:spLocks noGrp="1"/>
-          </p:cNvSpPr>
-          <p:nvPr>
-            <p:ph type="subTitle" idx="1"/>
-          </p:nvPr>
-        </p:nvSpPr>
-        <p:spPr/>
-        <p:txBody>
-          <a:bodyPr/>
-          <a:lstStyle/>
-          <a:p>
-            <a:endParaRPr lang="en-US"/>
+          <p:cNvPr id="2" name="Title 1">
+            <a:extLst>
+              <a:ext uri="{FF2B5EF4-FFF2-40B4-BE49-F238E27FC236}">
+                <a16:creationId xmlns:a16="http://schemas.microsoft.com/office/drawing/2014/main" id="{05801EA9-CE59-4FD3-97DB-FC0E9EEAE877}"/>
+              </a:ext>
+            </a:extLst>
+          </p:cNvPr>
+          <p:cNvSpPr>
+            <a:spLocks noGrp="1"/>
+          </p:cNvSpPr>
+          <p:nvPr>
+            <p:ph type="title"/>
+          </p:nvPr>
+        </p:nvSpPr>
+        <p:spPr/>
+        <p:txBody>
+          <a:bodyPr/>
+          <a:lstStyle/>
+          <a:p>
+            <a:r>
+              <a:rPr lang="en-US" dirty="0"/>
+              <a:t>Testing Calculator (attempt 2)</a:t>
+            </a:r>
+          </a:p>
+        </p:txBody>
+      </p:sp>
+      <p:sp>
+        <p:nvSpPr>
+          <p:cNvPr id="3" name="Content Placeholder 2">
+            <a:extLst>
+              <a:ext uri="{FF2B5EF4-FFF2-40B4-BE49-F238E27FC236}">
+                <a16:creationId xmlns:a16="http://schemas.microsoft.com/office/drawing/2014/main" id="{A29B6230-EE34-471C-AAB3-8E0D074A31AE}"/>
+              </a:ext>
+            </a:extLst>
+          </p:cNvPr>
+          <p:cNvSpPr>
+            <a:spLocks noGrp="1"/>
+          </p:cNvSpPr>
+          <p:nvPr>
+            <p:ph idx="1"/>
+          </p:nvPr>
+        </p:nvSpPr>
+        <p:spPr/>
+        <p:txBody>
+          <a:bodyPr>
+            <a:normAutofit fontScale="92500" lnSpcReduction="20000"/>
+          </a:bodyPr>
+          <a:lstStyle/>
+          <a:p>
+            <a:pPr marL="0" indent="0">
+              <a:buNone/>
+            </a:pPr>
+            <a:r>
+              <a:rPr lang="en-US" sz="3900" dirty="0"/>
+              <a:t>What’s still wrong?</a:t>
+            </a:r>
+          </a:p>
+          <a:p>
+            <a:r>
+              <a:rPr lang="en-US" i="1" strike="sngStrike" dirty="0">
+                <a:solidFill>
+                  <a:schemeClr val="bg1">
+                    <a:lumMod val="85000"/>
+                  </a:schemeClr>
+                </a:solidFill>
+              </a:rPr>
+              <a:t>Testing multiple assertions</a:t>
+            </a:r>
+          </a:p>
+          <a:p>
+            <a:pPr lvl="1"/>
+            <a:r>
+              <a:rPr lang="en-US" i="1" strike="sngStrike" dirty="0">
+                <a:solidFill>
+                  <a:schemeClr val="bg1">
+                    <a:lumMod val="85000"/>
+                  </a:schemeClr>
+                </a:solidFill>
+              </a:rPr>
+              <a:t>Not a unit test</a:t>
+            </a:r>
+          </a:p>
+          <a:p>
+            <a:r>
+              <a:rPr lang="en-US" dirty="0"/>
+              <a:t>Uses multiple methods in test</a:t>
+            </a:r>
+          </a:p>
+          <a:p>
+            <a:pPr lvl="1"/>
+            <a:r>
+              <a:rPr lang="en-US" b="1" dirty="0"/>
+              <a:t>Test results are dependent on other tests</a:t>
+            </a:r>
+          </a:p>
+          <a:p>
+            <a:r>
+              <a:rPr lang="en-US" dirty="0"/>
+              <a:t>Test names aren’t clear</a:t>
+            </a:r>
+          </a:p>
+          <a:p>
+            <a:r>
+              <a:rPr lang="en-US" i="1" strike="sngStrike" dirty="0">
+                <a:solidFill>
+                  <a:schemeClr val="bg1">
+                    <a:lumMod val="85000"/>
+                  </a:schemeClr>
+                </a:solidFill>
+              </a:rPr>
+              <a:t>Variables for test cases could be better</a:t>
+            </a:r>
+          </a:p>
+          <a:p>
+            <a:r>
+              <a:rPr lang="en-US" i="1" strike="sngStrike" dirty="0">
+                <a:solidFill>
+                  <a:schemeClr val="bg1">
+                    <a:lumMod val="85000"/>
+                  </a:schemeClr>
+                </a:solidFill>
+              </a:rPr>
+              <a:t>Switches expected and actual </a:t>
+            </a:r>
+            <a:r>
+              <a:rPr lang="en-US" i="1" strike="sngStrike" dirty="0" err="1">
+                <a:solidFill>
+                  <a:schemeClr val="bg1">
+                    <a:lumMod val="85000"/>
+                  </a:schemeClr>
+                </a:solidFill>
+              </a:rPr>
+              <a:t>resultsjui</a:t>
+            </a:r>
+            <a:endParaRPr lang="en-US" i="1" strike="sngStrike" dirty="0">
+              <a:solidFill>
+                <a:schemeClr val="bg1">
+                  <a:lumMod val="85000"/>
+                </a:schemeClr>
+              </a:solidFill>
+            </a:endParaRPr>
+          </a:p>
+          <a:p>
+            <a:r>
+              <a:rPr lang="en-US" i="1" strike="sngStrike" dirty="0">
+                <a:solidFill>
+                  <a:schemeClr val="bg1">
+                    <a:lumMod val="85000"/>
+                  </a:schemeClr>
+                </a:solidFill>
+              </a:rPr>
+              <a:t>No structure /</a:t>
+            </a:r>
+            <a:r>
+              <a:rPr lang="en-US" i="1" dirty="0">
+                <a:solidFill>
+                  <a:schemeClr val="bg1">
+                    <a:lumMod val="85000"/>
+                  </a:schemeClr>
+                </a:solidFill>
+              </a:rPr>
+              <a:t> </a:t>
+            </a:r>
+            <a:r>
+              <a:rPr lang="en-US" b="1" dirty="0"/>
+              <a:t>not clear enough </a:t>
+            </a:r>
+          </a:p>
+          <a:p>
+            <a:r>
+              <a:rPr lang="en-US" i="1" strike="sngStrike" dirty="0">
+                <a:solidFill>
+                  <a:schemeClr val="bg1">
+                    <a:lumMod val="85000"/>
+                  </a:schemeClr>
+                </a:solidFill>
+              </a:rPr>
+              <a:t>We don't have a test case for every method (Reset)</a:t>
+            </a:r>
+          </a:p>
+          <a:p>
+            <a:pPr lvl="1"/>
+            <a:r>
+              <a:rPr lang="en-US" dirty="0"/>
+              <a:t>Not serving as good documentation</a:t>
+            </a:r>
           </a:p>
         </p:txBody>
       </p:sp>
     </p:spTree>
     <p:extLst>
       <p:ext uri="{BB962C8B-B14F-4D97-AF65-F5344CB8AC3E}">
-        <p14:creationId xmlns:p14="http://schemas.microsoft.com/office/powerpoint/2010/main" val="1681716444"/>
+        <p14:creationId xmlns:p14="http://schemas.microsoft.com/office/powerpoint/2010/main" val="406739557"/>
       </p:ext>
     </p:extLst>
   </p:cSld>
@@ -4943,7 +5259,7 @@
           <p:cNvPr id="2" name="Title 1">
             <a:extLst>
               <a:ext uri="{FF2B5EF4-FFF2-40B4-BE49-F238E27FC236}">
-                <a16:creationId xmlns:a16="http://schemas.microsoft.com/office/drawing/2014/main" id="{E01F6992-CF69-4B22-BDFC-E8AF7F592615}"/>
+                <a16:creationId xmlns:a16="http://schemas.microsoft.com/office/drawing/2014/main" id="{05801EA9-CE59-4FD3-97DB-FC0E9EEAE877}"/>
               </a:ext>
             </a:extLst>
           </p:cNvPr>
@@ -4961,7 +5277,7 @@
           <a:p>
             <a:r>
               <a:rPr lang="en-US" dirty="0"/>
-              <a:t>Tools for testing</a:t>
+              <a:t>Testing Calculator (attempt 3)</a:t>
             </a:r>
           </a:p>
         </p:txBody>
@@ -4971,7 +5287,7 @@
           <p:cNvPr id="3" name="Content Placeholder 2">
             <a:extLst>
               <a:ext uri="{FF2B5EF4-FFF2-40B4-BE49-F238E27FC236}">
-                <a16:creationId xmlns:a16="http://schemas.microsoft.com/office/drawing/2014/main" id="{9225E583-77AC-4D68-8A0B-71C43C5DC4C2}"/>
+                <a16:creationId xmlns:a16="http://schemas.microsoft.com/office/drawing/2014/main" id="{A29B6230-EE34-471C-AAB3-8E0D074A31AE}"/>
               </a:ext>
             </a:extLst>
           </p:cNvPr>
@@ -4984,87 +5300,61 @@
         </p:nvSpPr>
         <p:spPr/>
         <p:txBody>
-          <a:bodyPr/>
-          <a:lstStyle/>
-          <a:p>
-            <a:r>
-              <a:rPr lang="en-US" dirty="0" err="1"/>
-              <a:t>Moq</a:t>
-            </a:r>
+          <a:bodyPr>
+            <a:normAutofit lnSpcReduction="10000"/>
+          </a:bodyPr>
+          <a:lstStyle/>
+          <a:p>
+            <a:r>
+              <a:rPr lang="en-US" dirty="0"/>
+              <a:t>Pretty good, but what happens if we…</a:t>
+            </a:r>
+          </a:p>
+          <a:p>
+            <a:pPr marL="0" indent="0">
+              <a:buNone/>
+            </a:pPr>
             <a:endParaRPr lang="en-US" dirty="0"/>
           </a:p>
           <a:p>
-            <a:pPr lvl="1"/>
-            <a:r>
-              <a:rPr lang="en-US" dirty="0"/>
-              <a:t>Make mocks of any class (that inherits from an interface) whose behavior you want to control</a:t>
-            </a:r>
-          </a:p>
-          <a:p>
-            <a:pPr lvl="1"/>
-            <a:r>
-              <a:rPr lang="en-US" dirty="0"/>
-              <a:t>Refactor classes into interfaces when it makes sense</a:t>
-            </a:r>
-          </a:p>
-          <a:p>
-            <a:pPr lvl="1"/>
-            <a:r>
-              <a:rPr lang="en-US" dirty="0"/>
-              <a:t>Can override properties and return values of methods</a:t>
-            </a:r>
-          </a:p>
-          <a:p>
-            <a:r>
-              <a:rPr lang="en-US" dirty="0"/>
-              <a:t>Factories</a:t>
-            </a:r>
-          </a:p>
-          <a:p>
-            <a:pPr lvl="1"/>
-            <a:r>
-              <a:rPr lang="en-US" dirty="0"/>
-              <a:t>Create factories for any repetitive setups</a:t>
-            </a:r>
-          </a:p>
-          <a:p>
-            <a:r>
-              <a:rPr lang="en-US" dirty="0"/>
-              <a:t>Visual Studio Test Explorer filter feature</a:t>
-            </a:r>
-          </a:p>
-          <a:p>
-            <a:pPr lvl="1"/>
-            <a:r>
-              <a:rPr lang="en-US" dirty="0"/>
-              <a:t>Filter using drop-down or search-syntax (class, project, error message, output, outcome, </a:t>
-            </a:r>
-            <a:r>
-              <a:rPr lang="en-US" dirty="0" err="1"/>
-              <a:t>filepath</a:t>
-            </a:r>
-            <a:r>
-              <a:rPr lang="en-US" dirty="0"/>
-              <a:t>)</a:t>
-            </a:r>
-          </a:p>
-          <a:p>
-            <a:pPr lvl="1"/>
+            <a:r>
+              <a:rPr lang="en-US" dirty="0"/>
+              <a:t>Use / mix negative numbers?</a:t>
+            </a:r>
+          </a:p>
+          <a:p>
+            <a:r>
+              <a:rPr lang="en-US" dirty="0"/>
+              <a:t>Divide by 0?</a:t>
+            </a:r>
+          </a:p>
+          <a:p>
+            <a:r>
+              <a:rPr lang="en-US" dirty="0"/>
+              <a:t>Use really, really, large numbers?</a:t>
+            </a:r>
+          </a:p>
+          <a:p>
+            <a:r>
+              <a:rPr lang="en-US" dirty="0"/>
+              <a:t>Use really, really small numbers or lots of decimals?</a:t>
+            </a:r>
+          </a:p>
+          <a:p>
             <a:endParaRPr lang="en-US" dirty="0"/>
           </a:p>
           <a:p>
-            <a:pPr lvl="1"/>
-            <a:endParaRPr lang="en-US" dirty="0"/>
-          </a:p>
-          <a:p>
-            <a:endParaRPr lang="en-US" dirty="0"/>
+            <a:r>
+              <a:rPr lang="en-US" dirty="0"/>
+              <a:t>In other words, don’t just test what you know works. Find the edge cases</a:t>
+            </a:r>
           </a:p>
         </p:txBody>
       </p:sp>
     </p:spTree>
     <p:extLst>
       <p:ext uri="{BB962C8B-B14F-4D97-AF65-F5344CB8AC3E}">
-        <p14:creationId xmlns:p14="http://schemas.microsoft.com/office/powerpoint/2010/main" val="3259627301"/>
+        <p14:creationId xmlns:p14="http://schemas.microsoft.com/office/powerpoint/2010/main" val="2481513888"/>
       </p:ext>
     </p:extLst>
   </p:cSld>
@@ -5093,222 +5383,61 @@
       </p:grpSpPr>
       <p:sp>
         <p:nvSpPr>
-          <p:cNvPr id="2" name="Title 1">
-            <a:extLst>
-              <a:ext uri="{FF2B5EF4-FFF2-40B4-BE49-F238E27FC236}">
-                <a16:creationId xmlns:a16="http://schemas.microsoft.com/office/drawing/2014/main" id="{A047764D-C3A3-492B-A69C-B49DCEE96CB9}"/>
-              </a:ext>
-            </a:extLst>
-          </p:cNvPr>
-          <p:cNvSpPr>
-            <a:spLocks noGrp="1"/>
-          </p:cNvSpPr>
-          <p:nvPr>
-            <p:ph type="title"/>
-          </p:nvPr>
-        </p:nvSpPr>
-        <p:spPr/>
-        <p:txBody>
-          <a:bodyPr/>
-          <a:lstStyle/>
-          <a:p>
-            <a:r>
-              <a:rPr lang="en-US" sz="2000" i="1" dirty="0"/>
-              <a:t>Tools for testing</a:t>
-            </a:r>
-            <a:br>
-              <a:rPr lang="en-US" dirty="0"/>
-            </a:br>
-            <a:r>
-              <a:rPr lang="en-US" dirty="0" err="1"/>
-              <a:t>NUnit</a:t>
-            </a:r>
-            <a:r>
-              <a:rPr lang="en-US" dirty="0"/>
-              <a:t> Attributes to Know</a:t>
-            </a:r>
-          </a:p>
-        </p:txBody>
-      </p:sp>
-      <p:sp>
-        <p:nvSpPr>
-          <p:cNvPr id="3" name="Content Placeholder 2">
-            <a:extLst>
-              <a:ext uri="{FF2B5EF4-FFF2-40B4-BE49-F238E27FC236}">
-                <a16:creationId xmlns:a16="http://schemas.microsoft.com/office/drawing/2014/main" id="{1438E15F-C4B7-4B19-B4BE-260A11DEAE41}"/>
-              </a:ext>
-            </a:extLst>
-          </p:cNvPr>
-          <p:cNvSpPr>
-            <a:spLocks noGrp="1"/>
-          </p:cNvSpPr>
-          <p:nvPr>
-            <p:ph idx="1"/>
-          </p:nvPr>
-        </p:nvSpPr>
-        <p:spPr/>
-        <p:txBody>
-          <a:bodyPr>
-            <a:normAutofit fontScale="85000" lnSpcReduction="20000"/>
-          </a:bodyPr>
-          <a:lstStyle/>
-          <a:p>
-            <a:r>
-              <a:rPr lang="en-US" dirty="0"/>
-              <a:t>Attributes you should use</a:t>
-            </a:r>
-          </a:p>
-          <a:p>
-            <a:pPr lvl="1"/>
-            <a:r>
-              <a:rPr lang="en-US" dirty="0" err="1"/>
-              <a:t>TestFixture</a:t>
-            </a:r>
-            <a:endParaRPr lang="en-US" dirty="0"/>
-          </a:p>
-          <a:p>
-            <a:pPr lvl="1"/>
-            <a:r>
-              <a:rPr lang="en-US" dirty="0" err="1"/>
-              <a:t>TestFixtureSetUp</a:t>
-            </a:r>
-            <a:r>
-              <a:rPr lang="en-US" dirty="0"/>
-              <a:t> / </a:t>
-            </a:r>
-            <a:r>
-              <a:rPr lang="en-US" dirty="0" err="1"/>
-              <a:t>OneTimeSetUp</a:t>
-            </a:r>
-            <a:r>
-              <a:rPr lang="en-US" dirty="0"/>
-              <a:t> (newer versions of </a:t>
-            </a:r>
-            <a:r>
-              <a:rPr lang="en-US" dirty="0" err="1"/>
-              <a:t>NUnit</a:t>
-            </a:r>
-            <a:r>
-              <a:rPr lang="en-US" dirty="0"/>
-              <a:t>)</a:t>
-            </a:r>
-          </a:p>
-          <a:p>
-            <a:pPr lvl="1"/>
-            <a:r>
-              <a:rPr lang="en-US" dirty="0" err="1"/>
-              <a:t>TestFixtureTearDown</a:t>
-            </a:r>
-            <a:r>
-              <a:rPr lang="en-US" dirty="0"/>
-              <a:t> / </a:t>
-            </a:r>
-            <a:r>
-              <a:rPr lang="en-US" dirty="0" err="1"/>
-              <a:t>OneTimeTearDown</a:t>
-            </a:r>
-            <a:r>
-              <a:rPr lang="en-US" dirty="0"/>
-              <a:t> (new versions of </a:t>
-            </a:r>
-            <a:r>
-              <a:rPr lang="en-US" dirty="0" err="1"/>
-              <a:t>NUnit</a:t>
-            </a:r>
-            <a:r>
-              <a:rPr lang="en-US" dirty="0"/>
-              <a:t>)</a:t>
-            </a:r>
-          </a:p>
-          <a:p>
-            <a:pPr lvl="1"/>
-            <a:r>
-              <a:rPr lang="en-US" dirty="0" err="1"/>
-              <a:t>SetUp</a:t>
-            </a:r>
-            <a:endParaRPr lang="en-US" dirty="0"/>
-          </a:p>
-          <a:p>
-            <a:pPr lvl="1"/>
-            <a:r>
-              <a:rPr lang="en-US" dirty="0" err="1"/>
-              <a:t>TearDown</a:t>
-            </a:r>
-            <a:endParaRPr lang="en-US" dirty="0"/>
-          </a:p>
-          <a:p>
-            <a:pPr lvl="1"/>
-            <a:r>
-              <a:rPr lang="en-US" dirty="0" err="1"/>
-              <a:t>TestCase</a:t>
-            </a:r>
-            <a:endParaRPr lang="en-US" dirty="0"/>
-          </a:p>
-          <a:p>
-            <a:pPr lvl="1"/>
-            <a:r>
-              <a:rPr lang="en-US" dirty="0" err="1"/>
-              <a:t>TestCaseSource</a:t>
-            </a:r>
-            <a:endParaRPr lang="en-US" dirty="0"/>
-          </a:p>
-          <a:p>
-            <a:pPr lvl="1"/>
-            <a:r>
-              <a:rPr lang="en-US" dirty="0" err="1"/>
-              <a:t>ExpectedException</a:t>
-            </a:r>
-            <a:endParaRPr lang="en-US" dirty="0"/>
-          </a:p>
-          <a:p>
-            <a:pPr lvl="1"/>
-            <a:r>
-              <a:rPr lang="en-US" dirty="0" err="1"/>
-              <a:t>MaxTime</a:t>
-            </a:r>
-            <a:endParaRPr lang="en-US" dirty="0"/>
-          </a:p>
-          <a:p>
-            <a:pPr lvl="1"/>
-            <a:endParaRPr lang="en-US" dirty="0"/>
-          </a:p>
-          <a:p>
-            <a:r>
-              <a:rPr lang="en-US" dirty="0"/>
-              <a:t>Attributes you should try not to use</a:t>
-            </a:r>
-          </a:p>
-          <a:p>
-            <a:pPr lvl="1"/>
-            <a:r>
-              <a:rPr lang="en-US" dirty="0"/>
-              <a:t>Order</a:t>
-            </a:r>
-          </a:p>
-          <a:p>
-            <a:pPr lvl="1"/>
-            <a:r>
-              <a:rPr lang="en-US" dirty="0"/>
-              <a:t>Ignore</a:t>
-            </a:r>
-          </a:p>
-          <a:p>
-            <a:pPr lvl="1"/>
-            <a:r>
-              <a:rPr lang="en-US" dirty="0"/>
-              <a:t>Random</a:t>
-            </a:r>
-          </a:p>
-          <a:p>
-            <a:pPr lvl="1"/>
-            <a:endParaRPr lang="en-US" dirty="0"/>
+          <p:cNvPr id="4" name="Title 3">
+            <a:extLst>
+              <a:ext uri="{FF2B5EF4-FFF2-40B4-BE49-F238E27FC236}">
+                <a16:creationId xmlns:a16="http://schemas.microsoft.com/office/drawing/2014/main" id="{CB7D0C79-FB59-4437-90F7-2D822EC5A28E}"/>
+              </a:ext>
+            </a:extLst>
+          </p:cNvPr>
+          <p:cNvSpPr>
+            <a:spLocks noGrp="1"/>
+          </p:cNvSpPr>
+          <p:nvPr>
+            <p:ph type="ctrTitle"/>
+          </p:nvPr>
+        </p:nvSpPr>
+        <p:spPr/>
+        <p:txBody>
+          <a:bodyPr/>
+          <a:lstStyle/>
+          <a:p>
+            <a:r>
+              <a:rPr lang="en-US" dirty="0"/>
+              <a:t>Tools for Testing</a:t>
+            </a:r>
+          </a:p>
+        </p:txBody>
+      </p:sp>
+      <p:sp>
+        <p:nvSpPr>
+          <p:cNvPr id="5" name="Subtitle 4">
+            <a:extLst>
+              <a:ext uri="{FF2B5EF4-FFF2-40B4-BE49-F238E27FC236}">
+                <a16:creationId xmlns:a16="http://schemas.microsoft.com/office/drawing/2014/main" id="{C7202D8A-8F89-4C50-876A-4F37B3C96672}"/>
+              </a:ext>
+            </a:extLst>
+          </p:cNvPr>
+          <p:cNvSpPr>
+            <a:spLocks noGrp="1"/>
+          </p:cNvSpPr>
+          <p:nvPr>
+            <p:ph type="subTitle" idx="1"/>
+          </p:nvPr>
+        </p:nvSpPr>
+        <p:spPr/>
+        <p:txBody>
+          <a:bodyPr/>
+          <a:lstStyle/>
+          <a:p>
+            <a:endParaRPr lang="en-US"/>
           </a:p>
         </p:txBody>
       </p:sp>
     </p:spTree>
     <p:extLst>
       <p:ext uri="{BB962C8B-B14F-4D97-AF65-F5344CB8AC3E}">
-        <p14:creationId xmlns:p14="http://schemas.microsoft.com/office/powerpoint/2010/main" val="2126115321"/>
+        <p14:creationId xmlns:p14="http://schemas.microsoft.com/office/powerpoint/2010/main" val="1681716444"/>
       </p:ext>
     </p:extLst>
   </p:cSld>
@@ -5340,7 +5469,7 @@
           <p:cNvPr id="2" name="Title 1">
             <a:extLst>
               <a:ext uri="{FF2B5EF4-FFF2-40B4-BE49-F238E27FC236}">
-                <a16:creationId xmlns:a16="http://schemas.microsoft.com/office/drawing/2014/main" id="{E6D58B3C-C848-4D40-9E9B-5CD3554B61D8}"/>
+                <a16:creationId xmlns:a16="http://schemas.microsoft.com/office/drawing/2014/main" id="{A047764D-C3A3-492B-A69C-B49DCEE96CB9}"/>
               </a:ext>
             </a:extLst>
           </p:cNvPr>
@@ -5358,14 +5487,14 @@
           <a:p>
             <a:r>
               <a:rPr lang="en-US" sz="2000" i="1" dirty="0"/>
-              <a:t>How to Test</a:t>
+              <a:t>Tools for testing</a:t>
             </a:r>
             <a:br>
               <a:rPr lang="en-US" dirty="0"/>
             </a:br>
             <a:r>
               <a:rPr lang="en-US" dirty="0"/>
-              <a:t>C# Testing frameworks and libraries</a:t>
+              <a:t>NUnit Attributes to Know</a:t>
             </a:r>
           </a:p>
         </p:txBody>
@@ -5375,7 +5504,7 @@
           <p:cNvPr id="3" name="Content Placeholder 2">
             <a:extLst>
               <a:ext uri="{FF2B5EF4-FFF2-40B4-BE49-F238E27FC236}">
-                <a16:creationId xmlns:a16="http://schemas.microsoft.com/office/drawing/2014/main" id="{FE775D05-5D7B-4C64-B880-434D809E2C9E}"/>
+                <a16:creationId xmlns:a16="http://schemas.microsoft.com/office/drawing/2014/main" id="{1438E15F-C4B7-4B19-B4BE-260A11DEAE41}"/>
               </a:ext>
             </a:extLst>
           </p:cNvPr>
@@ -5389,114 +5518,150 @@
         <p:spPr/>
         <p:txBody>
           <a:bodyPr>
-            <a:normAutofit lnSpcReduction="10000"/>
+            <a:normAutofit fontScale="85000" lnSpcReduction="20000"/>
           </a:bodyPr>
           <a:lstStyle/>
           <a:p>
             <a:r>
+              <a:rPr lang="en-US" dirty="0"/>
+              <a:t>Attributes you should use</a:t>
+            </a:r>
+          </a:p>
+          <a:p>
+            <a:pPr lvl="1"/>
+            <a:r>
               <a:rPr lang="en-US" dirty="0" err="1"/>
-              <a:t>NUnit</a:t>
-            </a:r>
-            <a:r>
-              <a:rPr lang="en-US" dirty="0"/>
-              <a:t> (what we use for most of our code)</a:t>
-            </a:r>
-          </a:p>
-          <a:p>
-            <a:pPr marL="457200" lvl="1" indent="0">
-              <a:buNone/>
-            </a:pPr>
-            <a:r>
-              <a:rPr lang="en-US" dirty="0"/>
-              <a:t>+ Most popular</a:t>
-            </a:r>
-          </a:p>
-          <a:p>
-            <a:pPr marL="457200" lvl="1" indent="0">
-              <a:buNone/>
-            </a:pPr>
-            <a:r>
-              <a:rPr lang="en-US" dirty="0"/>
-              <a:t>+ Can include arguments with test cases</a:t>
-            </a:r>
-          </a:p>
-          <a:p>
-            <a:pPr marL="457200" lvl="1" indent="0">
-              <a:buNone/>
-            </a:pPr>
+              <a:t>TestFixture</a:t>
+            </a:r>
             <a:endParaRPr lang="en-US" dirty="0"/>
           </a:p>
           <a:p>
+            <a:pPr lvl="1"/>
             <a:r>
               <a:rPr lang="en-US" dirty="0" err="1"/>
-              <a:t>XUnit</a:t>
-            </a:r>
-            <a:r>
-              <a:rPr lang="en-US" dirty="0"/>
-              <a:t> (what we use for LIB / </a:t>
+              <a:t>TestFixtureSetUp</a:t>
+            </a:r>
+            <a:r>
+              <a:rPr lang="en-US" dirty="0"/>
+              <a:t> / </a:t>
             </a:r>
             <a:r>
               <a:rPr lang="en-US" dirty="0" err="1"/>
-              <a:t>Nuget</a:t>
-            </a:r>
-            <a:r>
-              <a:rPr lang="en-US" dirty="0"/>
-              <a:t>)</a:t>
+              <a:t>OneTimeSetUp</a:t>
+            </a:r>
+            <a:r>
+              <a:rPr lang="en-US" dirty="0"/>
+              <a:t> (newer versions of NUnit)</a:t>
             </a:r>
           </a:p>
           <a:p>
             <a:pPr lvl="1"/>
             <a:r>
-              <a:rPr lang="en-US" dirty="0"/>
-              <a:t>Uses Facts/Theories approach</a:t>
-            </a:r>
-          </a:p>
-          <a:p>
-            <a:pPr marL="457200" lvl="1" indent="0">
-              <a:buNone/>
-            </a:pPr>
+              <a:rPr lang="en-US" dirty="0" err="1"/>
+              <a:t>TestFixtureTearDown</a:t>
+            </a:r>
+            <a:r>
+              <a:rPr lang="en-US" dirty="0"/>
+              <a:t> / </a:t>
+            </a:r>
+            <a:r>
+              <a:rPr lang="en-US" dirty="0" err="1"/>
+              <a:t>OneTimeTearDown</a:t>
+            </a:r>
+            <a:r>
+              <a:rPr lang="en-US" dirty="0"/>
+              <a:t> (new versions of NUnit)</a:t>
+            </a:r>
+          </a:p>
+          <a:p>
+            <a:pPr lvl="1"/>
+            <a:r>
+              <a:rPr lang="en-US" dirty="0" err="1"/>
+              <a:t>SetUp</a:t>
+            </a:r>
             <a:endParaRPr lang="en-US" dirty="0"/>
           </a:p>
           <a:p>
+            <a:pPr lvl="1"/>
             <a:r>
               <a:rPr lang="en-US" dirty="0" err="1"/>
-              <a:t>MSTest</a:t>
+              <a:t>TearDown</a:t>
             </a:r>
             <a:endParaRPr lang="en-US" dirty="0"/>
           </a:p>
           <a:p>
-            <a:pPr marL="457200" lvl="1" indent="0">
-              <a:buNone/>
-            </a:pPr>
-            <a:r>
-              <a:rPr lang="en-US" dirty="0"/>
-              <a:t>+ Built into Visual Studio</a:t>
-            </a:r>
-          </a:p>
-          <a:p>
-            <a:pPr marL="457200" lvl="1" indent="0">
-              <a:buNone/>
-            </a:pPr>
-            <a:r>
-              <a:rPr lang="en-US" dirty="0"/>
-              <a:t>+ Simple setup and integration</a:t>
-            </a:r>
-          </a:p>
-          <a:p>
-            <a:pPr marL="457200" lvl="1" indent="0">
-              <a:buNone/>
-            </a:pPr>
-            <a:r>
-              <a:rPr lang="en-US" dirty="0"/>
-              <a:t>- Not as performant</a:t>
-            </a:r>
+            <a:pPr lvl="1"/>
+            <a:r>
+              <a:rPr lang="en-US" dirty="0" err="1"/>
+              <a:t>TestCase</a:t>
+            </a:r>
+            <a:endParaRPr lang="en-US" dirty="0"/>
+          </a:p>
+          <a:p>
+            <a:pPr lvl="1"/>
+            <a:r>
+              <a:rPr lang="en-US" dirty="0" err="1"/>
+              <a:t>TestCaseSource</a:t>
+            </a:r>
+            <a:endParaRPr lang="en-US" dirty="0"/>
+          </a:p>
+          <a:p>
+            <a:pPr lvl="1"/>
+            <a:r>
+              <a:rPr lang="en-US" dirty="0" err="1"/>
+              <a:t>ExpectedException</a:t>
+            </a:r>
+            <a:endParaRPr lang="en-US" dirty="0"/>
+          </a:p>
+          <a:p>
+            <a:pPr lvl="1"/>
+            <a:r>
+              <a:rPr lang="en-US" dirty="0" err="1"/>
+              <a:t>MaxTime</a:t>
+            </a:r>
+            <a:endParaRPr lang="en-US" dirty="0"/>
+          </a:p>
+          <a:p>
+            <a:pPr lvl="1"/>
+            <a:endParaRPr lang="en-US" dirty="0"/>
+          </a:p>
+          <a:p>
+            <a:r>
+              <a:rPr lang="en-US" dirty="0"/>
+              <a:t>Attributes you should try not to use</a:t>
+            </a:r>
+          </a:p>
+          <a:p>
+            <a:pPr lvl="1"/>
+            <a:r>
+              <a:rPr lang="en-US" dirty="0"/>
+              <a:t>Order</a:t>
+            </a:r>
+          </a:p>
+          <a:p>
+            <a:pPr lvl="1"/>
+            <a:r>
+              <a:rPr lang="en-US" dirty="0"/>
+              <a:t>Ignore</a:t>
+            </a:r>
+          </a:p>
+          <a:p>
+            <a:pPr lvl="1"/>
+            <a:r>
+              <a:rPr lang="en-US" dirty="0"/>
+              <a:t>Random</a:t>
+            </a:r>
+          </a:p>
+          <a:p>
+            <a:pPr lvl="1"/>
+            <a:endParaRPr lang="en-US" dirty="0"/>
           </a:p>
         </p:txBody>
       </p:sp>
     </p:spTree>
     <p:extLst>
       <p:ext uri="{BB962C8B-B14F-4D97-AF65-F5344CB8AC3E}">
-        <p14:creationId xmlns:p14="http://schemas.microsoft.com/office/powerpoint/2010/main" val="4151904141"/>
+        <p14:creationId xmlns:p14="http://schemas.microsoft.com/office/powerpoint/2010/main" val="2126115321"/>
       </p:ext>
     </p:extLst>
   </p:cSld>
@@ -5528,6 +5693,932 @@
           <p:cNvPr id="2" name="Title 1">
             <a:extLst>
               <a:ext uri="{FF2B5EF4-FFF2-40B4-BE49-F238E27FC236}">
+                <a16:creationId xmlns:a16="http://schemas.microsoft.com/office/drawing/2014/main" id="{E01F6992-CF69-4B22-BDFC-E8AF7F592615}"/>
+              </a:ext>
+            </a:extLst>
+          </p:cNvPr>
+          <p:cNvSpPr>
+            <a:spLocks noGrp="1"/>
+          </p:cNvSpPr>
+          <p:nvPr>
+            <p:ph type="title"/>
+          </p:nvPr>
+        </p:nvSpPr>
+        <p:spPr/>
+        <p:txBody>
+          <a:bodyPr/>
+          <a:lstStyle/>
+          <a:p>
+            <a:r>
+              <a:rPr lang="en-US" dirty="0"/>
+              <a:t>Tools for testing</a:t>
+            </a:r>
+          </a:p>
+        </p:txBody>
+      </p:sp>
+      <p:sp>
+        <p:nvSpPr>
+          <p:cNvPr id="3" name="Content Placeholder 2">
+            <a:extLst>
+              <a:ext uri="{FF2B5EF4-FFF2-40B4-BE49-F238E27FC236}">
+                <a16:creationId xmlns:a16="http://schemas.microsoft.com/office/drawing/2014/main" id="{9225E583-77AC-4D68-8A0B-71C43C5DC4C2}"/>
+              </a:ext>
+            </a:extLst>
+          </p:cNvPr>
+          <p:cNvSpPr>
+            <a:spLocks noGrp="1"/>
+          </p:cNvSpPr>
+          <p:nvPr>
+            <p:ph idx="1"/>
+          </p:nvPr>
+        </p:nvSpPr>
+        <p:spPr>
+          <a:xfrm>
+            <a:off x="838200" y="1690688"/>
+            <a:ext cx="10515600" cy="4862512"/>
+          </a:xfrm>
+        </p:spPr>
+        <p:txBody>
+          <a:bodyPr>
+            <a:normAutofit/>
+          </a:bodyPr>
+          <a:lstStyle/>
+          <a:p>
+            <a:r>
+              <a:rPr lang="en-US" dirty="0" err="1"/>
+              <a:t>Moq</a:t>
+            </a:r>
+            <a:endParaRPr lang="en-US" dirty="0"/>
+          </a:p>
+          <a:p>
+            <a:pPr lvl="1"/>
+            <a:r>
+              <a:rPr lang="en-US" dirty="0"/>
+              <a:t>Make mocks of any class (that inherits from an interface) whose behavior you want to control</a:t>
+            </a:r>
+          </a:p>
+          <a:p>
+            <a:pPr lvl="1"/>
+            <a:r>
+              <a:rPr lang="en-US" dirty="0"/>
+              <a:t>Refactor classes into interfaces when it makes sense</a:t>
+            </a:r>
+          </a:p>
+          <a:p>
+            <a:pPr lvl="1"/>
+            <a:r>
+              <a:rPr lang="en-US" dirty="0"/>
+              <a:t>Can override properties and return values of methods</a:t>
+            </a:r>
+          </a:p>
+          <a:p>
+            <a:endParaRPr lang="en-US" dirty="0"/>
+          </a:p>
+          <a:p>
+            <a:r>
+              <a:rPr lang="en-US" dirty="0"/>
+              <a:t>Factories</a:t>
+            </a:r>
+          </a:p>
+          <a:p>
+            <a:pPr lvl="1"/>
+            <a:r>
+              <a:rPr lang="en-US" dirty="0"/>
+              <a:t>Create factories for any repetitive or cumbersome setups</a:t>
+            </a:r>
+          </a:p>
+          <a:p>
+            <a:pPr lvl="1"/>
+            <a:endParaRPr lang="en-US" dirty="0"/>
+          </a:p>
+          <a:p>
+            <a:pPr lvl="1"/>
+            <a:endParaRPr lang="en-US" dirty="0"/>
+          </a:p>
+          <a:p>
+            <a:endParaRPr lang="en-US" dirty="0"/>
+          </a:p>
+        </p:txBody>
+      </p:sp>
+    </p:spTree>
+    <p:extLst>
+      <p:ext uri="{BB962C8B-B14F-4D97-AF65-F5344CB8AC3E}">
+        <p14:creationId xmlns:p14="http://schemas.microsoft.com/office/powerpoint/2010/main" val="3259627301"/>
+      </p:ext>
+    </p:extLst>
+  </p:cSld>
+  <p:clrMapOvr>
+    <a:masterClrMapping/>
+  </p:clrMapOvr>
+</p:sld>
+</file>
+
+<file path=ppt/slides/slide2.xml><?xml version="1.0" encoding="utf-8"?>
+<p:sld xmlns:a="http://schemas.openxmlformats.org/drawingml/2006/main" xmlns:r="http://schemas.openxmlformats.org/officeDocument/2006/relationships" xmlns:p="http://schemas.openxmlformats.org/presentationml/2006/main">
+  <p:cSld>
+    <p:spTree>
+      <p:nvGrpSpPr>
+        <p:cNvPr id="1" name=""/>
+        <p:cNvGrpSpPr/>
+        <p:nvPr/>
+      </p:nvGrpSpPr>
+      <p:grpSpPr>
+        <a:xfrm>
+          <a:off x="0" y="0"/>
+          <a:ext cx="0" cy="0"/>
+          <a:chOff x="0" y="0"/>
+          <a:chExt cx="0" cy="0"/>
+        </a:xfrm>
+      </p:grpSpPr>
+      <p:pic>
+        <p:nvPicPr>
+          <p:cNvPr id="5" name="Picture 4">
+            <a:extLst>
+              <a:ext uri="{FF2B5EF4-FFF2-40B4-BE49-F238E27FC236}">
+                <a16:creationId xmlns:a16="http://schemas.microsoft.com/office/drawing/2014/main" id="{A88BDF91-B05A-4406-AC51-02C397324D6E}"/>
+              </a:ext>
+            </a:extLst>
+          </p:cNvPr>
+          <p:cNvPicPr>
+            <a:picLocks noChangeAspect="1"/>
+          </p:cNvPicPr>
+          <p:nvPr/>
+        </p:nvPicPr>
+        <p:blipFill>
+          <a:blip r:embed="rId2">
+            <a:extLst>
+              <a:ext uri="{28A0092B-C50C-407E-A947-70E740481C1C}">
+                <a14:useLocalDpi xmlns:a14="http://schemas.microsoft.com/office/drawing/2010/main" val="0"/>
+              </a:ext>
+            </a:extLst>
+          </a:blip>
+          <a:stretch>
+            <a:fillRect/>
+          </a:stretch>
+        </p:blipFill>
+        <p:spPr>
+          <a:xfrm>
+            <a:off x="3361550" y="0"/>
+            <a:ext cx="5468900" cy="6858000"/>
+          </a:xfrm>
+          <a:prstGeom prst="rect">
+            <a:avLst/>
+          </a:prstGeom>
+        </p:spPr>
+      </p:pic>
+    </p:spTree>
+    <p:extLst>
+      <p:ext uri="{BB962C8B-B14F-4D97-AF65-F5344CB8AC3E}">
+        <p14:creationId xmlns:p14="http://schemas.microsoft.com/office/powerpoint/2010/main" val="679835503"/>
+      </p:ext>
+    </p:extLst>
+  </p:cSld>
+  <p:clrMapOvr>
+    <a:masterClrMapping/>
+  </p:clrMapOvr>
+</p:sld>
+</file>
+
+<file path=ppt/slides/slide20.xml><?xml version="1.0" encoding="utf-8"?>
+<p:sld xmlns:a="http://schemas.openxmlformats.org/drawingml/2006/main" xmlns:r="http://schemas.openxmlformats.org/officeDocument/2006/relationships" xmlns:p="http://schemas.openxmlformats.org/presentationml/2006/main">
+  <p:cSld>
+    <p:spTree>
+      <p:nvGrpSpPr>
+        <p:cNvPr id="1" name=""/>
+        <p:cNvGrpSpPr/>
+        <p:nvPr/>
+      </p:nvGrpSpPr>
+      <p:grpSpPr>
+        <a:xfrm>
+          <a:off x="0" y="0"/>
+          <a:ext cx="0" cy="0"/>
+          <a:chOff x="0" y="0"/>
+          <a:chExt cx="0" cy="0"/>
+        </a:xfrm>
+      </p:grpSpPr>
+      <p:sp>
+        <p:nvSpPr>
+          <p:cNvPr id="2" name="Title 1">
+            <a:extLst>
+              <a:ext uri="{FF2B5EF4-FFF2-40B4-BE49-F238E27FC236}">
+                <a16:creationId xmlns:a16="http://schemas.microsoft.com/office/drawing/2014/main" id="{E01F6992-CF69-4B22-BDFC-E8AF7F592615}"/>
+              </a:ext>
+            </a:extLst>
+          </p:cNvPr>
+          <p:cNvSpPr>
+            <a:spLocks noGrp="1"/>
+          </p:cNvSpPr>
+          <p:nvPr>
+            <p:ph type="title"/>
+          </p:nvPr>
+        </p:nvSpPr>
+        <p:spPr/>
+        <p:txBody>
+          <a:bodyPr/>
+          <a:lstStyle/>
+          <a:p>
+            <a:r>
+              <a:rPr lang="en-US" dirty="0"/>
+              <a:t>Tools for testing (cont’d)</a:t>
+            </a:r>
+          </a:p>
+        </p:txBody>
+      </p:sp>
+      <p:sp>
+        <p:nvSpPr>
+          <p:cNvPr id="3" name="Content Placeholder 2">
+            <a:extLst>
+              <a:ext uri="{FF2B5EF4-FFF2-40B4-BE49-F238E27FC236}">
+                <a16:creationId xmlns:a16="http://schemas.microsoft.com/office/drawing/2014/main" id="{9225E583-77AC-4D68-8A0B-71C43C5DC4C2}"/>
+              </a:ext>
+            </a:extLst>
+          </p:cNvPr>
+          <p:cNvSpPr>
+            <a:spLocks noGrp="1"/>
+          </p:cNvSpPr>
+          <p:nvPr>
+            <p:ph idx="1"/>
+          </p:nvPr>
+        </p:nvSpPr>
+        <p:spPr>
+          <a:xfrm>
+            <a:off x="838200" y="1690688"/>
+            <a:ext cx="10515600" cy="4862512"/>
+          </a:xfrm>
+        </p:spPr>
+        <p:txBody>
+          <a:bodyPr>
+            <a:normAutofit lnSpcReduction="10000"/>
+          </a:bodyPr>
+          <a:lstStyle/>
+          <a:p>
+            <a:r>
+              <a:rPr lang="en-US" dirty="0"/>
+              <a:t>Visual Studio Test Explorer filter feature</a:t>
+            </a:r>
+          </a:p>
+          <a:p>
+            <a:pPr lvl="1"/>
+            <a:r>
+              <a:rPr lang="en-US" dirty="0"/>
+              <a:t>Filter using drop-down or search-syntax </a:t>
+            </a:r>
+          </a:p>
+          <a:p>
+            <a:pPr marL="457200" lvl="1" indent="0">
+              <a:buNone/>
+            </a:pPr>
+            <a:r>
+              <a:rPr lang="en-US" dirty="0"/>
+              <a:t>   (class, project, error message, output, outcome, </a:t>
+            </a:r>
+            <a:r>
+              <a:rPr lang="en-US" dirty="0" err="1"/>
+              <a:t>filepath</a:t>
+            </a:r>
+            <a:r>
+              <a:rPr lang="en-US" dirty="0"/>
+              <a:t>)</a:t>
+            </a:r>
+          </a:p>
+          <a:p>
+            <a:endParaRPr lang="en-US" dirty="0"/>
+          </a:p>
+          <a:p>
+            <a:r>
+              <a:rPr lang="en-US" dirty="0" err="1"/>
+              <a:t>FluentAssertions</a:t>
+            </a:r>
+            <a:endParaRPr lang="en-US" dirty="0"/>
+          </a:p>
+          <a:p>
+            <a:pPr lvl="1"/>
+            <a:r>
+              <a:rPr lang="en-US" dirty="0"/>
+              <a:t>Provide more semantic, chainable assertion statements</a:t>
+            </a:r>
+          </a:p>
+          <a:p>
+            <a:pPr lvl="1"/>
+            <a:r>
+              <a:rPr lang="en-US" b="1" dirty="0">
+                <a:solidFill>
+                  <a:srgbClr val="445588"/>
+                </a:solidFill>
+                <a:latin typeface="Monaco"/>
+              </a:rPr>
+              <a:t>string</a:t>
+            </a:r>
+            <a:r>
+              <a:rPr lang="en-US" dirty="0">
+                <a:solidFill>
+                  <a:srgbClr val="222222"/>
+                </a:solidFill>
+                <a:latin typeface="Monaco"/>
+              </a:rPr>
+              <a:t> actual = </a:t>
+            </a:r>
+            <a:r>
+              <a:rPr lang="en-US" dirty="0">
+                <a:solidFill>
+                  <a:srgbClr val="DD1144"/>
+                </a:solidFill>
+                <a:latin typeface="Monaco"/>
+              </a:rPr>
+              <a:t>"ABCDEFGHI"</a:t>
+            </a:r>
+            <a:r>
+              <a:rPr lang="en-US" dirty="0">
+                <a:solidFill>
+                  <a:srgbClr val="222222"/>
+                </a:solidFill>
+                <a:latin typeface="Monaco"/>
+              </a:rPr>
+              <a:t>; </a:t>
+            </a:r>
+          </a:p>
+          <a:p>
+            <a:pPr marL="457200" lvl="1" indent="0">
+              <a:buNone/>
+            </a:pPr>
+            <a:r>
+              <a:rPr lang="en-US" dirty="0">
+                <a:solidFill>
+                  <a:srgbClr val="222222"/>
+                </a:solidFill>
+                <a:latin typeface="Monaco"/>
+              </a:rPr>
+              <a:t>	</a:t>
+            </a:r>
+            <a:r>
+              <a:rPr lang="en-US" dirty="0" err="1">
+                <a:solidFill>
+                  <a:srgbClr val="222222"/>
+                </a:solidFill>
+                <a:latin typeface="Monaco"/>
+              </a:rPr>
+              <a:t>actual.</a:t>
+            </a:r>
+            <a:r>
+              <a:rPr lang="en-US" b="1" dirty="0" err="1">
+                <a:solidFill>
+                  <a:srgbClr val="990000"/>
+                </a:solidFill>
+                <a:latin typeface="Monaco"/>
+              </a:rPr>
+              <a:t>Should</a:t>
+            </a:r>
+            <a:r>
+              <a:rPr lang="en-US" dirty="0">
+                <a:solidFill>
+                  <a:srgbClr val="222222"/>
+                </a:solidFill>
+                <a:latin typeface="Monaco"/>
+              </a:rPr>
+              <a:t>()</a:t>
+            </a:r>
+          </a:p>
+          <a:p>
+            <a:pPr marL="457200" lvl="1" indent="0">
+              <a:buNone/>
+            </a:pPr>
+            <a:r>
+              <a:rPr lang="en-US" dirty="0">
+                <a:solidFill>
+                  <a:srgbClr val="222222"/>
+                </a:solidFill>
+                <a:latin typeface="Monaco"/>
+              </a:rPr>
+              <a:t>	.</a:t>
+            </a:r>
+            <a:r>
+              <a:rPr lang="en-US" b="1" dirty="0" err="1">
+                <a:solidFill>
+                  <a:srgbClr val="990000"/>
+                </a:solidFill>
+                <a:latin typeface="Monaco"/>
+              </a:rPr>
+              <a:t>StartWith</a:t>
+            </a:r>
+            <a:r>
+              <a:rPr lang="en-US" dirty="0">
+                <a:solidFill>
+                  <a:srgbClr val="222222"/>
+                </a:solidFill>
+                <a:latin typeface="Monaco"/>
+              </a:rPr>
+              <a:t>(</a:t>
+            </a:r>
+            <a:r>
+              <a:rPr lang="en-US" dirty="0">
+                <a:solidFill>
+                  <a:srgbClr val="DD1144"/>
+                </a:solidFill>
+                <a:latin typeface="Monaco"/>
+              </a:rPr>
+              <a:t>"AB"</a:t>
+            </a:r>
+            <a:r>
+              <a:rPr lang="en-US" dirty="0">
+                <a:solidFill>
+                  <a:srgbClr val="222222"/>
+                </a:solidFill>
+                <a:latin typeface="Monaco"/>
+              </a:rPr>
+              <a:t>)</a:t>
+            </a:r>
+          </a:p>
+          <a:p>
+            <a:pPr marL="457200" lvl="1" indent="0">
+              <a:buNone/>
+            </a:pPr>
+            <a:r>
+              <a:rPr lang="en-US" dirty="0">
+                <a:solidFill>
+                  <a:srgbClr val="222222"/>
+                </a:solidFill>
+                <a:latin typeface="Monaco"/>
+              </a:rPr>
+              <a:t>	.</a:t>
+            </a:r>
+            <a:r>
+              <a:rPr lang="en-US" dirty="0" err="1">
+                <a:solidFill>
+                  <a:srgbClr val="222222"/>
+                </a:solidFill>
+                <a:latin typeface="Monaco"/>
+              </a:rPr>
+              <a:t>And.</a:t>
+            </a:r>
+            <a:r>
+              <a:rPr lang="en-US" b="1" dirty="0" err="1">
+                <a:solidFill>
+                  <a:srgbClr val="990000"/>
+                </a:solidFill>
+                <a:latin typeface="Monaco"/>
+              </a:rPr>
+              <a:t>EndWith</a:t>
+            </a:r>
+            <a:r>
+              <a:rPr lang="en-US" dirty="0">
+                <a:solidFill>
+                  <a:srgbClr val="222222"/>
+                </a:solidFill>
+                <a:latin typeface="Monaco"/>
+              </a:rPr>
+              <a:t>(</a:t>
+            </a:r>
+            <a:r>
+              <a:rPr lang="en-US" dirty="0">
+                <a:solidFill>
+                  <a:srgbClr val="DD1144"/>
+                </a:solidFill>
+                <a:latin typeface="Monaco"/>
+              </a:rPr>
+              <a:t>"HI"</a:t>
+            </a:r>
+            <a:r>
+              <a:rPr lang="en-US" dirty="0">
+                <a:solidFill>
+                  <a:srgbClr val="222222"/>
+                </a:solidFill>
+                <a:latin typeface="Monaco"/>
+              </a:rPr>
+              <a:t>)</a:t>
+            </a:r>
+          </a:p>
+          <a:p>
+            <a:pPr marL="457200" lvl="1" indent="0">
+              <a:buNone/>
+            </a:pPr>
+            <a:r>
+              <a:rPr lang="en-US" dirty="0">
+                <a:solidFill>
+                  <a:srgbClr val="222222"/>
+                </a:solidFill>
+                <a:latin typeface="Monaco"/>
+              </a:rPr>
+              <a:t>	.</a:t>
+            </a:r>
+            <a:r>
+              <a:rPr lang="en-US" dirty="0" err="1">
+                <a:solidFill>
+                  <a:srgbClr val="222222"/>
+                </a:solidFill>
+                <a:latin typeface="Monaco"/>
+              </a:rPr>
+              <a:t>And.</a:t>
+            </a:r>
+            <a:r>
+              <a:rPr lang="en-US" b="1" dirty="0" err="1">
+                <a:solidFill>
+                  <a:srgbClr val="990000"/>
+                </a:solidFill>
+                <a:latin typeface="Monaco"/>
+              </a:rPr>
+              <a:t>Contain</a:t>
+            </a:r>
+            <a:r>
+              <a:rPr lang="en-US" dirty="0">
+                <a:solidFill>
+                  <a:srgbClr val="222222"/>
+                </a:solidFill>
+                <a:latin typeface="Monaco"/>
+              </a:rPr>
+              <a:t>(</a:t>
+            </a:r>
+            <a:r>
+              <a:rPr lang="en-US" dirty="0">
+                <a:solidFill>
+                  <a:srgbClr val="DD1144"/>
+                </a:solidFill>
+                <a:latin typeface="Monaco"/>
+              </a:rPr>
+              <a:t>"EF"</a:t>
+            </a:r>
+            <a:r>
+              <a:rPr lang="en-US" dirty="0">
+                <a:solidFill>
+                  <a:srgbClr val="222222"/>
+                </a:solidFill>
+                <a:latin typeface="Monaco"/>
+              </a:rPr>
+              <a:t>)</a:t>
+            </a:r>
+          </a:p>
+          <a:p>
+            <a:pPr marL="457200" lvl="1" indent="0">
+              <a:buNone/>
+            </a:pPr>
+            <a:r>
+              <a:rPr lang="en-US" dirty="0">
+                <a:solidFill>
+                  <a:srgbClr val="222222"/>
+                </a:solidFill>
+                <a:latin typeface="Monaco"/>
+              </a:rPr>
+              <a:t>	.</a:t>
+            </a:r>
+            <a:r>
+              <a:rPr lang="en-US" dirty="0" err="1">
+                <a:solidFill>
+                  <a:srgbClr val="222222"/>
+                </a:solidFill>
+                <a:latin typeface="Monaco"/>
+              </a:rPr>
+              <a:t>And.</a:t>
+            </a:r>
+            <a:r>
+              <a:rPr lang="en-US" b="1" dirty="0" err="1">
+                <a:solidFill>
+                  <a:srgbClr val="990000"/>
+                </a:solidFill>
+                <a:latin typeface="Monaco"/>
+              </a:rPr>
+              <a:t>HaveLength</a:t>
+            </a:r>
+            <a:r>
+              <a:rPr lang="en-US" dirty="0">
+                <a:solidFill>
+                  <a:srgbClr val="222222"/>
+                </a:solidFill>
+                <a:latin typeface="Monaco"/>
+              </a:rPr>
+              <a:t>(</a:t>
+            </a:r>
+            <a:r>
+              <a:rPr lang="en-US" dirty="0">
+                <a:solidFill>
+                  <a:srgbClr val="009999"/>
+                </a:solidFill>
+                <a:latin typeface="Monaco"/>
+              </a:rPr>
+              <a:t>9</a:t>
+            </a:r>
+            <a:r>
+              <a:rPr lang="en-US" dirty="0">
+                <a:solidFill>
+                  <a:srgbClr val="222222"/>
+                </a:solidFill>
+                <a:latin typeface="Monaco"/>
+              </a:rPr>
+              <a:t>);</a:t>
+            </a:r>
+            <a:endParaRPr lang="en-US" dirty="0"/>
+          </a:p>
+          <a:p>
+            <a:pPr lvl="1"/>
+            <a:endParaRPr lang="en-US" dirty="0"/>
+          </a:p>
+          <a:p>
+            <a:pPr lvl="1"/>
+            <a:endParaRPr lang="en-US" dirty="0"/>
+          </a:p>
+          <a:p>
+            <a:endParaRPr lang="en-US" dirty="0"/>
+          </a:p>
+        </p:txBody>
+      </p:sp>
+    </p:spTree>
+    <p:extLst>
+      <p:ext uri="{BB962C8B-B14F-4D97-AF65-F5344CB8AC3E}">
+        <p14:creationId xmlns:p14="http://schemas.microsoft.com/office/powerpoint/2010/main" val="1907502083"/>
+      </p:ext>
+    </p:extLst>
+  </p:cSld>
+  <p:clrMapOvr>
+    <a:masterClrMapping/>
+  </p:clrMapOvr>
+</p:sld>
+</file>
+
+<file path=ppt/slides/slide21.xml><?xml version="1.0" encoding="utf-8"?>
+<p:sld xmlns:a="http://schemas.openxmlformats.org/drawingml/2006/main" xmlns:r="http://schemas.openxmlformats.org/officeDocument/2006/relationships" xmlns:p="http://schemas.openxmlformats.org/presentationml/2006/main">
+  <p:cSld>
+    <p:spTree>
+      <p:nvGrpSpPr>
+        <p:cNvPr id="1" name=""/>
+        <p:cNvGrpSpPr/>
+        <p:nvPr/>
+      </p:nvGrpSpPr>
+      <p:grpSpPr>
+        <a:xfrm>
+          <a:off x="0" y="0"/>
+          <a:ext cx="0" cy="0"/>
+          <a:chOff x="0" y="0"/>
+          <a:chExt cx="0" cy="0"/>
+        </a:xfrm>
+      </p:grpSpPr>
+      <p:sp>
+        <p:nvSpPr>
+          <p:cNvPr id="4" name="Title 3">
+            <a:extLst>
+              <a:ext uri="{FF2B5EF4-FFF2-40B4-BE49-F238E27FC236}">
+                <a16:creationId xmlns:a16="http://schemas.microsoft.com/office/drawing/2014/main" id="{FA4CA4ED-7301-4B49-A7CB-ADB933E465DB}"/>
+              </a:ext>
+            </a:extLst>
+          </p:cNvPr>
+          <p:cNvSpPr>
+            <a:spLocks noGrp="1"/>
+          </p:cNvSpPr>
+          <p:nvPr>
+            <p:ph type="ctrTitle"/>
+          </p:nvPr>
+        </p:nvSpPr>
+        <p:spPr/>
+        <p:txBody>
+          <a:bodyPr/>
+          <a:lstStyle/>
+          <a:p>
+            <a:r>
+              <a:rPr lang="en-US" dirty="0"/>
+              <a:t>Testing Frameworks</a:t>
+            </a:r>
+          </a:p>
+        </p:txBody>
+      </p:sp>
+      <p:sp>
+        <p:nvSpPr>
+          <p:cNvPr id="5" name="Subtitle 4">
+            <a:extLst>
+              <a:ext uri="{FF2B5EF4-FFF2-40B4-BE49-F238E27FC236}">
+                <a16:creationId xmlns:a16="http://schemas.microsoft.com/office/drawing/2014/main" id="{55A23C1E-260B-4573-A7CE-5626C20035E1}"/>
+              </a:ext>
+            </a:extLst>
+          </p:cNvPr>
+          <p:cNvSpPr>
+            <a:spLocks noGrp="1"/>
+          </p:cNvSpPr>
+          <p:nvPr>
+            <p:ph type="subTitle" idx="1"/>
+          </p:nvPr>
+        </p:nvSpPr>
+        <p:spPr/>
+        <p:txBody>
+          <a:bodyPr/>
+          <a:lstStyle/>
+          <a:p>
+            <a:r>
+              <a:rPr lang="en-US" dirty="0"/>
+              <a:t>NUnit, XUnit, and MSTest</a:t>
+            </a:r>
+          </a:p>
+        </p:txBody>
+      </p:sp>
+    </p:spTree>
+    <p:extLst>
+      <p:ext uri="{BB962C8B-B14F-4D97-AF65-F5344CB8AC3E}">
+        <p14:creationId xmlns:p14="http://schemas.microsoft.com/office/powerpoint/2010/main" val="3652312792"/>
+      </p:ext>
+    </p:extLst>
+  </p:cSld>
+  <p:clrMapOvr>
+    <a:masterClrMapping/>
+  </p:clrMapOvr>
+</p:sld>
+</file>
+
+<file path=ppt/slides/slide22.xml><?xml version="1.0" encoding="utf-8"?>
+<p:sld xmlns:a="http://schemas.openxmlformats.org/drawingml/2006/main" xmlns:r="http://schemas.openxmlformats.org/officeDocument/2006/relationships" xmlns:p="http://schemas.openxmlformats.org/presentationml/2006/main">
+  <p:cSld>
+    <p:spTree>
+      <p:nvGrpSpPr>
+        <p:cNvPr id="1" name=""/>
+        <p:cNvGrpSpPr/>
+        <p:nvPr/>
+      </p:nvGrpSpPr>
+      <p:grpSpPr>
+        <a:xfrm>
+          <a:off x="0" y="0"/>
+          <a:ext cx="0" cy="0"/>
+          <a:chOff x="0" y="0"/>
+          <a:chExt cx="0" cy="0"/>
+        </a:xfrm>
+      </p:grpSpPr>
+      <p:sp>
+        <p:nvSpPr>
+          <p:cNvPr id="2" name="Title 1">
+            <a:extLst>
+              <a:ext uri="{FF2B5EF4-FFF2-40B4-BE49-F238E27FC236}">
+                <a16:creationId xmlns:a16="http://schemas.microsoft.com/office/drawing/2014/main" id="{E6D58B3C-C848-4D40-9E9B-5CD3554B61D8}"/>
+              </a:ext>
+            </a:extLst>
+          </p:cNvPr>
+          <p:cNvSpPr>
+            <a:spLocks noGrp="1"/>
+          </p:cNvSpPr>
+          <p:nvPr>
+            <p:ph type="title"/>
+          </p:nvPr>
+        </p:nvSpPr>
+        <p:spPr/>
+        <p:txBody>
+          <a:bodyPr/>
+          <a:lstStyle/>
+          <a:p>
+            <a:r>
+              <a:rPr lang="en-US" sz="2000" i="1" dirty="0"/>
+              <a:t>Testing Frameworks</a:t>
+            </a:r>
+            <a:br>
+              <a:rPr lang="en-US" dirty="0"/>
+            </a:br>
+            <a:r>
+              <a:rPr lang="en-US" dirty="0"/>
+              <a:t>C# Testing frameworks and libraries</a:t>
+            </a:r>
+          </a:p>
+        </p:txBody>
+      </p:sp>
+      <p:sp>
+        <p:nvSpPr>
+          <p:cNvPr id="3" name="Content Placeholder 2">
+            <a:extLst>
+              <a:ext uri="{FF2B5EF4-FFF2-40B4-BE49-F238E27FC236}">
+                <a16:creationId xmlns:a16="http://schemas.microsoft.com/office/drawing/2014/main" id="{FE775D05-5D7B-4C64-B880-434D809E2C9E}"/>
+              </a:ext>
+            </a:extLst>
+          </p:cNvPr>
+          <p:cNvSpPr>
+            <a:spLocks noGrp="1"/>
+          </p:cNvSpPr>
+          <p:nvPr>
+            <p:ph idx="1"/>
+          </p:nvPr>
+        </p:nvSpPr>
+        <p:spPr/>
+        <p:txBody>
+          <a:bodyPr>
+            <a:normAutofit lnSpcReduction="10000"/>
+          </a:bodyPr>
+          <a:lstStyle/>
+          <a:p>
+            <a:r>
+              <a:rPr lang="en-US" dirty="0"/>
+              <a:t>NUnit (what we use for most of our code)</a:t>
+            </a:r>
+          </a:p>
+          <a:p>
+            <a:pPr marL="457200" lvl="1" indent="0">
+              <a:buNone/>
+            </a:pPr>
+            <a:r>
+              <a:rPr lang="en-US" dirty="0"/>
+              <a:t>+ Most popular</a:t>
+            </a:r>
+          </a:p>
+          <a:p>
+            <a:pPr marL="457200" lvl="1" indent="0">
+              <a:buNone/>
+            </a:pPr>
+            <a:r>
+              <a:rPr lang="en-US" dirty="0"/>
+              <a:t>+ Can include arguments with test cases</a:t>
+            </a:r>
+          </a:p>
+          <a:p>
+            <a:pPr marL="457200" lvl="1" indent="0">
+              <a:buNone/>
+            </a:pPr>
+            <a:endParaRPr lang="en-US" dirty="0"/>
+          </a:p>
+          <a:p>
+            <a:r>
+              <a:rPr lang="en-US" dirty="0"/>
+              <a:t>XUnit (what we use for LIB / </a:t>
+            </a:r>
+            <a:r>
+              <a:rPr lang="en-US" dirty="0" err="1"/>
+              <a:t>Nuget</a:t>
+            </a:r>
+            <a:r>
+              <a:rPr lang="en-US" dirty="0"/>
+              <a:t>)</a:t>
+            </a:r>
+          </a:p>
+          <a:p>
+            <a:pPr lvl="1"/>
+            <a:r>
+              <a:rPr lang="en-US" dirty="0"/>
+              <a:t>Uses Facts/Theories approach</a:t>
+            </a:r>
+          </a:p>
+          <a:p>
+            <a:pPr marL="457200" lvl="1" indent="0">
+              <a:buNone/>
+            </a:pPr>
+            <a:endParaRPr lang="en-US" dirty="0"/>
+          </a:p>
+          <a:p>
+            <a:r>
+              <a:rPr lang="en-US" dirty="0"/>
+              <a:t>MSTest</a:t>
+            </a:r>
+          </a:p>
+          <a:p>
+            <a:pPr marL="457200" lvl="1" indent="0">
+              <a:buNone/>
+            </a:pPr>
+            <a:r>
+              <a:rPr lang="en-US" dirty="0"/>
+              <a:t>+ Built into Visual Studio</a:t>
+            </a:r>
+          </a:p>
+          <a:p>
+            <a:pPr marL="457200" lvl="1" indent="0">
+              <a:buNone/>
+            </a:pPr>
+            <a:r>
+              <a:rPr lang="en-US" dirty="0"/>
+              <a:t>+ Simple setup and integration</a:t>
+            </a:r>
+          </a:p>
+          <a:p>
+            <a:pPr marL="457200" lvl="1" indent="0">
+              <a:buNone/>
+            </a:pPr>
+            <a:r>
+              <a:rPr lang="en-US" dirty="0"/>
+              <a:t>- Not as performant</a:t>
+            </a:r>
+          </a:p>
+        </p:txBody>
+      </p:sp>
+    </p:spTree>
+    <p:extLst>
+      <p:ext uri="{BB962C8B-B14F-4D97-AF65-F5344CB8AC3E}">
+        <p14:creationId xmlns:p14="http://schemas.microsoft.com/office/powerpoint/2010/main" val="4151904141"/>
+      </p:ext>
+    </p:extLst>
+  </p:cSld>
+  <p:clrMapOvr>
+    <a:masterClrMapping/>
+  </p:clrMapOvr>
+</p:sld>
+</file>
+
+<file path=ppt/slides/slide23.xml><?xml version="1.0" encoding="utf-8"?>
+<p:sld xmlns:a="http://schemas.openxmlformats.org/drawingml/2006/main" xmlns:r="http://schemas.openxmlformats.org/officeDocument/2006/relationships" xmlns:p="http://schemas.openxmlformats.org/presentationml/2006/main">
+  <p:cSld>
+    <p:spTree>
+      <p:nvGrpSpPr>
+        <p:cNvPr id="1" name=""/>
+        <p:cNvGrpSpPr/>
+        <p:nvPr/>
+      </p:nvGrpSpPr>
+      <p:grpSpPr>
+        <a:xfrm>
+          <a:off x="0" y="0"/>
+          <a:ext cx="0" cy="0"/>
+          <a:chOff x="0" y="0"/>
+          <a:chExt cx="0" cy="0"/>
+        </a:xfrm>
+      </p:grpSpPr>
+      <p:sp>
+        <p:nvSpPr>
+          <p:cNvPr id="2" name="Title 1">
+            <a:extLst>
+              <a:ext uri="{FF2B5EF4-FFF2-40B4-BE49-F238E27FC236}">
                 <a16:creationId xmlns:a16="http://schemas.microsoft.com/office/drawing/2014/main" id="{67506BCD-D6B2-4CF2-BC69-868465BCE3D7}"/>
               </a:ext>
             </a:extLst>
@@ -5546,22 +6637,14 @@
           <a:p>
             <a:r>
               <a:rPr lang="en-US" sz="2000" i="1" dirty="0"/>
-              <a:t>How to Test</a:t>
+              <a:t>Testing Frameworks</a:t>
             </a:r>
             <a:br>
               <a:rPr lang="en-US" dirty="0"/>
             </a:br>
             <a:r>
               <a:rPr lang="en-US" dirty="0"/>
-              <a:t>Setting up </a:t>
-            </a:r>
-            <a:r>
-              <a:rPr lang="en-US" dirty="0" err="1"/>
-              <a:t>NUnit</a:t>
-            </a:r>
-            <a:r>
-              <a:rPr lang="en-US" dirty="0"/>
-              <a:t>		</a:t>
+              <a:t>Setting up NUnit		</a:t>
             </a:r>
           </a:p>
         </p:txBody>
@@ -5595,15 +6678,7 @@
           <a:p>
             <a:r>
               <a:rPr lang="en-US" dirty="0"/>
-              <a:t>Online &gt; Search “</a:t>
-            </a:r>
-            <a:r>
-              <a:rPr lang="en-US" dirty="0" err="1"/>
-              <a:t>NUnit</a:t>
-            </a:r>
-            <a:r>
-              <a:rPr lang="en-US" dirty="0"/>
-              <a:t>“</a:t>
+              <a:t>Online &gt; Search “NUnit“</a:t>
             </a:r>
           </a:p>
           <a:p>
@@ -5630,7 +6705,957 @@
 </p:sld>
 </file>
 
-<file path=ppt/slides/slide2.xml><?xml version="1.0" encoding="utf-8"?>
+<file path=ppt/slides/slide24.xml><?xml version="1.0" encoding="utf-8"?>
+<p:sld xmlns:a="http://schemas.openxmlformats.org/drawingml/2006/main" xmlns:r="http://schemas.openxmlformats.org/officeDocument/2006/relationships" xmlns:p="http://schemas.openxmlformats.org/presentationml/2006/main">
+  <p:cSld>
+    <p:spTree>
+      <p:nvGrpSpPr>
+        <p:cNvPr id="1" name=""/>
+        <p:cNvGrpSpPr/>
+        <p:nvPr/>
+      </p:nvGrpSpPr>
+      <p:grpSpPr>
+        <a:xfrm>
+          <a:off x="0" y="0"/>
+          <a:ext cx="0" cy="0"/>
+          <a:chOff x="0" y="0"/>
+          <a:chExt cx="0" cy="0"/>
+        </a:xfrm>
+      </p:grpSpPr>
+      <p:sp>
+        <p:nvSpPr>
+          <p:cNvPr id="4" name="Title 3">
+            <a:extLst>
+              <a:ext uri="{FF2B5EF4-FFF2-40B4-BE49-F238E27FC236}">
+                <a16:creationId xmlns:a16="http://schemas.microsoft.com/office/drawing/2014/main" id="{AFFF438E-6DDF-4919-A76B-EBF3CF313568}"/>
+              </a:ext>
+            </a:extLst>
+          </p:cNvPr>
+          <p:cNvSpPr>
+            <a:spLocks noGrp="1"/>
+          </p:cNvSpPr>
+          <p:nvPr>
+            <p:ph type="ctrTitle"/>
+          </p:nvPr>
+        </p:nvSpPr>
+        <p:spPr/>
+        <p:txBody>
+          <a:bodyPr/>
+          <a:lstStyle/>
+          <a:p>
+            <a:r>
+              <a:rPr lang="en-US" dirty="0"/>
+              <a:t>XUnit Syntax</a:t>
+            </a:r>
+          </a:p>
+        </p:txBody>
+      </p:sp>
+      <p:sp>
+        <p:nvSpPr>
+          <p:cNvPr id="5" name="Subtitle 4">
+            <a:extLst>
+              <a:ext uri="{FF2B5EF4-FFF2-40B4-BE49-F238E27FC236}">
+                <a16:creationId xmlns:a16="http://schemas.microsoft.com/office/drawing/2014/main" id="{06FFE917-A7D9-47A7-80FB-5A51322BEDD7}"/>
+              </a:ext>
+            </a:extLst>
+          </p:cNvPr>
+          <p:cNvSpPr>
+            <a:spLocks noGrp="1"/>
+          </p:cNvSpPr>
+          <p:nvPr>
+            <p:ph type="subTitle" idx="1"/>
+          </p:nvPr>
+        </p:nvSpPr>
+        <p:spPr/>
+        <p:txBody>
+          <a:bodyPr/>
+          <a:lstStyle/>
+          <a:p>
+            <a:r>
+              <a:rPr lang="en-US" dirty="0"/>
+              <a:t>Facts and Theories</a:t>
+            </a:r>
+          </a:p>
+        </p:txBody>
+      </p:sp>
+    </p:spTree>
+    <p:extLst>
+      <p:ext uri="{BB962C8B-B14F-4D97-AF65-F5344CB8AC3E}">
+        <p14:creationId xmlns:p14="http://schemas.microsoft.com/office/powerpoint/2010/main" val="1022588260"/>
+      </p:ext>
+    </p:extLst>
+  </p:cSld>
+  <p:clrMapOvr>
+    <a:masterClrMapping/>
+  </p:clrMapOvr>
+</p:sld>
+</file>
+
+<file path=ppt/slides/slide25.xml><?xml version="1.0" encoding="utf-8"?>
+<p:sld xmlns:a="http://schemas.openxmlformats.org/drawingml/2006/main" xmlns:r="http://schemas.openxmlformats.org/officeDocument/2006/relationships" xmlns:p="http://schemas.openxmlformats.org/presentationml/2006/main">
+  <p:cSld>
+    <p:spTree>
+      <p:nvGrpSpPr>
+        <p:cNvPr id="1" name=""/>
+        <p:cNvGrpSpPr/>
+        <p:nvPr/>
+      </p:nvGrpSpPr>
+      <p:grpSpPr>
+        <a:xfrm>
+          <a:off x="0" y="0"/>
+          <a:ext cx="0" cy="0"/>
+          <a:chOff x="0" y="0"/>
+          <a:chExt cx="0" cy="0"/>
+        </a:xfrm>
+      </p:grpSpPr>
+      <p:sp>
+        <p:nvSpPr>
+          <p:cNvPr id="2" name="Title 1">
+            <a:extLst>
+              <a:ext uri="{FF2B5EF4-FFF2-40B4-BE49-F238E27FC236}">
+                <a16:creationId xmlns:a16="http://schemas.microsoft.com/office/drawing/2014/main" id="{45E07491-5A76-4483-92D8-3263F38124D4}"/>
+              </a:ext>
+            </a:extLst>
+          </p:cNvPr>
+          <p:cNvSpPr>
+            <a:spLocks noGrp="1"/>
+          </p:cNvSpPr>
+          <p:nvPr>
+            <p:ph type="title"/>
+          </p:nvPr>
+        </p:nvSpPr>
+        <p:spPr/>
+        <p:txBody>
+          <a:bodyPr/>
+          <a:lstStyle/>
+          <a:p>
+            <a:r>
+              <a:rPr lang="en-US" dirty="0"/>
+              <a:t>XUnit Syntax (Facts)</a:t>
+            </a:r>
+          </a:p>
+        </p:txBody>
+      </p:sp>
+      <p:sp>
+        <p:nvSpPr>
+          <p:cNvPr id="8" name="Content Placeholder 7">
+            <a:extLst>
+              <a:ext uri="{FF2B5EF4-FFF2-40B4-BE49-F238E27FC236}">
+                <a16:creationId xmlns:a16="http://schemas.microsoft.com/office/drawing/2014/main" id="{0EC5BED3-B4E2-4AD0-B2B3-86CD2509AE92}"/>
+              </a:ext>
+            </a:extLst>
+          </p:cNvPr>
+          <p:cNvSpPr>
+            <a:spLocks noGrp="1"/>
+          </p:cNvSpPr>
+          <p:nvPr>
+            <p:ph idx="1"/>
+          </p:nvPr>
+        </p:nvSpPr>
+        <p:spPr/>
+        <p:txBody>
+          <a:bodyPr>
+            <a:normAutofit/>
+          </a:bodyPr>
+          <a:lstStyle/>
+          <a:p>
+            <a:r>
+              <a:rPr lang="en-US" sz="3300" dirty="0">
+                <a:solidFill>
+                  <a:srgbClr val="000000"/>
+                </a:solidFill>
+              </a:rPr>
+              <a:t>Facts are tests that have no inputs</a:t>
+            </a:r>
+          </a:p>
+          <a:p>
+            <a:pPr marL="0" indent="0">
+              <a:buNone/>
+            </a:pPr>
+            <a:endParaRPr lang="en-US" dirty="0">
+              <a:solidFill>
+                <a:srgbClr val="000000"/>
+              </a:solidFill>
+              <a:latin typeface="Consolas" panose="020B0609020204030204" pitchFamily="49" charset="0"/>
+            </a:endParaRPr>
+          </a:p>
+          <a:p>
+            <a:pPr marL="0" indent="0">
+              <a:buNone/>
+            </a:pPr>
+            <a:r>
+              <a:rPr lang="en-US" sz="2000" dirty="0">
+                <a:solidFill>
+                  <a:srgbClr val="000000"/>
+                </a:solidFill>
+                <a:latin typeface="Consolas" panose="020B0609020204030204" pitchFamily="49" charset="0"/>
+              </a:rPr>
+              <a:t>[</a:t>
+            </a:r>
+            <a:r>
+              <a:rPr lang="en-US" sz="2000" dirty="0">
+                <a:solidFill>
+                  <a:srgbClr val="0000FF"/>
+                </a:solidFill>
+                <a:latin typeface="Consolas" panose="020B0609020204030204" pitchFamily="49" charset="0"/>
+              </a:rPr>
+              <a:t>Fact</a:t>
+            </a:r>
+            <a:r>
+              <a:rPr lang="en-US" sz="2000" dirty="0">
+                <a:solidFill>
+                  <a:srgbClr val="000000"/>
+                </a:solidFill>
+                <a:latin typeface="Consolas" panose="020B0609020204030204" pitchFamily="49" charset="0"/>
+              </a:rPr>
+              <a:t>]</a:t>
+            </a:r>
+          </a:p>
+          <a:p>
+            <a:pPr marL="0" indent="0">
+              <a:buNone/>
+            </a:pPr>
+            <a:r>
+              <a:rPr lang="en-US" sz="2000" dirty="0">
+                <a:solidFill>
+                  <a:srgbClr val="0000FF"/>
+                </a:solidFill>
+                <a:latin typeface="Consolas" panose="020B0609020204030204" pitchFamily="49" charset="0"/>
+              </a:rPr>
+              <a:t>public</a:t>
+            </a:r>
+            <a:r>
+              <a:rPr lang="en-US" sz="2000" dirty="0">
+                <a:solidFill>
+                  <a:srgbClr val="000000"/>
+                </a:solidFill>
+                <a:latin typeface="Consolas" panose="020B0609020204030204" pitchFamily="49" charset="0"/>
+              </a:rPr>
+              <a:t> </a:t>
+            </a:r>
+            <a:r>
+              <a:rPr lang="en-US" sz="2000" dirty="0">
+                <a:solidFill>
+                  <a:srgbClr val="0000FF"/>
+                </a:solidFill>
+                <a:latin typeface="Consolas" panose="020B0609020204030204" pitchFamily="49" charset="0"/>
+              </a:rPr>
+              <a:t>void</a:t>
+            </a:r>
+            <a:r>
+              <a:rPr lang="en-US" sz="2000" dirty="0">
+                <a:solidFill>
+                  <a:srgbClr val="000000"/>
+                </a:solidFill>
+                <a:latin typeface="Consolas" panose="020B0609020204030204" pitchFamily="49" charset="0"/>
+              </a:rPr>
+              <a:t> Add_TwoValuesGiven_ReturnsSumOfArguments()</a:t>
+            </a:r>
+          </a:p>
+          <a:p>
+            <a:pPr marL="0" indent="0">
+              <a:buNone/>
+            </a:pPr>
+            <a:r>
+              <a:rPr lang="en-US" sz="2000" dirty="0">
+                <a:solidFill>
+                  <a:srgbClr val="000000"/>
+                </a:solidFill>
+                <a:latin typeface="Consolas" panose="020B0609020204030204" pitchFamily="49" charset="0"/>
+              </a:rPr>
+              <a:t>{</a:t>
+            </a:r>
+          </a:p>
+          <a:p>
+            <a:pPr marL="0" indent="0">
+              <a:buNone/>
+            </a:pPr>
+            <a:r>
+              <a:rPr lang="en-US" sz="2000" dirty="0">
+                <a:solidFill>
+                  <a:srgbClr val="000000"/>
+                </a:solidFill>
+                <a:latin typeface="Consolas" panose="020B0609020204030204" pitchFamily="49" charset="0"/>
+              </a:rPr>
+              <a:t>	var actual = Add(</a:t>
+            </a:r>
+            <a:r>
+              <a:rPr lang="en-US" sz="2000" dirty="0">
+                <a:solidFill>
+                  <a:srgbClr val="09885A"/>
+                </a:solidFill>
+                <a:latin typeface="Consolas" panose="020B0609020204030204" pitchFamily="49" charset="0"/>
+              </a:rPr>
+              <a:t>5</a:t>
+            </a:r>
+            <a:r>
+              <a:rPr lang="en-US" sz="2000" dirty="0">
+                <a:solidFill>
+                  <a:srgbClr val="000000"/>
+                </a:solidFill>
+                <a:latin typeface="Consolas" panose="020B0609020204030204" pitchFamily="49" charset="0"/>
+              </a:rPr>
+              <a:t>, </a:t>
+            </a:r>
+            <a:r>
+              <a:rPr lang="en-US" sz="2000" dirty="0">
+                <a:solidFill>
+                  <a:srgbClr val="09885A"/>
+                </a:solidFill>
+                <a:latin typeface="Consolas" panose="020B0609020204030204" pitchFamily="49" charset="0"/>
+              </a:rPr>
+              <a:t>10</a:t>
+            </a:r>
+            <a:r>
+              <a:rPr lang="en-US" sz="2000" dirty="0">
+                <a:solidFill>
+                  <a:srgbClr val="000000"/>
+                </a:solidFill>
+                <a:latin typeface="Consolas" panose="020B0609020204030204" pitchFamily="49" charset="0"/>
+              </a:rPr>
+              <a:t>);</a:t>
+            </a:r>
+          </a:p>
+          <a:p>
+            <a:pPr marL="0" indent="0">
+              <a:buNone/>
+            </a:pPr>
+            <a:r>
+              <a:rPr lang="en-US" sz="2000" dirty="0">
+                <a:solidFill>
+                  <a:srgbClr val="000000"/>
+                </a:solidFill>
+                <a:latin typeface="Consolas" panose="020B0609020204030204" pitchFamily="49" charset="0"/>
+              </a:rPr>
+              <a:t>	Assert.Equal(</a:t>
+            </a:r>
+            <a:r>
+              <a:rPr lang="en-US" sz="2000" dirty="0">
+                <a:solidFill>
+                  <a:srgbClr val="09885A"/>
+                </a:solidFill>
+                <a:latin typeface="Consolas" panose="020B0609020204030204" pitchFamily="49" charset="0"/>
+              </a:rPr>
+              <a:t>15</a:t>
+            </a:r>
+            <a:r>
+              <a:rPr lang="en-US" sz="2000" dirty="0">
+                <a:solidFill>
+                  <a:srgbClr val="000000"/>
+                </a:solidFill>
+                <a:latin typeface="Consolas" panose="020B0609020204030204" pitchFamily="49" charset="0"/>
+              </a:rPr>
+              <a:t>, actual);</a:t>
+            </a:r>
+          </a:p>
+          <a:p>
+            <a:pPr marL="0" indent="0">
+              <a:buNone/>
+            </a:pPr>
+            <a:r>
+              <a:rPr lang="en-US" sz="2000" dirty="0">
+                <a:solidFill>
+                  <a:srgbClr val="000000"/>
+                </a:solidFill>
+                <a:latin typeface="Consolas" panose="020B0609020204030204" pitchFamily="49" charset="0"/>
+              </a:rPr>
+              <a:t>}</a:t>
+            </a:r>
+          </a:p>
+          <a:p>
+            <a:pPr marL="0" indent="0">
+              <a:buNone/>
+            </a:pPr>
+            <a:endParaRPr lang="en-US" dirty="0"/>
+          </a:p>
+        </p:txBody>
+      </p:sp>
+    </p:spTree>
+    <p:extLst>
+      <p:ext uri="{BB962C8B-B14F-4D97-AF65-F5344CB8AC3E}">
+        <p14:creationId xmlns:p14="http://schemas.microsoft.com/office/powerpoint/2010/main" val="3186187417"/>
+      </p:ext>
+    </p:extLst>
+  </p:cSld>
+  <p:clrMapOvr>
+    <a:masterClrMapping/>
+  </p:clrMapOvr>
+</p:sld>
+</file>
+
+<file path=ppt/slides/slide26.xml><?xml version="1.0" encoding="utf-8"?>
+<p:sld xmlns:a="http://schemas.openxmlformats.org/drawingml/2006/main" xmlns:r="http://schemas.openxmlformats.org/officeDocument/2006/relationships" xmlns:p="http://schemas.openxmlformats.org/presentationml/2006/main">
+  <p:cSld>
+    <p:spTree>
+      <p:nvGrpSpPr>
+        <p:cNvPr id="1" name=""/>
+        <p:cNvGrpSpPr/>
+        <p:nvPr/>
+      </p:nvGrpSpPr>
+      <p:grpSpPr>
+        <a:xfrm>
+          <a:off x="0" y="0"/>
+          <a:ext cx="0" cy="0"/>
+          <a:chOff x="0" y="0"/>
+          <a:chExt cx="0" cy="0"/>
+        </a:xfrm>
+      </p:grpSpPr>
+      <p:sp>
+        <p:nvSpPr>
+          <p:cNvPr id="2" name="Title 1">
+            <a:extLst>
+              <a:ext uri="{FF2B5EF4-FFF2-40B4-BE49-F238E27FC236}">
+                <a16:creationId xmlns:a16="http://schemas.microsoft.com/office/drawing/2014/main" id="{45E07491-5A76-4483-92D8-3263F38124D4}"/>
+              </a:ext>
+            </a:extLst>
+          </p:cNvPr>
+          <p:cNvSpPr>
+            <a:spLocks noGrp="1"/>
+          </p:cNvSpPr>
+          <p:nvPr>
+            <p:ph type="title"/>
+          </p:nvPr>
+        </p:nvSpPr>
+        <p:spPr/>
+        <p:txBody>
+          <a:bodyPr/>
+          <a:lstStyle/>
+          <a:p>
+            <a:r>
+              <a:rPr lang="en-US" dirty="0"/>
+              <a:t>XUnit Syntax (Theories and Inline Data)</a:t>
+            </a:r>
+          </a:p>
+        </p:txBody>
+      </p:sp>
+      <p:sp>
+        <p:nvSpPr>
+          <p:cNvPr id="8" name="Content Placeholder 7">
+            <a:extLst>
+              <a:ext uri="{FF2B5EF4-FFF2-40B4-BE49-F238E27FC236}">
+                <a16:creationId xmlns:a16="http://schemas.microsoft.com/office/drawing/2014/main" id="{0EC5BED3-B4E2-4AD0-B2B3-86CD2509AE92}"/>
+              </a:ext>
+            </a:extLst>
+          </p:cNvPr>
+          <p:cNvSpPr>
+            <a:spLocks noGrp="1"/>
+          </p:cNvSpPr>
+          <p:nvPr>
+            <p:ph idx="1"/>
+          </p:nvPr>
+        </p:nvSpPr>
+        <p:spPr/>
+        <p:txBody>
+          <a:bodyPr>
+            <a:normAutofit/>
+          </a:bodyPr>
+          <a:lstStyle/>
+          <a:p>
+            <a:r>
+              <a:rPr lang="en-US" sz="3300" dirty="0">
+                <a:solidFill>
+                  <a:srgbClr val="000000"/>
+                </a:solidFill>
+              </a:rPr>
+              <a:t>Theories are tests that </a:t>
+            </a:r>
+            <a:r>
+              <a:rPr lang="en-US" sz="3300" b="1" i="1" dirty="0">
+                <a:solidFill>
+                  <a:srgbClr val="000000"/>
+                </a:solidFill>
+              </a:rPr>
+              <a:t>have</a:t>
+            </a:r>
+            <a:r>
+              <a:rPr lang="en-US" sz="3300" dirty="0">
+                <a:solidFill>
+                  <a:srgbClr val="000000"/>
+                </a:solidFill>
+              </a:rPr>
+              <a:t> inputs (Inline Data)</a:t>
+            </a:r>
+          </a:p>
+          <a:p>
+            <a:pPr marL="0" indent="0">
+              <a:buNone/>
+            </a:pPr>
+            <a:endParaRPr lang="en-US" dirty="0">
+              <a:solidFill>
+                <a:srgbClr val="000000"/>
+              </a:solidFill>
+              <a:latin typeface="Consolas" panose="020B0609020204030204" pitchFamily="49" charset="0"/>
+            </a:endParaRPr>
+          </a:p>
+          <a:p>
+            <a:pPr marL="0" indent="0">
+              <a:buNone/>
+            </a:pPr>
+            <a:r>
+              <a:rPr lang="en-US" sz="2000" dirty="0">
+                <a:solidFill>
+                  <a:srgbClr val="000000"/>
+                </a:solidFill>
+                <a:latin typeface="Consolas" panose="020B0609020204030204" pitchFamily="49" charset="0"/>
+              </a:rPr>
+              <a:t>[</a:t>
+            </a:r>
+            <a:r>
+              <a:rPr lang="en-US" sz="2000" dirty="0">
+                <a:solidFill>
+                  <a:srgbClr val="0000FF"/>
+                </a:solidFill>
+                <a:latin typeface="Consolas" panose="020B0609020204030204" pitchFamily="49" charset="0"/>
+              </a:rPr>
+              <a:t>Theory</a:t>
+            </a:r>
+            <a:r>
+              <a:rPr lang="en-US" sz="2000" dirty="0">
+                <a:solidFill>
+                  <a:srgbClr val="000000"/>
+                </a:solidFill>
+                <a:latin typeface="Consolas" panose="020B0609020204030204" pitchFamily="49" charset="0"/>
+              </a:rPr>
+              <a:t>]</a:t>
+            </a:r>
+          </a:p>
+          <a:p>
+            <a:pPr marL="0" indent="0">
+              <a:buNone/>
+            </a:pPr>
+            <a:r>
+              <a:rPr lang="en-US" sz="2000" dirty="0">
+                <a:solidFill>
+                  <a:srgbClr val="000000"/>
+                </a:solidFill>
+                <a:latin typeface="Consolas" panose="020B0609020204030204" pitchFamily="49" charset="0"/>
+              </a:rPr>
+              <a:t>[</a:t>
+            </a:r>
+            <a:r>
+              <a:rPr lang="en-US" sz="2000" dirty="0">
+                <a:solidFill>
+                  <a:srgbClr val="0000FF"/>
+                </a:solidFill>
+                <a:latin typeface="Consolas" panose="020B0609020204030204" pitchFamily="49" charset="0"/>
+              </a:rPr>
+              <a:t>InlineData</a:t>
+            </a:r>
+            <a:r>
+              <a:rPr lang="en-US" sz="2000" dirty="0">
+                <a:solidFill>
+                  <a:srgbClr val="000000"/>
+                </a:solidFill>
+                <a:latin typeface="Consolas" panose="020B0609020204030204" pitchFamily="49" charset="0"/>
+              </a:rPr>
+              <a:t>(</a:t>
+            </a:r>
+            <a:r>
+              <a:rPr lang="en-US" sz="2000" dirty="0">
+                <a:solidFill>
+                  <a:srgbClr val="09885A"/>
+                </a:solidFill>
+                <a:latin typeface="Consolas" panose="020B0609020204030204" pitchFamily="49" charset="0"/>
+              </a:rPr>
+              <a:t>5</a:t>
+            </a:r>
+            <a:r>
+              <a:rPr lang="en-US" sz="2000" dirty="0">
+                <a:solidFill>
+                  <a:srgbClr val="000000"/>
+                </a:solidFill>
+                <a:latin typeface="Consolas" panose="020B0609020204030204" pitchFamily="49" charset="0"/>
+              </a:rPr>
+              <a:t>, </a:t>
+            </a:r>
+            <a:r>
+              <a:rPr lang="en-US" sz="2000" dirty="0">
+                <a:solidFill>
+                  <a:srgbClr val="09885A"/>
+                </a:solidFill>
+                <a:latin typeface="Consolas" panose="020B0609020204030204" pitchFamily="49" charset="0"/>
+              </a:rPr>
+              <a:t>10</a:t>
+            </a:r>
+            <a:r>
+              <a:rPr lang="en-US" sz="2000" dirty="0">
+                <a:solidFill>
+                  <a:srgbClr val="000000"/>
+                </a:solidFill>
+                <a:latin typeface="Consolas" panose="020B0609020204030204" pitchFamily="49" charset="0"/>
+              </a:rPr>
+              <a:t>)]</a:t>
+            </a:r>
+          </a:p>
+          <a:p>
+            <a:pPr marL="0" indent="0">
+              <a:buNone/>
+            </a:pPr>
+            <a:r>
+              <a:rPr lang="en-US" sz="2000" dirty="0">
+                <a:solidFill>
+                  <a:srgbClr val="0000FF"/>
+                </a:solidFill>
+                <a:latin typeface="Consolas" panose="020B0609020204030204" pitchFamily="49" charset="0"/>
+              </a:rPr>
+              <a:t>public</a:t>
+            </a:r>
+            <a:r>
+              <a:rPr lang="en-US" sz="2000" dirty="0">
+                <a:solidFill>
+                  <a:srgbClr val="000000"/>
+                </a:solidFill>
+                <a:latin typeface="Consolas" panose="020B0609020204030204" pitchFamily="49" charset="0"/>
+              </a:rPr>
+              <a:t> </a:t>
+            </a:r>
+            <a:r>
+              <a:rPr lang="en-US" sz="2000" dirty="0">
+                <a:solidFill>
+                  <a:srgbClr val="0000FF"/>
+                </a:solidFill>
+                <a:latin typeface="Consolas" panose="020B0609020204030204" pitchFamily="49" charset="0"/>
+              </a:rPr>
+              <a:t>void</a:t>
+            </a:r>
+            <a:r>
+              <a:rPr lang="en-US" sz="2000" dirty="0">
+                <a:solidFill>
+                  <a:srgbClr val="000000"/>
+                </a:solidFill>
+                <a:latin typeface="Consolas" panose="020B0609020204030204" pitchFamily="49" charset="0"/>
+              </a:rPr>
+              <a:t> Add_TwoValuesGiven_ReturnsSumOfArguments(</a:t>
+            </a:r>
+            <a:r>
+              <a:rPr lang="en-US" sz="2000" dirty="0">
+                <a:solidFill>
+                  <a:srgbClr val="0000FF"/>
+                </a:solidFill>
+                <a:latin typeface="Consolas" panose="020B0609020204030204" pitchFamily="49" charset="0"/>
+              </a:rPr>
+              <a:t>int</a:t>
+            </a:r>
+            <a:r>
+              <a:rPr lang="en-US" sz="2000" dirty="0">
+                <a:solidFill>
+                  <a:srgbClr val="000000"/>
+                </a:solidFill>
+                <a:latin typeface="Consolas" panose="020B0609020204030204" pitchFamily="49" charset="0"/>
+              </a:rPr>
+              <a:t> </a:t>
+            </a:r>
+            <a:r>
+              <a:rPr lang="en-US" sz="2000" dirty="0">
+                <a:solidFill>
+                  <a:srgbClr val="09885A"/>
+                </a:solidFill>
+                <a:latin typeface="Consolas" panose="020B0609020204030204" pitchFamily="49" charset="0"/>
+              </a:rPr>
+              <a:t>num1</a:t>
+            </a:r>
+            <a:r>
+              <a:rPr lang="en-US" sz="2000" dirty="0">
+                <a:solidFill>
+                  <a:srgbClr val="000000"/>
+                </a:solidFill>
+                <a:latin typeface="Consolas" panose="020B0609020204030204" pitchFamily="49" charset="0"/>
+              </a:rPr>
+              <a:t>, </a:t>
+            </a:r>
+            <a:r>
+              <a:rPr lang="en-US" sz="2000" dirty="0">
+                <a:solidFill>
+                  <a:srgbClr val="0000FF"/>
+                </a:solidFill>
+                <a:latin typeface="Consolas" panose="020B0609020204030204" pitchFamily="49" charset="0"/>
+              </a:rPr>
+              <a:t>int</a:t>
+            </a:r>
+            <a:r>
+              <a:rPr lang="en-US" sz="2000" dirty="0">
+                <a:solidFill>
+                  <a:srgbClr val="000000"/>
+                </a:solidFill>
+                <a:latin typeface="Consolas" panose="020B0609020204030204" pitchFamily="49" charset="0"/>
+              </a:rPr>
+              <a:t> </a:t>
+            </a:r>
+            <a:r>
+              <a:rPr lang="en-US" sz="2000" dirty="0">
+                <a:solidFill>
+                  <a:srgbClr val="09885A"/>
+                </a:solidFill>
+                <a:latin typeface="Consolas" panose="020B0609020204030204" pitchFamily="49" charset="0"/>
+              </a:rPr>
+              <a:t>num2</a:t>
+            </a:r>
+            <a:r>
+              <a:rPr lang="en-US" sz="2000" dirty="0">
+                <a:solidFill>
+                  <a:srgbClr val="000000"/>
+                </a:solidFill>
+                <a:latin typeface="Consolas" panose="020B0609020204030204" pitchFamily="49" charset="0"/>
+              </a:rPr>
+              <a:t>)</a:t>
+            </a:r>
+          </a:p>
+          <a:p>
+            <a:pPr marL="0" indent="0">
+              <a:buNone/>
+            </a:pPr>
+            <a:r>
+              <a:rPr lang="en-US" sz="2000" dirty="0">
+                <a:solidFill>
+                  <a:srgbClr val="000000"/>
+                </a:solidFill>
+                <a:latin typeface="Consolas" panose="020B0609020204030204" pitchFamily="49" charset="0"/>
+              </a:rPr>
+              <a:t>{</a:t>
+            </a:r>
+          </a:p>
+          <a:p>
+            <a:pPr marL="0" indent="0">
+              <a:buNone/>
+            </a:pPr>
+            <a:r>
+              <a:rPr lang="en-US" sz="2000" dirty="0">
+                <a:solidFill>
+                  <a:srgbClr val="000000"/>
+                </a:solidFill>
+                <a:latin typeface="Consolas" panose="020B0609020204030204" pitchFamily="49" charset="0"/>
+              </a:rPr>
+              <a:t>	var actual = Add(</a:t>
+            </a:r>
+            <a:r>
+              <a:rPr lang="en-US" sz="2000" dirty="0">
+                <a:solidFill>
+                  <a:srgbClr val="09885A"/>
+                </a:solidFill>
+                <a:latin typeface="Consolas" panose="020B0609020204030204" pitchFamily="49" charset="0"/>
+              </a:rPr>
+              <a:t>num1</a:t>
+            </a:r>
+            <a:r>
+              <a:rPr lang="en-US" sz="2000" dirty="0">
+                <a:solidFill>
+                  <a:srgbClr val="000000"/>
+                </a:solidFill>
+                <a:latin typeface="Consolas" panose="020B0609020204030204" pitchFamily="49" charset="0"/>
+              </a:rPr>
+              <a:t>, </a:t>
+            </a:r>
+            <a:r>
+              <a:rPr lang="en-US" sz="2000" dirty="0">
+                <a:solidFill>
+                  <a:srgbClr val="09885A"/>
+                </a:solidFill>
+                <a:latin typeface="Consolas" panose="020B0609020204030204" pitchFamily="49" charset="0"/>
+              </a:rPr>
+              <a:t>num2</a:t>
+            </a:r>
+            <a:r>
+              <a:rPr lang="en-US" sz="2000" dirty="0">
+                <a:solidFill>
+                  <a:srgbClr val="000000"/>
+                </a:solidFill>
+                <a:latin typeface="Consolas" panose="020B0609020204030204" pitchFamily="49" charset="0"/>
+              </a:rPr>
+              <a:t>);</a:t>
+            </a:r>
+          </a:p>
+          <a:p>
+            <a:pPr marL="0" indent="0">
+              <a:buNone/>
+            </a:pPr>
+            <a:r>
+              <a:rPr lang="en-US" sz="2000" dirty="0">
+                <a:solidFill>
+                  <a:srgbClr val="000000"/>
+                </a:solidFill>
+                <a:latin typeface="Consolas" panose="020B0609020204030204" pitchFamily="49" charset="0"/>
+              </a:rPr>
+              <a:t>	Assert.Equal(</a:t>
+            </a:r>
+            <a:r>
+              <a:rPr lang="en-US" sz="2000" dirty="0">
+                <a:solidFill>
+                  <a:srgbClr val="09885A"/>
+                </a:solidFill>
+                <a:latin typeface="Consolas" panose="020B0609020204030204" pitchFamily="49" charset="0"/>
+              </a:rPr>
+              <a:t>15</a:t>
+            </a:r>
+            <a:r>
+              <a:rPr lang="en-US" sz="2000" dirty="0">
+                <a:solidFill>
+                  <a:srgbClr val="000000"/>
+                </a:solidFill>
+                <a:latin typeface="Consolas" panose="020B0609020204030204" pitchFamily="49" charset="0"/>
+              </a:rPr>
+              <a:t>, actual);</a:t>
+            </a:r>
+          </a:p>
+          <a:p>
+            <a:pPr marL="0" indent="0">
+              <a:buNone/>
+            </a:pPr>
+            <a:r>
+              <a:rPr lang="en-US" sz="2000" dirty="0">
+                <a:solidFill>
+                  <a:srgbClr val="000000"/>
+                </a:solidFill>
+                <a:latin typeface="Consolas" panose="020B0609020204030204" pitchFamily="49" charset="0"/>
+              </a:rPr>
+              <a:t>}</a:t>
+            </a:r>
+          </a:p>
+          <a:p>
+            <a:pPr marL="0" indent="0">
+              <a:buNone/>
+            </a:pPr>
+            <a:endParaRPr lang="en-US" dirty="0"/>
+          </a:p>
+        </p:txBody>
+      </p:sp>
+    </p:spTree>
+    <p:extLst>
+      <p:ext uri="{BB962C8B-B14F-4D97-AF65-F5344CB8AC3E}">
+        <p14:creationId xmlns:p14="http://schemas.microsoft.com/office/powerpoint/2010/main" val="1867272553"/>
+      </p:ext>
+    </p:extLst>
+  </p:cSld>
+  <p:clrMapOvr>
+    <a:masterClrMapping/>
+  </p:clrMapOvr>
+</p:sld>
+</file>
+
+<file path=ppt/slides/slide27.xml><?xml version="1.0" encoding="utf-8"?>
+<p:sld xmlns:a="http://schemas.openxmlformats.org/drawingml/2006/main" xmlns:r="http://schemas.openxmlformats.org/officeDocument/2006/relationships" xmlns:p="http://schemas.openxmlformats.org/presentationml/2006/main">
+  <p:cSld>
+    <p:spTree>
+      <p:nvGrpSpPr>
+        <p:cNvPr id="1" name=""/>
+        <p:cNvGrpSpPr/>
+        <p:nvPr/>
+      </p:nvGrpSpPr>
+      <p:grpSpPr>
+        <a:xfrm>
+          <a:off x="0" y="0"/>
+          <a:ext cx="0" cy="0"/>
+          <a:chOff x="0" y="0"/>
+          <a:chExt cx="0" cy="0"/>
+        </a:xfrm>
+      </p:grpSpPr>
+      <p:sp>
+        <p:nvSpPr>
+          <p:cNvPr id="2" name="Title 1">
+            <a:extLst>
+              <a:ext uri="{FF2B5EF4-FFF2-40B4-BE49-F238E27FC236}">
+                <a16:creationId xmlns:a16="http://schemas.microsoft.com/office/drawing/2014/main" id="{DD1C4D56-2583-41FF-8181-B3F0EC5FC9AB}"/>
+              </a:ext>
+            </a:extLst>
+          </p:cNvPr>
+          <p:cNvSpPr>
+            <a:spLocks noGrp="1"/>
+          </p:cNvSpPr>
+          <p:nvPr>
+            <p:ph type="title"/>
+          </p:nvPr>
+        </p:nvSpPr>
+        <p:spPr/>
+        <p:txBody>
+          <a:bodyPr/>
+          <a:lstStyle/>
+          <a:p>
+            <a:r>
+              <a:rPr lang="en-US" dirty="0"/>
+              <a:t>Resources</a:t>
+            </a:r>
+          </a:p>
+        </p:txBody>
+      </p:sp>
+      <p:sp>
+        <p:nvSpPr>
+          <p:cNvPr id="3" name="Content Placeholder 2">
+            <a:extLst>
+              <a:ext uri="{FF2B5EF4-FFF2-40B4-BE49-F238E27FC236}">
+                <a16:creationId xmlns:a16="http://schemas.microsoft.com/office/drawing/2014/main" id="{3E7DBAE6-2E48-4DE4-9BEB-42DE59A5CE61}"/>
+              </a:ext>
+            </a:extLst>
+          </p:cNvPr>
+          <p:cNvSpPr>
+            <a:spLocks noGrp="1"/>
+          </p:cNvSpPr>
+          <p:nvPr>
+            <p:ph idx="1"/>
+          </p:nvPr>
+        </p:nvSpPr>
+        <p:spPr/>
+        <p:txBody>
+          <a:bodyPr/>
+          <a:lstStyle/>
+          <a:p>
+            <a:r>
+              <a:rPr lang="en-US" dirty="0">
+                <a:hlinkClick r:id="rId2"/>
+              </a:rPr>
+              <a:t>https://github.com/nunit/docs/wiki/NUnit-Documentation</a:t>
+            </a:r>
+          </a:p>
+          <a:p>
+            <a:pPr marL="0" indent="0">
+              <a:buNone/>
+            </a:pPr>
+            <a:endParaRPr lang="en-US" dirty="0">
+              <a:hlinkClick r:id="rId2"/>
+            </a:endParaRPr>
+          </a:p>
+          <a:p>
+            <a:r>
+              <a:rPr lang="en-US" dirty="0">
+                <a:hlinkClick r:id="rId2"/>
+              </a:rPr>
+              <a:t>https://xunit.github.io/docs/getting-started-dotnet-core</a:t>
+            </a:r>
+          </a:p>
+          <a:p>
+            <a:pPr marL="0" indent="0">
+              <a:buNone/>
+            </a:pPr>
+            <a:endParaRPr lang="en-US" dirty="0">
+              <a:hlinkClick r:id="rId2"/>
+            </a:endParaRPr>
+          </a:p>
+          <a:p>
+            <a:r>
+              <a:rPr lang="en-US" dirty="0">
+                <a:hlinkClick r:id="rId2"/>
+              </a:rPr>
+              <a:t>http://fluentassertions.com/examples.html</a:t>
+            </a:r>
+            <a:endParaRPr lang="en-US" dirty="0"/>
+          </a:p>
+          <a:p>
+            <a:endParaRPr lang="en-US" dirty="0"/>
+          </a:p>
+        </p:txBody>
+      </p:sp>
+    </p:spTree>
+    <p:extLst>
+      <p:ext uri="{BB962C8B-B14F-4D97-AF65-F5344CB8AC3E}">
+        <p14:creationId xmlns:p14="http://schemas.microsoft.com/office/powerpoint/2010/main" val="296644205"/>
+      </p:ext>
+    </p:extLst>
+  </p:cSld>
+  <p:clrMapOvr>
+    <a:masterClrMapping/>
+  </p:clrMapOvr>
+</p:sld>
+</file>
+
+<file path=ppt/slides/slide3.xml><?xml version="1.0" encoding="utf-8"?>
 <p:sld xmlns:a="http://schemas.openxmlformats.org/drawingml/2006/main" xmlns:r="http://schemas.openxmlformats.org/officeDocument/2006/relationships" xmlns:p="http://schemas.openxmlformats.org/presentationml/2006/main">
   <p:cSld>
     <p:spTree>
@@ -5761,149 +7786,6 @@
 </p:sld>
 </file>
 
-<file path=ppt/slides/slide3.xml><?xml version="1.0" encoding="utf-8"?>
-<p:sld xmlns:a="http://schemas.openxmlformats.org/drawingml/2006/main" xmlns:r="http://schemas.openxmlformats.org/officeDocument/2006/relationships" xmlns:p="http://schemas.openxmlformats.org/presentationml/2006/main">
-  <p:cSld>
-    <p:spTree>
-      <p:nvGrpSpPr>
-        <p:cNvPr id="1" name=""/>
-        <p:cNvGrpSpPr/>
-        <p:nvPr/>
-      </p:nvGrpSpPr>
-      <p:grpSpPr>
-        <a:xfrm>
-          <a:off x="0" y="0"/>
-          <a:ext cx="0" cy="0"/>
-          <a:chOff x="0" y="0"/>
-          <a:chExt cx="0" cy="0"/>
-        </a:xfrm>
-      </p:grpSpPr>
-      <p:sp>
-        <p:nvSpPr>
-          <p:cNvPr id="2" name="Title 1">
-            <a:extLst>
-              <a:ext uri="{FF2B5EF4-FFF2-40B4-BE49-F238E27FC236}">
-                <a16:creationId xmlns:a16="http://schemas.microsoft.com/office/drawing/2014/main" id="{F80BDBD9-8AC7-4F65-BDE8-86393139862E}"/>
-              </a:ext>
-            </a:extLst>
-          </p:cNvPr>
-          <p:cNvSpPr>
-            <a:spLocks noGrp="1"/>
-          </p:cNvSpPr>
-          <p:nvPr>
-            <p:ph type="title"/>
-          </p:nvPr>
-        </p:nvSpPr>
-        <p:spPr/>
-        <p:txBody>
-          <a:bodyPr/>
-          <a:lstStyle/>
-          <a:p>
-            <a:r>
-              <a:rPr lang="en-US" dirty="0"/>
-              <a:t>What’s coming up…</a:t>
-            </a:r>
-          </a:p>
-        </p:txBody>
-      </p:sp>
-      <p:sp>
-        <p:nvSpPr>
-          <p:cNvPr id="3" name="Content Placeholder 2">
-            <a:extLst>
-              <a:ext uri="{FF2B5EF4-FFF2-40B4-BE49-F238E27FC236}">
-                <a16:creationId xmlns:a16="http://schemas.microsoft.com/office/drawing/2014/main" id="{E95F125C-F9F3-41ED-8843-5E851FD26091}"/>
-              </a:ext>
-            </a:extLst>
-          </p:cNvPr>
-          <p:cNvSpPr>
-            <a:spLocks noGrp="1"/>
-          </p:cNvSpPr>
-          <p:nvPr>
-            <p:ph idx="1"/>
-          </p:nvPr>
-        </p:nvSpPr>
-        <p:spPr/>
-        <p:txBody>
-          <a:bodyPr>
-            <a:normAutofit fontScale="92500" lnSpcReduction="20000"/>
-          </a:bodyPr>
-          <a:lstStyle/>
-          <a:p>
-            <a:r>
-              <a:rPr lang="en-US" dirty="0"/>
-              <a:t>Why we test</a:t>
-            </a:r>
-          </a:p>
-          <a:p>
-            <a:endParaRPr lang="en-US" dirty="0"/>
-          </a:p>
-          <a:p>
-            <a:r>
-              <a:rPr lang="en-US" dirty="0"/>
-              <a:t>When to test</a:t>
-            </a:r>
-          </a:p>
-          <a:p>
-            <a:endParaRPr lang="en-US" dirty="0"/>
-          </a:p>
-          <a:p>
-            <a:r>
-              <a:rPr lang="en-US" dirty="0"/>
-              <a:t>What to test</a:t>
-            </a:r>
-          </a:p>
-          <a:p>
-            <a:pPr lvl="1"/>
-            <a:r>
-              <a:rPr lang="en-US" dirty="0"/>
-              <a:t>Dos and Don’ts</a:t>
-            </a:r>
-          </a:p>
-          <a:p>
-            <a:endParaRPr lang="en-US" dirty="0"/>
-          </a:p>
-          <a:p>
-            <a:r>
-              <a:rPr lang="en-US" dirty="0"/>
-              <a:t>How to test</a:t>
-            </a:r>
-          </a:p>
-          <a:p>
-            <a:pPr lvl="1"/>
-            <a:r>
-              <a:rPr lang="en-US" dirty="0"/>
-              <a:t>Best practices</a:t>
-            </a:r>
-          </a:p>
-          <a:p>
-            <a:pPr lvl="1"/>
-            <a:r>
-              <a:rPr lang="en-US" dirty="0"/>
-              <a:t>Examples</a:t>
-            </a:r>
-          </a:p>
-          <a:p>
-            <a:pPr lvl="1"/>
-            <a:r>
-              <a:rPr lang="en-US" dirty="0"/>
-              <a:t>Tools for testing</a:t>
-            </a:r>
-          </a:p>
-        </p:txBody>
-      </p:sp>
-    </p:spTree>
-    <p:extLst>
-      <p:ext uri="{BB962C8B-B14F-4D97-AF65-F5344CB8AC3E}">
-        <p14:creationId xmlns:p14="http://schemas.microsoft.com/office/powerpoint/2010/main" val="2688420818"/>
-      </p:ext>
-    </p:extLst>
-  </p:cSld>
-  <p:clrMapOvr>
-    <a:masterClrMapping/>
-  </p:clrMapOvr>
-</p:sld>
-</file>
-
 <file path=ppt/slides/slide4.xml><?xml version="1.0" encoding="utf-8"?>
 <p:sld xmlns:a="http://schemas.openxmlformats.org/drawingml/2006/main" xmlns:r="http://schemas.openxmlformats.org/officeDocument/2006/relationships" xmlns:p="http://schemas.openxmlformats.org/presentationml/2006/main">
   <p:cSld>
@@ -5926,58 +7808,118 @@
           <p:cNvPr id="2" name="Title 1">
             <a:extLst>
               <a:ext uri="{FF2B5EF4-FFF2-40B4-BE49-F238E27FC236}">
-                <a16:creationId xmlns:a16="http://schemas.microsoft.com/office/drawing/2014/main" id="{3554B00F-034F-43E2-8E46-887F166E43E1}"/>
-              </a:ext>
-            </a:extLst>
-          </p:cNvPr>
-          <p:cNvSpPr>
-            <a:spLocks noGrp="1"/>
-          </p:cNvSpPr>
-          <p:nvPr>
-            <p:ph type="ctrTitle"/>
-          </p:nvPr>
-        </p:nvSpPr>
-        <p:spPr/>
-        <p:txBody>
-          <a:bodyPr/>
-          <a:lstStyle/>
-          <a:p>
-            <a:r>
-              <a:rPr lang="en-US" dirty="0"/>
-              <a:t>Why we Test</a:t>
-            </a:r>
-          </a:p>
-        </p:txBody>
-      </p:sp>
-      <p:sp>
-        <p:nvSpPr>
-          <p:cNvPr id="3" name="Subtitle 2">
-            <a:extLst>
-              <a:ext uri="{FF2B5EF4-FFF2-40B4-BE49-F238E27FC236}">
-                <a16:creationId xmlns:a16="http://schemas.microsoft.com/office/drawing/2014/main" id="{FB60BA50-97B1-4188-9EB9-898F3D28256B}"/>
-              </a:ext>
-            </a:extLst>
-          </p:cNvPr>
-          <p:cNvSpPr>
-            <a:spLocks noGrp="1"/>
-          </p:cNvSpPr>
-          <p:nvPr>
-            <p:ph type="subTitle" idx="1"/>
-          </p:nvPr>
-        </p:nvSpPr>
-        <p:spPr/>
-        <p:txBody>
-          <a:bodyPr/>
-          <a:lstStyle/>
-          <a:p>
-            <a:endParaRPr lang="en-US"/>
+                <a16:creationId xmlns:a16="http://schemas.microsoft.com/office/drawing/2014/main" id="{F80BDBD9-8AC7-4F65-BDE8-86393139862E}"/>
+              </a:ext>
+            </a:extLst>
+          </p:cNvPr>
+          <p:cNvSpPr>
+            <a:spLocks noGrp="1"/>
+          </p:cNvSpPr>
+          <p:nvPr>
+            <p:ph type="title"/>
+          </p:nvPr>
+        </p:nvSpPr>
+        <p:spPr/>
+        <p:txBody>
+          <a:bodyPr/>
+          <a:lstStyle/>
+          <a:p>
+            <a:r>
+              <a:rPr lang="en-US" dirty="0"/>
+              <a:t>What’s coming up…</a:t>
+            </a:r>
+          </a:p>
+        </p:txBody>
+      </p:sp>
+      <p:sp>
+        <p:nvSpPr>
+          <p:cNvPr id="3" name="Content Placeholder 2">
+            <a:extLst>
+              <a:ext uri="{FF2B5EF4-FFF2-40B4-BE49-F238E27FC236}">
+                <a16:creationId xmlns:a16="http://schemas.microsoft.com/office/drawing/2014/main" id="{E95F125C-F9F3-41ED-8843-5E851FD26091}"/>
+              </a:ext>
+            </a:extLst>
+          </p:cNvPr>
+          <p:cNvSpPr>
+            <a:spLocks noGrp="1"/>
+          </p:cNvSpPr>
+          <p:nvPr>
+            <p:ph idx="1"/>
+          </p:nvPr>
+        </p:nvSpPr>
+        <p:spPr/>
+        <p:txBody>
+          <a:bodyPr>
+            <a:normAutofit fontScale="92500" lnSpcReduction="20000"/>
+          </a:bodyPr>
+          <a:lstStyle/>
+          <a:p>
+            <a:r>
+              <a:rPr lang="en-US" dirty="0"/>
+              <a:t>Why we test</a:t>
+            </a:r>
+          </a:p>
+          <a:p>
+            <a:endParaRPr lang="en-US" dirty="0"/>
+          </a:p>
+          <a:p>
+            <a:r>
+              <a:rPr lang="en-US" dirty="0"/>
+              <a:t>When to test</a:t>
+            </a:r>
+          </a:p>
+          <a:p>
+            <a:endParaRPr lang="en-US" dirty="0"/>
+          </a:p>
+          <a:p>
+            <a:r>
+              <a:rPr lang="en-US" dirty="0"/>
+              <a:t>What to test</a:t>
+            </a:r>
+          </a:p>
+          <a:p>
+            <a:pPr lvl="1"/>
+            <a:r>
+              <a:rPr lang="en-US" dirty="0"/>
+              <a:t>Dos and Don’ts</a:t>
+            </a:r>
+          </a:p>
+          <a:p>
+            <a:endParaRPr lang="en-US" dirty="0"/>
+          </a:p>
+          <a:p>
+            <a:r>
+              <a:rPr lang="en-US" dirty="0"/>
+              <a:t>How to test</a:t>
+            </a:r>
+          </a:p>
+          <a:p>
+            <a:pPr lvl="1"/>
+            <a:r>
+              <a:rPr lang="en-US" dirty="0"/>
+              <a:t>Best practices</a:t>
+            </a:r>
+          </a:p>
+          <a:p>
+            <a:pPr lvl="1"/>
+            <a:r>
+              <a:rPr lang="en-US" dirty="0"/>
+              <a:t>Examples</a:t>
+            </a:r>
+          </a:p>
+          <a:p>
+            <a:pPr lvl="1"/>
+            <a:r>
+              <a:rPr lang="en-US" dirty="0"/>
+              <a:t>Tools for testing</a:t>
+            </a:r>
           </a:p>
         </p:txBody>
       </p:sp>
     </p:spTree>
     <p:extLst>
       <p:ext uri="{BB962C8B-B14F-4D97-AF65-F5344CB8AC3E}">
-        <p14:creationId xmlns:p14="http://schemas.microsoft.com/office/powerpoint/2010/main" val="3135549216"/>
+        <p14:creationId xmlns:p14="http://schemas.microsoft.com/office/powerpoint/2010/main" val="2688420818"/>
       </p:ext>
     </p:extLst>
   </p:cSld>
@@ -6009,107 +7951,58 @@
           <p:cNvPr id="2" name="Title 1">
             <a:extLst>
               <a:ext uri="{FF2B5EF4-FFF2-40B4-BE49-F238E27FC236}">
-                <a16:creationId xmlns:a16="http://schemas.microsoft.com/office/drawing/2014/main" id="{FBCFD89D-8E43-4015-9FE5-A9E8E3FE1175}"/>
-              </a:ext>
-            </a:extLst>
-          </p:cNvPr>
-          <p:cNvSpPr>
-            <a:spLocks noGrp="1"/>
-          </p:cNvSpPr>
-          <p:nvPr>
-            <p:ph type="title"/>
-          </p:nvPr>
-        </p:nvSpPr>
-        <p:spPr/>
-        <p:txBody>
-          <a:bodyPr/>
-          <a:lstStyle/>
-          <a:p>
-            <a:r>
-              <a:rPr lang="en-US" sz="2000" i="1" dirty="0"/>
-              <a:t>Why we test</a:t>
-            </a:r>
-            <a:br>
-              <a:rPr lang="en-US" dirty="0"/>
-            </a:br>
-            <a:r>
-              <a:rPr lang="en-US" dirty="0"/>
-              <a:t>It makes your life easier</a:t>
-            </a:r>
-          </a:p>
-        </p:txBody>
-      </p:sp>
-      <p:sp>
-        <p:nvSpPr>
-          <p:cNvPr id="3" name="Content Placeholder 2">
-            <a:extLst>
-              <a:ext uri="{FF2B5EF4-FFF2-40B4-BE49-F238E27FC236}">
-                <a16:creationId xmlns:a16="http://schemas.microsoft.com/office/drawing/2014/main" id="{35DA5CFD-A330-4544-A5D6-AB5A56D390B2}"/>
-              </a:ext>
-            </a:extLst>
-          </p:cNvPr>
-          <p:cNvSpPr>
-            <a:spLocks noGrp="1"/>
-          </p:cNvSpPr>
-          <p:nvPr>
-            <p:ph idx="1"/>
-          </p:nvPr>
-        </p:nvSpPr>
-        <p:spPr/>
-        <p:txBody>
-          <a:bodyPr/>
-          <a:lstStyle/>
-          <a:p>
-            <a:r>
-              <a:rPr lang="en-US" dirty="0"/>
-              <a:t>Confirms that your code actually works as your write it</a:t>
-            </a:r>
-          </a:p>
-          <a:p>
-            <a:r>
-              <a:rPr lang="en-US" dirty="0"/>
-              <a:t>Confirms that your code still works if (… when) you change it</a:t>
-            </a:r>
-          </a:p>
-          <a:p>
-            <a:r>
-              <a:rPr lang="en-US" dirty="0"/>
-              <a:t>Helps define the problem in sizeable chunks</a:t>
-            </a:r>
-          </a:p>
-          <a:p>
-            <a:r>
-              <a:rPr lang="en-US" dirty="0"/>
-              <a:t>Encourages better design and architecture</a:t>
-            </a:r>
-          </a:p>
-          <a:p>
-            <a:r>
-              <a:rPr lang="en-US" dirty="0"/>
-              <a:t>Documents code</a:t>
-            </a:r>
-          </a:p>
-          <a:p>
-            <a:endParaRPr lang="en-US" dirty="0"/>
-          </a:p>
-          <a:p>
-            <a:r>
-              <a:rPr lang="en-US" dirty="0"/>
-              <a:t>More importantly… It makes MY life easier</a:t>
-            </a:r>
-          </a:p>
-          <a:p>
-            <a:endParaRPr lang="en-US" dirty="0"/>
-          </a:p>
-          <a:p>
-            <a:endParaRPr lang="en-US" dirty="0"/>
+                <a16:creationId xmlns:a16="http://schemas.microsoft.com/office/drawing/2014/main" id="{3554B00F-034F-43E2-8E46-887F166E43E1}"/>
+              </a:ext>
+            </a:extLst>
+          </p:cNvPr>
+          <p:cNvSpPr>
+            <a:spLocks noGrp="1"/>
+          </p:cNvSpPr>
+          <p:nvPr>
+            <p:ph type="ctrTitle"/>
+          </p:nvPr>
+        </p:nvSpPr>
+        <p:spPr/>
+        <p:txBody>
+          <a:bodyPr/>
+          <a:lstStyle/>
+          <a:p>
+            <a:r>
+              <a:rPr lang="en-US" dirty="0"/>
+              <a:t>Why we Test</a:t>
+            </a:r>
+          </a:p>
+        </p:txBody>
+      </p:sp>
+      <p:sp>
+        <p:nvSpPr>
+          <p:cNvPr id="3" name="Subtitle 2">
+            <a:extLst>
+              <a:ext uri="{FF2B5EF4-FFF2-40B4-BE49-F238E27FC236}">
+                <a16:creationId xmlns:a16="http://schemas.microsoft.com/office/drawing/2014/main" id="{FB60BA50-97B1-4188-9EB9-898F3D28256B}"/>
+              </a:ext>
+            </a:extLst>
+          </p:cNvPr>
+          <p:cNvSpPr>
+            <a:spLocks noGrp="1"/>
+          </p:cNvSpPr>
+          <p:nvPr>
+            <p:ph type="subTitle" idx="1"/>
+          </p:nvPr>
+        </p:nvSpPr>
+        <p:spPr/>
+        <p:txBody>
+          <a:bodyPr/>
+          <a:lstStyle/>
+          <a:p>
+            <a:endParaRPr lang="en-US"/>
           </a:p>
         </p:txBody>
       </p:sp>
     </p:spTree>
     <p:extLst>
       <p:ext uri="{BB962C8B-B14F-4D97-AF65-F5344CB8AC3E}">
-        <p14:creationId xmlns:p14="http://schemas.microsoft.com/office/powerpoint/2010/main" val="1150532435"/>
+        <p14:creationId xmlns:p14="http://schemas.microsoft.com/office/powerpoint/2010/main" val="3135549216"/>
       </p:ext>
     </p:extLst>
   </p:cSld>
@@ -6141,58 +8034,127 @@
           <p:cNvPr id="2" name="Title 1">
             <a:extLst>
               <a:ext uri="{FF2B5EF4-FFF2-40B4-BE49-F238E27FC236}">
-                <a16:creationId xmlns:a16="http://schemas.microsoft.com/office/drawing/2014/main" id="{A51D5051-12A0-4465-BE8C-88CCB41CAF4D}"/>
-              </a:ext>
-            </a:extLst>
-          </p:cNvPr>
-          <p:cNvSpPr>
-            <a:spLocks noGrp="1"/>
-          </p:cNvSpPr>
-          <p:nvPr>
-            <p:ph type="ctrTitle"/>
-          </p:nvPr>
-        </p:nvSpPr>
-        <p:spPr/>
-        <p:txBody>
-          <a:bodyPr/>
-          <a:lstStyle/>
-          <a:p>
-            <a:r>
-              <a:rPr lang="en-US" dirty="0"/>
-              <a:t>When to Test</a:t>
-            </a:r>
-          </a:p>
-        </p:txBody>
-      </p:sp>
-      <p:sp>
-        <p:nvSpPr>
-          <p:cNvPr id="3" name="Subtitle 2">
-            <a:extLst>
-              <a:ext uri="{FF2B5EF4-FFF2-40B4-BE49-F238E27FC236}">
-                <a16:creationId xmlns:a16="http://schemas.microsoft.com/office/drawing/2014/main" id="{20CD453E-6C47-4A97-B33C-DD1C390CA3DD}"/>
-              </a:ext>
-            </a:extLst>
-          </p:cNvPr>
-          <p:cNvSpPr>
-            <a:spLocks noGrp="1"/>
-          </p:cNvSpPr>
-          <p:nvPr>
-            <p:ph type="subTitle" idx="1"/>
-          </p:nvPr>
-        </p:nvSpPr>
-        <p:spPr/>
-        <p:txBody>
-          <a:bodyPr/>
-          <a:lstStyle/>
-          <a:p>
-            <a:endParaRPr lang="en-US"/>
+                <a16:creationId xmlns:a16="http://schemas.microsoft.com/office/drawing/2014/main" id="{FBCFD89D-8E43-4015-9FE5-A9E8E3FE1175}"/>
+              </a:ext>
+            </a:extLst>
+          </p:cNvPr>
+          <p:cNvSpPr>
+            <a:spLocks noGrp="1"/>
+          </p:cNvSpPr>
+          <p:nvPr>
+            <p:ph type="title"/>
+          </p:nvPr>
+        </p:nvSpPr>
+        <p:spPr/>
+        <p:txBody>
+          <a:bodyPr/>
+          <a:lstStyle/>
+          <a:p>
+            <a:r>
+              <a:rPr lang="en-US" sz="2000" i="1" dirty="0"/>
+              <a:t>Why we test</a:t>
+            </a:r>
+            <a:br>
+              <a:rPr lang="en-US" dirty="0"/>
+            </a:br>
+            <a:r>
+              <a:rPr lang="en-US" dirty="0"/>
+              <a:t>It makes your life easier</a:t>
+            </a:r>
+          </a:p>
+        </p:txBody>
+      </p:sp>
+      <p:sp>
+        <p:nvSpPr>
+          <p:cNvPr id="3" name="Content Placeholder 2">
+            <a:extLst>
+              <a:ext uri="{FF2B5EF4-FFF2-40B4-BE49-F238E27FC236}">
+                <a16:creationId xmlns:a16="http://schemas.microsoft.com/office/drawing/2014/main" id="{35DA5CFD-A330-4544-A5D6-AB5A56D390B2}"/>
+              </a:ext>
+            </a:extLst>
+          </p:cNvPr>
+          <p:cNvSpPr>
+            <a:spLocks noGrp="1"/>
+          </p:cNvSpPr>
+          <p:nvPr>
+            <p:ph idx="1"/>
+          </p:nvPr>
+        </p:nvSpPr>
+        <p:spPr/>
+        <p:txBody>
+          <a:bodyPr/>
+          <a:lstStyle/>
+          <a:p>
+            <a:r>
+              <a:rPr lang="en-US" dirty="0"/>
+              <a:t>Confirms that your code </a:t>
+            </a:r>
+            <a:r>
+              <a:rPr lang="en-US" b="1" i="1" dirty="0"/>
+              <a:t>actually</a:t>
+            </a:r>
+            <a:r>
+              <a:rPr lang="en-US" dirty="0"/>
+              <a:t> works as you write it</a:t>
+            </a:r>
+          </a:p>
+          <a:p>
+            <a:r>
+              <a:rPr lang="en-US" dirty="0"/>
+              <a:t>Confirms that your code </a:t>
+            </a:r>
+            <a:r>
+              <a:rPr lang="en-US" b="1" i="1" dirty="0"/>
+              <a:t>still</a:t>
+            </a:r>
+            <a:r>
+              <a:rPr lang="en-US" dirty="0"/>
+              <a:t> works if (… when) you change it</a:t>
+            </a:r>
+          </a:p>
+          <a:p>
+            <a:r>
+              <a:rPr lang="en-US" dirty="0"/>
+              <a:t>Helps define the problem in sizeable chunks</a:t>
+            </a:r>
+          </a:p>
+          <a:p>
+            <a:r>
+              <a:rPr lang="en-US" dirty="0"/>
+              <a:t>Encourages better design and architecture</a:t>
+            </a:r>
+          </a:p>
+          <a:p>
+            <a:r>
+              <a:rPr lang="en-US" dirty="0"/>
+              <a:t>Documents code</a:t>
+            </a:r>
+          </a:p>
+          <a:p>
+            <a:endParaRPr lang="en-US" dirty="0"/>
+          </a:p>
+          <a:p>
+            <a:r>
+              <a:rPr lang="en-US" dirty="0"/>
+              <a:t>More importantly… </a:t>
+            </a:r>
+            <a:r>
+              <a:rPr lang="en-US" b="1" i="1" dirty="0"/>
+              <a:t>It makes MY life easier</a:t>
+            </a:r>
+          </a:p>
+          <a:p>
+            <a:endParaRPr lang="en-US" dirty="0"/>
+          </a:p>
+          <a:p>
+            <a:endParaRPr lang="en-US" dirty="0"/>
           </a:p>
         </p:txBody>
       </p:sp>
     </p:spTree>
     <p:extLst>
       <p:ext uri="{BB962C8B-B14F-4D97-AF65-F5344CB8AC3E}">
-        <p14:creationId xmlns:p14="http://schemas.microsoft.com/office/powerpoint/2010/main" val="1639744201"/>
+        <p14:creationId xmlns:p14="http://schemas.microsoft.com/office/powerpoint/2010/main" val="1150532435"/>
       </p:ext>
     </p:extLst>
   </p:cSld>
@@ -6219,22 +8181,53 @@
           <a:chExt cx="0" cy="0"/>
         </a:xfrm>
       </p:grpSpPr>
+      <p:sp>
+        <p:nvSpPr>
+          <p:cNvPr id="2" name="Title 1">
+            <a:extLst>
+              <a:ext uri="{FF2B5EF4-FFF2-40B4-BE49-F238E27FC236}">
+                <a16:creationId xmlns:a16="http://schemas.microsoft.com/office/drawing/2014/main" id="{DA384148-4C99-4E60-BBF7-25E4A9362AB0}"/>
+              </a:ext>
+            </a:extLst>
+          </p:cNvPr>
+          <p:cNvSpPr>
+            <a:spLocks noGrp="1"/>
+          </p:cNvSpPr>
+          <p:nvPr>
+            <p:ph type="title"/>
+          </p:nvPr>
+        </p:nvSpPr>
+        <p:spPr/>
+        <p:txBody>
+          <a:bodyPr/>
+          <a:lstStyle/>
+          <a:p>
+            <a:r>
+              <a:rPr lang="en-US" b="1" dirty="0"/>
+              <a:t>Easier life depicted on the right</a:t>
+            </a:r>
+            <a:endParaRPr lang="en-US" dirty="0"/>
+          </a:p>
+        </p:txBody>
+      </p:sp>
       <p:pic>
         <p:nvPicPr>
-          <p:cNvPr id="5" name="Picture 4">
-            <a:extLst>
-              <a:ext uri="{FF2B5EF4-FFF2-40B4-BE49-F238E27FC236}">
-                <a16:creationId xmlns:a16="http://schemas.microsoft.com/office/drawing/2014/main" id="{FADFD8B9-286F-40C1-8C0E-0641F35485CF}"/>
+          <p:cNvPr id="5" name="Content Placeholder 4">
+            <a:extLst>
+              <a:ext uri="{FF2B5EF4-FFF2-40B4-BE49-F238E27FC236}">
+                <a16:creationId xmlns:a16="http://schemas.microsoft.com/office/drawing/2014/main" id="{297602EC-955A-4413-B9F9-BF9D1DC4A2A1}"/>
               </a:ext>
             </a:extLst>
           </p:cNvPr>
           <p:cNvPicPr>
-            <a:picLocks noChangeAspect="1"/>
+            <a:picLocks noGrp="1" noChangeAspect="1"/>
           </p:cNvPicPr>
-          <p:nvPr/>
+          <p:nvPr>
+            <p:ph idx="1"/>
+          </p:nvPr>
         </p:nvPicPr>
         <p:blipFill>
-          <a:blip r:embed="rId2">
+          <a:blip r:embed="rId3">
             <a:extLst>
               <a:ext uri="{28A0092B-C50C-407E-A947-70E740481C1C}">
                 <a14:useLocalDpi xmlns:a14="http://schemas.microsoft.com/office/drawing/2010/main" val="0"/>
@@ -6247,18 +8240,15 @@
         </p:blipFill>
         <p:spPr>
           <a:xfrm>
-            <a:off x="0" y="0"/>
-            <a:ext cx="12192000" cy="6858000"/>
+            <a:off x="1918022" y="1787525"/>
+            <a:ext cx="8355955" cy="4351338"/>
           </a:xfrm>
-          <a:prstGeom prst="rect">
-            <a:avLst/>
-          </a:prstGeom>
         </p:spPr>
       </p:pic>
     </p:spTree>
     <p:extLst>
       <p:ext uri="{BB962C8B-B14F-4D97-AF65-F5344CB8AC3E}">
-        <p14:creationId xmlns:p14="http://schemas.microsoft.com/office/powerpoint/2010/main" val="4234305225"/>
+        <p14:creationId xmlns:p14="http://schemas.microsoft.com/office/powerpoint/2010/main" val="2648786391"/>
       </p:ext>
     </p:extLst>
   </p:cSld>
@@ -6290,102 +8280,53 @@
           <p:cNvPr id="2" name="Title 1">
             <a:extLst>
               <a:ext uri="{FF2B5EF4-FFF2-40B4-BE49-F238E27FC236}">
-                <a16:creationId xmlns:a16="http://schemas.microsoft.com/office/drawing/2014/main" id="{1E64685C-9EDD-42BC-88D3-DDFA51DB7E30}"/>
-              </a:ext>
-            </a:extLst>
-          </p:cNvPr>
-          <p:cNvSpPr>
-            <a:spLocks noGrp="1"/>
-          </p:cNvSpPr>
-          <p:nvPr>
-            <p:ph type="title"/>
-          </p:nvPr>
-        </p:nvSpPr>
-        <p:spPr/>
-        <p:txBody>
-          <a:bodyPr/>
-          <a:lstStyle/>
-          <a:p>
-            <a:r>
-              <a:rPr lang="en-US" sz="2000" i="1" dirty="0"/>
+                <a16:creationId xmlns:a16="http://schemas.microsoft.com/office/drawing/2014/main" id="{A51D5051-12A0-4465-BE8C-88CCB41CAF4D}"/>
+              </a:ext>
+            </a:extLst>
+          </p:cNvPr>
+          <p:cNvSpPr>
+            <a:spLocks noGrp="1"/>
+          </p:cNvSpPr>
+          <p:nvPr>
+            <p:ph type="ctrTitle"/>
+          </p:nvPr>
+        </p:nvSpPr>
+        <p:spPr/>
+        <p:txBody>
+          <a:bodyPr/>
+          <a:lstStyle/>
+          <a:p>
+            <a:r>
+              <a:rPr lang="en-US" dirty="0"/>
               <a:t>When to Test</a:t>
             </a:r>
-            <a:br>
-              <a:rPr lang="en-US" dirty="0"/>
-            </a:br>
-            <a:r>
-              <a:rPr lang="en-US" dirty="0"/>
-              <a:t>Always… Be… Testing</a:t>
-            </a:r>
-          </a:p>
-        </p:txBody>
-      </p:sp>
-      <p:sp>
-        <p:nvSpPr>
-          <p:cNvPr id="3" name="Content Placeholder 2">
-            <a:extLst>
-              <a:ext uri="{FF2B5EF4-FFF2-40B4-BE49-F238E27FC236}">
-                <a16:creationId xmlns:a16="http://schemas.microsoft.com/office/drawing/2014/main" id="{B7278E87-0731-49D5-B20D-C734B8709381}"/>
-              </a:ext>
-            </a:extLst>
-          </p:cNvPr>
-          <p:cNvSpPr>
-            <a:spLocks noGrp="1"/>
-          </p:cNvSpPr>
-          <p:nvPr>
-            <p:ph idx="1"/>
-          </p:nvPr>
-        </p:nvSpPr>
-        <p:spPr/>
-        <p:txBody>
-          <a:bodyPr/>
-          <a:lstStyle/>
-          <a:p>
-            <a:r>
-              <a:rPr lang="en-US" dirty="0"/>
-              <a:t>Ideally, write tests before writing code</a:t>
-            </a:r>
-          </a:p>
-          <a:p>
-            <a:r>
-              <a:rPr lang="en-US" dirty="0"/>
-              <a:t>Use the </a:t>
-            </a:r>
-            <a:r>
-              <a:rPr lang="en-US" dirty="0">
-                <a:solidFill>
-                  <a:srgbClr val="FF0000"/>
-                </a:solidFill>
-              </a:rPr>
-              <a:t>Red</a:t>
-            </a:r>
-            <a:r>
-              <a:rPr lang="en-US" dirty="0"/>
-              <a:t> to </a:t>
-            </a:r>
-            <a:r>
-              <a:rPr lang="en-US" dirty="0">
-                <a:solidFill>
-                  <a:schemeClr val="accent6"/>
-                </a:solidFill>
-              </a:rPr>
-              <a:t>Green</a:t>
-            </a:r>
-            <a:r>
-              <a:rPr lang="en-US" dirty="0"/>
-              <a:t> rule</a:t>
-            </a:r>
-          </a:p>
-          <a:p>
-            <a:r>
-              <a:rPr lang="en-US" dirty="0"/>
-              <a:t>Use the tests to help you define the problem as manageable chunks</a:t>
-            </a:r>
-          </a:p>
-          <a:p>
-            <a:r>
-              <a:rPr lang="en-US" dirty="0"/>
-              <a:t>Write tests to reproduce and resolve new bugs</a:t>
+          </a:p>
+        </p:txBody>
+      </p:sp>
+      <p:sp>
+        <p:nvSpPr>
+          <p:cNvPr id="3" name="Subtitle 2">
+            <a:extLst>
+              <a:ext uri="{FF2B5EF4-FFF2-40B4-BE49-F238E27FC236}">
+                <a16:creationId xmlns:a16="http://schemas.microsoft.com/office/drawing/2014/main" id="{20CD453E-6C47-4A97-B33C-DD1C390CA3DD}"/>
+              </a:ext>
+            </a:extLst>
+          </p:cNvPr>
+          <p:cNvSpPr>
+            <a:spLocks noGrp="1"/>
+          </p:cNvSpPr>
+          <p:nvPr>
+            <p:ph type="subTitle" idx="1"/>
+          </p:nvPr>
+        </p:nvSpPr>
+        <p:spPr/>
+        <p:txBody>
+          <a:bodyPr/>
+          <a:lstStyle/>
+          <a:p>
+            <a:r>
+              <a:rPr lang="en-US" dirty="0"/>
+              <a:t>(ABT)</a:t>
             </a:r>
           </a:p>
         </p:txBody>
@@ -6393,7 +8334,7 @@
     </p:spTree>
     <p:extLst>
       <p:ext uri="{BB962C8B-B14F-4D97-AF65-F5344CB8AC3E}">
-        <p14:creationId xmlns:p14="http://schemas.microsoft.com/office/powerpoint/2010/main" val="14062967"/>
+        <p14:creationId xmlns:p14="http://schemas.microsoft.com/office/powerpoint/2010/main" val="1639744201"/>
       </p:ext>
     </p:extLst>
   </p:cSld>
@@ -6420,63 +8361,46 @@
           <a:chExt cx="0" cy="0"/>
         </a:xfrm>
       </p:grpSpPr>
-      <p:sp>
-        <p:nvSpPr>
-          <p:cNvPr id="2" name="Title 1">
-            <a:extLst>
-              <a:ext uri="{FF2B5EF4-FFF2-40B4-BE49-F238E27FC236}">
-                <a16:creationId xmlns:a16="http://schemas.microsoft.com/office/drawing/2014/main" id="{778B46B5-A1D9-44E0-927F-0D3AAA58A3FE}"/>
-              </a:ext>
-            </a:extLst>
-          </p:cNvPr>
-          <p:cNvSpPr>
-            <a:spLocks noGrp="1"/>
-          </p:cNvSpPr>
-          <p:nvPr>
-            <p:ph type="ctrTitle"/>
-          </p:nvPr>
-        </p:nvSpPr>
-        <p:spPr/>
-        <p:txBody>
-          <a:bodyPr/>
-          <a:lstStyle/>
-          <a:p>
-            <a:r>
-              <a:rPr lang="en-US" dirty="0"/>
-              <a:t>What to Test</a:t>
-            </a:r>
-          </a:p>
-        </p:txBody>
-      </p:sp>
-      <p:sp>
-        <p:nvSpPr>
-          <p:cNvPr id="3" name="Subtitle 2">
-            <a:extLst>
-              <a:ext uri="{FF2B5EF4-FFF2-40B4-BE49-F238E27FC236}">
-                <a16:creationId xmlns:a16="http://schemas.microsoft.com/office/drawing/2014/main" id="{70979B82-B18C-4840-A995-2650AE634ABE}"/>
-              </a:ext>
-            </a:extLst>
-          </p:cNvPr>
-          <p:cNvSpPr>
-            <a:spLocks noGrp="1"/>
-          </p:cNvSpPr>
-          <p:nvPr>
-            <p:ph type="subTitle" idx="1"/>
-          </p:nvPr>
-        </p:nvSpPr>
-        <p:spPr/>
-        <p:txBody>
-          <a:bodyPr/>
-          <a:lstStyle/>
-          <a:p>
-            <a:endParaRPr lang="en-US"/>
-          </a:p>
-        </p:txBody>
-      </p:sp>
+      <p:pic>
+        <p:nvPicPr>
+          <p:cNvPr id="5" name="Picture 4">
+            <a:extLst>
+              <a:ext uri="{FF2B5EF4-FFF2-40B4-BE49-F238E27FC236}">
+                <a16:creationId xmlns:a16="http://schemas.microsoft.com/office/drawing/2014/main" id="{FADFD8B9-286F-40C1-8C0E-0641F35485CF}"/>
+              </a:ext>
+            </a:extLst>
+          </p:cNvPr>
+          <p:cNvPicPr>
+            <a:picLocks noChangeAspect="1"/>
+          </p:cNvPicPr>
+          <p:nvPr/>
+        </p:nvPicPr>
+        <p:blipFill>
+          <a:blip r:embed="rId2">
+            <a:extLst>
+              <a:ext uri="{28A0092B-C50C-407E-A947-70E740481C1C}">
+                <a14:useLocalDpi xmlns:a14="http://schemas.microsoft.com/office/drawing/2010/main" val="0"/>
+              </a:ext>
+            </a:extLst>
+          </a:blip>
+          <a:stretch>
+            <a:fillRect/>
+          </a:stretch>
+        </p:blipFill>
+        <p:spPr>
+          <a:xfrm>
+            <a:off x="0" y="0"/>
+            <a:ext cx="12192000" cy="6858000"/>
+          </a:xfrm>
+          <a:prstGeom prst="rect">
+            <a:avLst/>
+          </a:prstGeom>
+        </p:spPr>
+      </p:pic>
     </p:spTree>
     <p:extLst>
       <p:ext uri="{BB962C8B-B14F-4D97-AF65-F5344CB8AC3E}">
-        <p14:creationId xmlns:p14="http://schemas.microsoft.com/office/powerpoint/2010/main" val="3645344743"/>
+        <p14:creationId xmlns:p14="http://schemas.microsoft.com/office/powerpoint/2010/main" val="4234305225"/>
       </p:ext>
     </p:extLst>
   </p:cSld>

--- a/testing-presentation.pptx
+++ b/testing-presentation.pptx
@@ -536,19 +536,13 @@
           <a:p>
             <a:r>
               <a:rPr lang="en-US" dirty="0"/>
-              <a:t>Helps contextualize the problem</a:t>
-            </a:r>
-          </a:p>
-          <a:p>
-            <a:r>
-              <a:rPr lang="en-US" dirty="0"/>
-              <a:t>Makes testing easier… if there are automated tests. </a:t>
-            </a:r>
-          </a:p>
-          <a:p>
-            <a:r>
-              <a:rPr lang="en-US" dirty="0"/>
-              <a:t>Encourages refactoring </a:t>
+              <a:t>Wasn’t really sure what unit testing was when I first started programming.</a:t>
+            </a:r>
+          </a:p>
+          <a:p>
+            <a:r>
+              <a:rPr lang="en-US" dirty="0"/>
+              <a:t>Figured if I wrote code carefully enough, I didn’t need it—or I could just find the bugs as they arose</a:t>
             </a:r>
           </a:p>
         </p:txBody>
@@ -570,7 +564,7 @@
           <a:p>
             <a:fld id="{8F6B0B11-0579-4849-A75B-66F1A88823CB}" type="slidenum">
               <a:rPr lang="en-US" smtClean="0"/>
-              <a:t>6</a:t>
+              <a:t>1</a:t>
             </a:fld>
             <a:endParaRPr lang="en-US"/>
           </a:p>
@@ -579,7 +573,305 @@
     </p:spTree>
     <p:extLst>
       <p:ext uri="{BB962C8B-B14F-4D97-AF65-F5344CB8AC3E}">
-        <p14:creationId xmlns:p14="http://schemas.microsoft.com/office/powerpoint/2010/main" val="2899191893"/>
+        <p14:creationId xmlns:p14="http://schemas.microsoft.com/office/powerpoint/2010/main" val="967273320"/>
+      </p:ext>
+    </p:extLst>
+  </p:cSld>
+  <p:clrMapOvr>
+    <a:masterClrMapping/>
+  </p:clrMapOvr>
+</p:notes>
+</file>
+
+<file path=ppt/notesSlides/notesSlide10.xml><?xml version="1.0" encoding="utf-8"?>
+<p:notes xmlns:a="http://schemas.openxmlformats.org/drawingml/2006/main" xmlns:r="http://schemas.openxmlformats.org/officeDocument/2006/relationships" xmlns:p="http://schemas.openxmlformats.org/presentationml/2006/main">
+  <p:cSld>
+    <p:spTree>
+      <p:nvGrpSpPr>
+        <p:cNvPr id="1" name=""/>
+        <p:cNvGrpSpPr/>
+        <p:nvPr/>
+      </p:nvGrpSpPr>
+      <p:grpSpPr>
+        <a:xfrm>
+          <a:off x="0" y="0"/>
+          <a:ext cx="0" cy="0"/>
+          <a:chOff x="0" y="0"/>
+          <a:chExt cx="0" cy="0"/>
+        </a:xfrm>
+      </p:grpSpPr>
+      <p:sp>
+        <p:nvSpPr>
+          <p:cNvPr id="2" name="Slide Image Placeholder 1"/>
+          <p:cNvSpPr>
+            <a:spLocks noGrp="1" noRot="1" noChangeAspect="1"/>
+          </p:cNvSpPr>
+          <p:nvPr>
+            <p:ph type="sldImg"/>
+          </p:nvPr>
+        </p:nvSpPr>
+        <p:spPr/>
+      </p:sp>
+      <p:sp>
+        <p:nvSpPr>
+          <p:cNvPr id="3" name="Notes Placeholder 2"/>
+          <p:cNvSpPr>
+            <a:spLocks noGrp="1"/>
+          </p:cNvSpPr>
+          <p:nvPr>
+            <p:ph type="body" idx="1"/>
+          </p:nvPr>
+        </p:nvSpPr>
+        <p:spPr/>
+        <p:txBody>
+          <a:bodyPr/>
+          <a:lstStyle/>
+          <a:p>
+            <a:r>
+              <a:rPr lang="en-US" dirty="0"/>
+              <a:t>Attribute Test &gt; </a:t>
+            </a:r>
+            <a:r>
+              <a:rPr lang="en-US" dirty="0" err="1"/>
+              <a:t>TestCasesExample</a:t>
+            </a:r>
+            <a:r>
+              <a:rPr lang="en-US" dirty="0"/>
+              <a:t> </a:t>
+            </a:r>
+          </a:p>
+        </p:txBody>
+      </p:sp>
+      <p:sp>
+        <p:nvSpPr>
+          <p:cNvPr id="4" name="Slide Number Placeholder 3"/>
+          <p:cNvSpPr>
+            <a:spLocks noGrp="1"/>
+          </p:cNvSpPr>
+          <p:nvPr>
+            <p:ph type="sldNum" sz="quarter" idx="10"/>
+          </p:nvPr>
+        </p:nvSpPr>
+        <p:spPr/>
+        <p:txBody>
+          <a:bodyPr/>
+          <a:lstStyle/>
+          <a:p>
+            <a:fld id="{8F6B0B11-0579-4849-A75B-66F1A88823CB}" type="slidenum">
+              <a:rPr lang="en-US" smtClean="0"/>
+              <a:t>18</a:t>
+            </a:fld>
+            <a:endParaRPr lang="en-US"/>
+          </a:p>
+        </p:txBody>
+      </p:sp>
+    </p:spTree>
+    <p:extLst>
+      <p:ext uri="{BB962C8B-B14F-4D97-AF65-F5344CB8AC3E}">
+        <p14:creationId xmlns:p14="http://schemas.microsoft.com/office/powerpoint/2010/main" val="4257824148"/>
+      </p:ext>
+    </p:extLst>
+  </p:cSld>
+  <p:clrMapOvr>
+    <a:masterClrMapping/>
+  </p:clrMapOvr>
+</p:notes>
+</file>
+
+<file path=ppt/notesSlides/notesSlide11.xml><?xml version="1.0" encoding="utf-8"?>
+<p:notes xmlns:a="http://schemas.openxmlformats.org/drawingml/2006/main" xmlns:r="http://schemas.openxmlformats.org/officeDocument/2006/relationships" xmlns:p="http://schemas.openxmlformats.org/presentationml/2006/main">
+  <p:cSld>
+    <p:spTree>
+      <p:nvGrpSpPr>
+        <p:cNvPr id="1" name=""/>
+        <p:cNvGrpSpPr/>
+        <p:nvPr/>
+      </p:nvGrpSpPr>
+      <p:grpSpPr>
+        <a:xfrm>
+          <a:off x="0" y="0"/>
+          <a:ext cx="0" cy="0"/>
+          <a:chOff x="0" y="0"/>
+          <a:chExt cx="0" cy="0"/>
+        </a:xfrm>
+      </p:grpSpPr>
+      <p:sp>
+        <p:nvSpPr>
+          <p:cNvPr id="2" name="Slide Image Placeholder 1"/>
+          <p:cNvSpPr>
+            <a:spLocks noGrp="1" noRot="1" noChangeAspect="1"/>
+          </p:cNvSpPr>
+          <p:nvPr>
+            <p:ph type="sldImg"/>
+          </p:nvPr>
+        </p:nvSpPr>
+        <p:spPr/>
+      </p:sp>
+      <p:sp>
+        <p:nvSpPr>
+          <p:cNvPr id="3" name="Notes Placeholder 2"/>
+          <p:cNvSpPr>
+            <a:spLocks noGrp="1"/>
+          </p:cNvSpPr>
+          <p:nvPr>
+            <p:ph type="body" idx="1"/>
+          </p:nvPr>
+        </p:nvSpPr>
+        <p:spPr/>
+        <p:txBody>
+          <a:bodyPr/>
+          <a:lstStyle/>
+          <a:p>
+            <a:r>
+              <a:rPr lang="en-US" dirty="0"/>
+              <a:t>We talked earlier about  not using external resources if possible – Mock it up!</a:t>
+            </a:r>
+          </a:p>
+          <a:p>
+            <a:r>
+              <a:rPr lang="en-US" dirty="0" err="1"/>
+              <a:t>AlarmTest</a:t>
+            </a:r>
+            <a:endParaRPr lang="en-US" dirty="0"/>
+          </a:p>
+          <a:p>
+            <a:endParaRPr lang="en-US" dirty="0"/>
+          </a:p>
+          <a:p>
+            <a:r>
+              <a:rPr lang="en-US" dirty="0"/>
+              <a:t>Factories = </a:t>
+            </a:r>
+            <a:r>
+              <a:rPr lang="en-US"/>
+              <a:t>PushJobFetcherTests</a:t>
+            </a:r>
+            <a:endParaRPr lang="en-US" dirty="0"/>
+          </a:p>
+        </p:txBody>
+      </p:sp>
+      <p:sp>
+        <p:nvSpPr>
+          <p:cNvPr id="4" name="Slide Number Placeholder 3"/>
+          <p:cNvSpPr>
+            <a:spLocks noGrp="1"/>
+          </p:cNvSpPr>
+          <p:nvPr>
+            <p:ph type="sldNum" sz="quarter" idx="10"/>
+          </p:nvPr>
+        </p:nvSpPr>
+        <p:spPr/>
+        <p:txBody>
+          <a:bodyPr/>
+          <a:lstStyle/>
+          <a:p>
+            <a:fld id="{8F6B0B11-0579-4849-A75B-66F1A88823CB}" type="slidenum">
+              <a:rPr lang="en-US" smtClean="0"/>
+              <a:t>19</a:t>
+            </a:fld>
+            <a:endParaRPr lang="en-US"/>
+          </a:p>
+        </p:txBody>
+      </p:sp>
+    </p:spTree>
+    <p:extLst>
+      <p:ext uri="{BB962C8B-B14F-4D97-AF65-F5344CB8AC3E}">
+        <p14:creationId xmlns:p14="http://schemas.microsoft.com/office/powerpoint/2010/main" val="999524259"/>
+      </p:ext>
+    </p:extLst>
+  </p:cSld>
+  <p:clrMapOvr>
+    <a:masterClrMapping/>
+  </p:clrMapOvr>
+</p:notes>
+</file>
+
+<file path=ppt/notesSlides/notesSlide12.xml><?xml version="1.0" encoding="utf-8"?>
+<p:notes xmlns:a="http://schemas.openxmlformats.org/drawingml/2006/main" xmlns:r="http://schemas.openxmlformats.org/officeDocument/2006/relationships" xmlns:p="http://schemas.openxmlformats.org/presentationml/2006/main">
+  <p:cSld>
+    <p:spTree>
+      <p:nvGrpSpPr>
+        <p:cNvPr id="1" name=""/>
+        <p:cNvGrpSpPr/>
+        <p:nvPr/>
+      </p:nvGrpSpPr>
+      <p:grpSpPr>
+        <a:xfrm>
+          <a:off x="0" y="0"/>
+          <a:ext cx="0" cy="0"/>
+          <a:chOff x="0" y="0"/>
+          <a:chExt cx="0" cy="0"/>
+        </a:xfrm>
+      </p:grpSpPr>
+      <p:sp>
+        <p:nvSpPr>
+          <p:cNvPr id="2" name="Slide Image Placeholder 1"/>
+          <p:cNvSpPr>
+            <a:spLocks noGrp="1" noRot="1" noChangeAspect="1"/>
+          </p:cNvSpPr>
+          <p:nvPr>
+            <p:ph type="sldImg"/>
+          </p:nvPr>
+        </p:nvSpPr>
+        <p:spPr/>
+      </p:sp>
+      <p:sp>
+        <p:nvSpPr>
+          <p:cNvPr id="3" name="Notes Placeholder 2"/>
+          <p:cNvSpPr>
+            <a:spLocks noGrp="1"/>
+          </p:cNvSpPr>
+          <p:nvPr>
+            <p:ph type="body" idx="1"/>
+          </p:nvPr>
+        </p:nvSpPr>
+        <p:spPr/>
+        <p:txBody>
+          <a:bodyPr/>
+          <a:lstStyle/>
+          <a:p>
+            <a:r>
+              <a:rPr lang="en-US" dirty="0"/>
+              <a:t>Filter using drop-down or search-syntax (class, project, error message, output, outcome, </a:t>
+            </a:r>
+            <a:r>
+              <a:rPr lang="en-US" dirty="0" err="1"/>
+              <a:t>filepath</a:t>
+            </a:r>
+            <a:r>
+              <a:rPr lang="en-US" dirty="0"/>
+              <a:t>)</a:t>
+            </a:r>
+          </a:p>
+        </p:txBody>
+      </p:sp>
+      <p:sp>
+        <p:nvSpPr>
+          <p:cNvPr id="4" name="Slide Number Placeholder 3"/>
+          <p:cNvSpPr>
+            <a:spLocks noGrp="1"/>
+          </p:cNvSpPr>
+          <p:nvPr>
+            <p:ph type="sldNum" sz="quarter" idx="10"/>
+          </p:nvPr>
+        </p:nvSpPr>
+        <p:spPr/>
+        <p:txBody>
+          <a:bodyPr/>
+          <a:lstStyle/>
+          <a:p>
+            <a:fld id="{8F6B0B11-0579-4849-A75B-66F1A88823CB}" type="slidenum">
+              <a:rPr lang="en-US" smtClean="0"/>
+              <a:t>20</a:t>
+            </a:fld>
+            <a:endParaRPr lang="en-US"/>
+          </a:p>
+        </p:txBody>
+      </p:sp>
+    </p:spTree>
+    <p:extLst>
+      <p:ext uri="{BB962C8B-B14F-4D97-AF65-F5344CB8AC3E}">
+        <p14:creationId xmlns:p14="http://schemas.microsoft.com/office/powerpoint/2010/main" val="665251980"/>
       </p:ext>
     </p:extLst>
   </p:cSld>
@@ -635,7 +927,7 @@
           <a:p>
             <a:r>
               <a:rPr lang="en-US" dirty="0"/>
-              <a:t>Even if it takes you weeks to write the perfect unit test… It’s taken care of for all future testing.</a:t>
+              <a:t>What’s the worst that could happen?</a:t>
             </a:r>
           </a:p>
         </p:txBody>
@@ -657,7 +949,7 @@
           <a:p>
             <a:fld id="{8F6B0B11-0579-4849-A75B-66F1A88823CB}" type="slidenum">
               <a:rPr lang="en-US" smtClean="0"/>
-              <a:t>7</a:t>
+              <a:t>2</a:t>
             </a:fld>
             <a:endParaRPr lang="en-US"/>
           </a:p>
@@ -666,7 +958,7 @@
     </p:spTree>
     <p:extLst>
       <p:ext uri="{BB962C8B-B14F-4D97-AF65-F5344CB8AC3E}">
-        <p14:creationId xmlns:p14="http://schemas.microsoft.com/office/powerpoint/2010/main" val="2598168971"/>
+        <p14:creationId xmlns:p14="http://schemas.microsoft.com/office/powerpoint/2010/main" val="3865261323"/>
       </p:ext>
     </p:extLst>
   </p:cSld>
@@ -722,25 +1014,8 @@
           <a:p>
             <a:r>
               <a:rPr lang="en-US" dirty="0"/>
-              <a:t>Don’t use a system clock—use a mock for it</a:t>
-            </a:r>
-          </a:p>
-          <a:p>
-            <a:r>
-              <a:rPr lang="en-US" dirty="0"/>
-              <a:t>Don’t test against a real Db, mock out the data</a:t>
-            </a:r>
-          </a:p>
-          <a:p>
-            <a:r>
-              <a:rPr lang="en-US" dirty="0"/>
-              <a:t>Logging is a great example of a simple method that could fail </a:t>
-            </a:r>
-            <a:r>
-              <a:rPr lang="en-US"/>
-              <a:t>for unexpected reasons</a:t>
-            </a:r>
-            <a:endParaRPr lang="en-US" dirty="0"/>
+              <a:t>But without unit tests—it can take a very long time to realize where your code is breaking and why.</a:t>
+            </a:r>
           </a:p>
         </p:txBody>
       </p:sp>
@@ -761,7 +1036,7 @@
           <a:p>
             <a:fld id="{8F6B0B11-0579-4849-A75B-66F1A88823CB}" type="slidenum">
               <a:rPr lang="en-US" smtClean="0"/>
-              <a:t>12</a:t>
+              <a:t>3</a:t>
             </a:fld>
             <a:endParaRPr lang="en-US"/>
           </a:p>
@@ -770,7 +1045,7 @@
     </p:spTree>
     <p:extLst>
       <p:ext uri="{BB962C8B-B14F-4D97-AF65-F5344CB8AC3E}">
-        <p14:creationId xmlns:p14="http://schemas.microsoft.com/office/powerpoint/2010/main" val="4164206567"/>
+        <p14:creationId xmlns:p14="http://schemas.microsoft.com/office/powerpoint/2010/main" val="3007559360"/>
       </p:ext>
     </p:extLst>
   </p:cSld>
@@ -826,19 +1101,19 @@
           <a:p>
             <a:r>
               <a:rPr lang="en-US" dirty="0"/>
-              <a:t>-What if Reset() were broken?</a:t>
-            </a:r>
-          </a:p>
-          <a:p>
-            <a:r>
-              <a:rPr lang="en-US" dirty="0"/>
-              <a:t>-Using Assemble / Act / Assert will improve clarity, as will renaming test names</a:t>
-            </a:r>
-          </a:p>
-          <a:p>
-            <a:r>
-              <a:rPr lang="en-US" dirty="0"/>
-              <a:t>-All of which will serve as better documentation</a:t>
+              <a:t>So by now, all of us know what unit testing is. </a:t>
+            </a:r>
+          </a:p>
+          <a:p>
+            <a:r>
+              <a:rPr lang="en-US" dirty="0"/>
+              <a:t>This may only serve a as refresher, but maybe you’ll  learn something new</a:t>
+            </a:r>
+          </a:p>
+          <a:p>
+            <a:r>
+              <a:rPr lang="en-US" dirty="0"/>
+              <a:t>And if you’re already doing everything—give yourself a pat on the back!</a:t>
             </a:r>
           </a:p>
         </p:txBody>
@@ -860,7 +1135,7 @@
           <a:p>
             <a:fld id="{8F6B0B11-0579-4849-A75B-66F1A88823CB}" type="slidenum">
               <a:rPr lang="en-US" smtClean="0"/>
-              <a:t>15</a:t>
+              <a:t>4</a:t>
             </a:fld>
             <a:endParaRPr lang="en-US"/>
           </a:p>
@@ -869,7 +1144,7 @@
     </p:spTree>
     <p:extLst>
       <p:ext uri="{BB962C8B-B14F-4D97-AF65-F5344CB8AC3E}">
-        <p14:creationId xmlns:p14="http://schemas.microsoft.com/office/powerpoint/2010/main" val="1508196501"/>
+        <p14:creationId xmlns:p14="http://schemas.microsoft.com/office/powerpoint/2010/main" val="3322071025"/>
       </p:ext>
     </p:extLst>
   </p:cSld>
@@ -925,15 +1200,25 @@
           <a:p>
             <a:r>
               <a:rPr lang="en-US" dirty="0"/>
-              <a:t>Filter using drop-down or search-syntax (class, project, error message, output, outcome, </a:t>
-            </a:r>
-            <a:r>
-              <a:rPr lang="en-US" dirty="0" err="1"/>
-              <a:t>filepath</a:t>
-            </a:r>
-            <a:r>
-              <a:rPr lang="en-US" dirty="0"/>
-              <a:t>)</a:t>
+              <a:t>No assumptions and hopefully no sneaky bugs</a:t>
+            </a:r>
+          </a:p>
+          <a:p>
+            <a:r>
+              <a:rPr lang="en-US" dirty="0"/>
+              <a:t>Refactoring is good—unit tests encourage and empower us to do this</a:t>
+            </a:r>
+          </a:p>
+          <a:p>
+            <a:r>
+              <a:rPr lang="en-US" dirty="0"/>
+              <a:t>Helps contextualize the problem</a:t>
+            </a:r>
+          </a:p>
+          <a:p>
+            <a:r>
+              <a:rPr lang="en-US" dirty="0"/>
+              <a:t>Makes testing easier… if there are automated tests.</a:t>
             </a:r>
           </a:p>
         </p:txBody>
@@ -955,7 +1240,7 @@
           <a:p>
             <a:fld id="{8F6B0B11-0579-4849-A75B-66F1A88823CB}" type="slidenum">
               <a:rPr lang="en-US" smtClean="0"/>
-              <a:t>19</a:t>
+              <a:t>6</a:t>
             </a:fld>
             <a:endParaRPr lang="en-US"/>
           </a:p>
@@ -964,7 +1249,7 @@
     </p:spTree>
     <p:extLst>
       <p:ext uri="{BB962C8B-B14F-4D97-AF65-F5344CB8AC3E}">
-        <p14:creationId xmlns:p14="http://schemas.microsoft.com/office/powerpoint/2010/main" val="999524259"/>
+        <p14:creationId xmlns:p14="http://schemas.microsoft.com/office/powerpoint/2010/main" val="2899191893"/>
       </p:ext>
     </p:extLst>
   </p:cSld>
@@ -1020,16 +1305,32 @@
           <a:p>
             <a:r>
               <a:rPr lang="en-US" dirty="0"/>
-              <a:t>Filter using drop-down or search-syntax (class, project, error message, output, outcome, </a:t>
-            </a:r>
-            <a:r>
-              <a:rPr lang="en-US" dirty="0" err="1"/>
-              <a:t>filepath</a:t>
-            </a:r>
-            <a:r>
-              <a:rPr lang="en-US" dirty="0"/>
-              <a:t>)</a:t>
-            </a:r>
+              <a:t>You want the most effort and coverage to go into unit tests up front</a:t>
+            </a:r>
+          </a:p>
+          <a:p>
+            <a:r>
+              <a:rPr lang="en-US" dirty="0"/>
+              <a:t>Even if it takes you weeks to write the perfect unit test… It’s taken care of for all future testing.</a:t>
+            </a:r>
+          </a:p>
+          <a:p>
+            <a:endParaRPr lang="en-US" dirty="0"/>
+          </a:p>
+          <a:p>
+            <a:r>
+              <a:rPr lang="en-US" dirty="0"/>
+              <a:t>Unit test = individual code</a:t>
+            </a:r>
+          </a:p>
+          <a:p>
+            <a:r>
+              <a:rPr lang="en-US" dirty="0"/>
+              <a:t>Integration test = combined modules</a:t>
+            </a:r>
+          </a:p>
+          <a:p>
+            <a:endParaRPr lang="en-US" dirty="0"/>
           </a:p>
         </p:txBody>
       </p:sp>
@@ -1050,7 +1351,7 @@
           <a:p>
             <a:fld id="{8F6B0B11-0579-4849-A75B-66F1A88823CB}" type="slidenum">
               <a:rPr lang="en-US" smtClean="0"/>
-              <a:t>20</a:t>
+              <a:t>7</a:t>
             </a:fld>
             <a:endParaRPr lang="en-US"/>
           </a:p>
@@ -1059,7 +1360,292 @@
     </p:spTree>
     <p:extLst>
       <p:ext uri="{BB962C8B-B14F-4D97-AF65-F5344CB8AC3E}">
-        <p14:creationId xmlns:p14="http://schemas.microsoft.com/office/powerpoint/2010/main" val="665251980"/>
+        <p14:creationId xmlns:p14="http://schemas.microsoft.com/office/powerpoint/2010/main" val="2598168971"/>
+      </p:ext>
+    </p:extLst>
+  </p:cSld>
+  <p:clrMapOvr>
+    <a:masterClrMapping/>
+  </p:clrMapOvr>
+</p:notes>
+</file>
+
+<file path=ppt/notesSlides/notesSlide7.xml><?xml version="1.0" encoding="utf-8"?>
+<p:notes xmlns:a="http://schemas.openxmlformats.org/drawingml/2006/main" xmlns:r="http://schemas.openxmlformats.org/officeDocument/2006/relationships" xmlns:p="http://schemas.openxmlformats.org/presentationml/2006/main">
+  <p:cSld>
+    <p:spTree>
+      <p:nvGrpSpPr>
+        <p:cNvPr id="1" name=""/>
+        <p:cNvGrpSpPr/>
+        <p:nvPr/>
+      </p:nvGrpSpPr>
+      <p:grpSpPr>
+        <a:xfrm>
+          <a:off x="0" y="0"/>
+          <a:ext cx="0" cy="0"/>
+          <a:chOff x="0" y="0"/>
+          <a:chExt cx="0" cy="0"/>
+        </a:xfrm>
+      </p:grpSpPr>
+      <p:sp>
+        <p:nvSpPr>
+          <p:cNvPr id="2" name="Slide Image Placeholder 1"/>
+          <p:cNvSpPr>
+            <a:spLocks noGrp="1" noRot="1" noChangeAspect="1"/>
+          </p:cNvSpPr>
+          <p:nvPr>
+            <p:ph type="sldImg"/>
+          </p:nvPr>
+        </p:nvSpPr>
+        <p:spPr/>
+      </p:sp>
+      <p:sp>
+        <p:nvSpPr>
+          <p:cNvPr id="3" name="Notes Placeholder 2"/>
+          <p:cNvSpPr>
+            <a:spLocks noGrp="1"/>
+          </p:cNvSpPr>
+          <p:nvPr>
+            <p:ph type="body" idx="1"/>
+          </p:nvPr>
+        </p:nvSpPr>
+        <p:spPr/>
+        <p:txBody>
+          <a:bodyPr/>
+          <a:lstStyle/>
+          <a:p>
+            <a:r>
+              <a:rPr lang="en-US" dirty="0"/>
+              <a:t>Write a failing test first to limit false positives</a:t>
+            </a:r>
+          </a:p>
+        </p:txBody>
+      </p:sp>
+      <p:sp>
+        <p:nvSpPr>
+          <p:cNvPr id="4" name="Slide Number Placeholder 3"/>
+          <p:cNvSpPr>
+            <a:spLocks noGrp="1"/>
+          </p:cNvSpPr>
+          <p:nvPr>
+            <p:ph type="sldNum" sz="quarter" idx="10"/>
+          </p:nvPr>
+        </p:nvSpPr>
+        <p:spPr/>
+        <p:txBody>
+          <a:bodyPr/>
+          <a:lstStyle/>
+          <a:p>
+            <a:fld id="{8F6B0B11-0579-4849-A75B-66F1A88823CB}" type="slidenum">
+              <a:rPr lang="en-US" smtClean="0"/>
+              <a:t>10</a:t>
+            </a:fld>
+            <a:endParaRPr lang="en-US"/>
+          </a:p>
+        </p:txBody>
+      </p:sp>
+    </p:spTree>
+    <p:extLst>
+      <p:ext uri="{BB962C8B-B14F-4D97-AF65-F5344CB8AC3E}">
+        <p14:creationId xmlns:p14="http://schemas.microsoft.com/office/powerpoint/2010/main" val="1359797504"/>
+      </p:ext>
+    </p:extLst>
+  </p:cSld>
+  <p:clrMapOvr>
+    <a:masterClrMapping/>
+  </p:clrMapOvr>
+</p:notes>
+</file>
+
+<file path=ppt/notesSlides/notesSlide8.xml><?xml version="1.0" encoding="utf-8"?>
+<p:notes xmlns:a="http://schemas.openxmlformats.org/drawingml/2006/main" xmlns:r="http://schemas.openxmlformats.org/officeDocument/2006/relationships" xmlns:p="http://schemas.openxmlformats.org/presentationml/2006/main">
+  <p:cSld>
+    <p:spTree>
+      <p:nvGrpSpPr>
+        <p:cNvPr id="1" name=""/>
+        <p:cNvGrpSpPr/>
+        <p:nvPr/>
+      </p:nvGrpSpPr>
+      <p:grpSpPr>
+        <a:xfrm>
+          <a:off x="0" y="0"/>
+          <a:ext cx="0" cy="0"/>
+          <a:chOff x="0" y="0"/>
+          <a:chExt cx="0" cy="0"/>
+        </a:xfrm>
+      </p:grpSpPr>
+      <p:sp>
+        <p:nvSpPr>
+          <p:cNvPr id="2" name="Slide Image Placeholder 1"/>
+          <p:cNvSpPr>
+            <a:spLocks noGrp="1" noRot="1" noChangeAspect="1"/>
+          </p:cNvSpPr>
+          <p:nvPr>
+            <p:ph type="sldImg"/>
+          </p:nvPr>
+        </p:nvSpPr>
+        <p:spPr/>
+      </p:sp>
+      <p:sp>
+        <p:nvSpPr>
+          <p:cNvPr id="3" name="Notes Placeholder 2"/>
+          <p:cNvSpPr>
+            <a:spLocks noGrp="1"/>
+          </p:cNvSpPr>
+          <p:nvPr>
+            <p:ph type="body" idx="1"/>
+          </p:nvPr>
+        </p:nvSpPr>
+        <p:spPr/>
+        <p:txBody>
+          <a:bodyPr/>
+          <a:lstStyle/>
+          <a:p>
+            <a:r>
+              <a:rPr lang="en-US" dirty="0"/>
+              <a:t>Don’t use a system clock—use a mock for it</a:t>
+            </a:r>
+          </a:p>
+          <a:p>
+            <a:r>
+              <a:rPr lang="en-US" dirty="0"/>
+              <a:t>Don’t test against a real Db, mock out the data</a:t>
+            </a:r>
+          </a:p>
+          <a:p>
+            <a:r>
+              <a:rPr lang="en-US" dirty="0"/>
+              <a:t>Logging is a great example of a simple method that could fail for unexpected reasons</a:t>
+            </a:r>
+          </a:p>
+        </p:txBody>
+      </p:sp>
+      <p:sp>
+        <p:nvSpPr>
+          <p:cNvPr id="4" name="Slide Number Placeholder 3"/>
+          <p:cNvSpPr>
+            <a:spLocks noGrp="1"/>
+          </p:cNvSpPr>
+          <p:nvPr>
+            <p:ph type="sldNum" sz="quarter" idx="10"/>
+          </p:nvPr>
+        </p:nvSpPr>
+        <p:spPr/>
+        <p:txBody>
+          <a:bodyPr/>
+          <a:lstStyle/>
+          <a:p>
+            <a:fld id="{8F6B0B11-0579-4849-A75B-66F1A88823CB}" type="slidenum">
+              <a:rPr lang="en-US" smtClean="0"/>
+              <a:t>12</a:t>
+            </a:fld>
+            <a:endParaRPr lang="en-US"/>
+          </a:p>
+        </p:txBody>
+      </p:sp>
+    </p:spTree>
+    <p:extLst>
+      <p:ext uri="{BB962C8B-B14F-4D97-AF65-F5344CB8AC3E}">
+        <p14:creationId xmlns:p14="http://schemas.microsoft.com/office/powerpoint/2010/main" val="4164206567"/>
+      </p:ext>
+    </p:extLst>
+  </p:cSld>
+  <p:clrMapOvr>
+    <a:masterClrMapping/>
+  </p:clrMapOvr>
+</p:notes>
+</file>
+
+<file path=ppt/notesSlides/notesSlide9.xml><?xml version="1.0" encoding="utf-8"?>
+<p:notes xmlns:a="http://schemas.openxmlformats.org/drawingml/2006/main" xmlns:r="http://schemas.openxmlformats.org/officeDocument/2006/relationships" xmlns:p="http://schemas.openxmlformats.org/presentationml/2006/main">
+  <p:cSld>
+    <p:spTree>
+      <p:nvGrpSpPr>
+        <p:cNvPr id="1" name=""/>
+        <p:cNvGrpSpPr/>
+        <p:nvPr/>
+      </p:nvGrpSpPr>
+      <p:grpSpPr>
+        <a:xfrm>
+          <a:off x="0" y="0"/>
+          <a:ext cx="0" cy="0"/>
+          <a:chOff x="0" y="0"/>
+          <a:chExt cx="0" cy="0"/>
+        </a:xfrm>
+      </p:grpSpPr>
+      <p:sp>
+        <p:nvSpPr>
+          <p:cNvPr id="2" name="Slide Image Placeholder 1"/>
+          <p:cNvSpPr>
+            <a:spLocks noGrp="1" noRot="1" noChangeAspect="1"/>
+          </p:cNvSpPr>
+          <p:nvPr>
+            <p:ph type="sldImg"/>
+          </p:nvPr>
+        </p:nvSpPr>
+        <p:spPr/>
+      </p:sp>
+      <p:sp>
+        <p:nvSpPr>
+          <p:cNvPr id="3" name="Notes Placeholder 2"/>
+          <p:cNvSpPr>
+            <a:spLocks noGrp="1"/>
+          </p:cNvSpPr>
+          <p:nvPr>
+            <p:ph type="body" idx="1"/>
+          </p:nvPr>
+        </p:nvSpPr>
+        <p:spPr/>
+        <p:txBody>
+          <a:bodyPr/>
+          <a:lstStyle/>
+          <a:p>
+            <a:r>
+              <a:rPr lang="en-US" dirty="0"/>
+              <a:t>-What if Reset() were broken?</a:t>
+            </a:r>
+          </a:p>
+          <a:p>
+            <a:r>
+              <a:rPr lang="en-US" dirty="0"/>
+              <a:t>-Using Assemble / Act / Assert will improve clarity, as will renaming test names</a:t>
+            </a:r>
+          </a:p>
+          <a:p>
+            <a:r>
+              <a:rPr lang="en-US" dirty="0"/>
+              <a:t>-All of which will serve as better documentation</a:t>
+            </a:r>
+          </a:p>
+        </p:txBody>
+      </p:sp>
+      <p:sp>
+        <p:nvSpPr>
+          <p:cNvPr id="4" name="Slide Number Placeholder 3"/>
+          <p:cNvSpPr>
+            <a:spLocks noGrp="1"/>
+          </p:cNvSpPr>
+          <p:nvPr>
+            <p:ph type="sldNum" sz="quarter" idx="10"/>
+          </p:nvPr>
+        </p:nvSpPr>
+        <p:spPr/>
+        <p:txBody>
+          <a:bodyPr/>
+          <a:lstStyle/>
+          <a:p>
+            <a:fld id="{8F6B0B11-0579-4849-A75B-66F1A88823CB}" type="slidenum">
+              <a:rPr lang="en-US" smtClean="0"/>
+              <a:t>15</a:t>
+            </a:fld>
+            <a:endParaRPr lang="en-US"/>
+          </a:p>
+        </p:txBody>
+      </p:sp>
+    </p:spTree>
+    <p:extLst>
+      <p:ext uri="{BB962C8B-B14F-4D97-AF65-F5344CB8AC3E}">
+        <p14:creationId xmlns:p14="http://schemas.microsoft.com/office/powerpoint/2010/main" val="1508196501"/>
       </p:ext>
     </p:extLst>
   </p:cSld>
@@ -5845,7 +6431,7 @@
           <p:nvPr/>
         </p:nvPicPr>
         <p:blipFill>
-          <a:blip r:embed="rId2">
+          <a:blip r:embed="rId3">
             <a:extLst>
               <a:ext uri="{28A0092B-C50C-407E-A947-70E740481C1C}">
                 <a14:useLocalDpi xmlns:a14="http://schemas.microsoft.com/office/drawing/2010/main" val="0"/>
@@ -7752,7 +8338,7 @@
           <p:nvPr/>
         </p:nvPicPr>
         <p:blipFill>
-          <a:blip r:embed="rId2">
+          <a:blip r:embed="rId3">
             <a:extLst>
               <a:ext uri="{28A0092B-C50C-407E-A947-70E740481C1C}">
                 <a14:useLocalDpi xmlns:a14="http://schemas.microsoft.com/office/drawing/2010/main" val="0"/>

--- a/testing-presentation.pptx
+++ b/testing-presentation.pptx
@@ -743,7 +743,7 @@
               <a:t>Factories = </a:t>
             </a:r>
             <a:r>
-              <a:rPr lang="en-US"/>
+              <a:rPr lang="en-US" dirty="0" err="1"/>
               <a:t>PushJobFetcherTests</a:t>
             </a:r>
             <a:endParaRPr lang="en-US" dirty="0"/>
@@ -6195,14 +6195,6 @@
             <a:pPr lvl="1"/>
             <a:r>
               <a:rPr lang="en-US" dirty="0" err="1"/>
-              <a:t>ExpectedException</a:t>
-            </a:r>
-            <a:endParaRPr lang="en-US" dirty="0"/>
-          </a:p>
-          <a:p>
-            <a:pPr lvl="1"/>
-            <a:r>
-              <a:rPr lang="en-US" dirty="0" err="1"/>
               <a:t>MaxTime</a:t>
             </a:r>
             <a:endParaRPr lang="en-US" dirty="0"/>
@@ -6237,6 +6229,18 @@
               <a:rPr lang="en-US" dirty="0"/>
               <a:t>Random</a:t>
             </a:r>
+          </a:p>
+          <a:p>
+            <a:pPr lvl="1"/>
+            <a:r>
+              <a:rPr lang="en-US" dirty="0" err="1"/>
+              <a:t>ExpectedException</a:t>
+            </a:r>
+            <a:endParaRPr lang="en-US" dirty="0"/>
+          </a:p>
+          <a:p>
+            <a:pPr lvl="1"/>
+            <a:endParaRPr lang="en-US" dirty="0"/>
           </a:p>
           <a:p>
             <a:pPr lvl="1"/>
